--- a/화면설계서/원자재 입출고 관리 페이지.pptx
+++ b/화면설계서/원자재 입출고 관리 페이지.pptx
@@ -265,7 +265,7 @@
           <a:p>
             <a:fld id="{FCFE7013-B495-447A-835D-1567710294B5}" type="datetimeFigureOut">
               <a:rPr lang="ko-KR" altLang="en-US" smtClean="0"/>
-              <a:t>2025-10-08</a:t>
+              <a:t>2025-10-10</a:t>
             </a:fld>
             <a:endParaRPr lang="ko-KR" altLang="en-US"/>
           </a:p>
@@ -463,7 +463,7 @@
           <a:p>
             <a:fld id="{FCFE7013-B495-447A-835D-1567710294B5}" type="datetimeFigureOut">
               <a:rPr lang="ko-KR" altLang="en-US" smtClean="0"/>
-              <a:t>2025-10-08</a:t>
+              <a:t>2025-10-10</a:t>
             </a:fld>
             <a:endParaRPr lang="ko-KR" altLang="en-US"/>
           </a:p>
@@ -671,7 +671,7 @@
           <a:p>
             <a:fld id="{FCFE7013-B495-447A-835D-1567710294B5}" type="datetimeFigureOut">
               <a:rPr lang="ko-KR" altLang="en-US" smtClean="0"/>
-              <a:t>2025-10-08</a:t>
+              <a:t>2025-10-10</a:t>
             </a:fld>
             <a:endParaRPr lang="ko-KR" altLang="en-US"/>
           </a:p>
@@ -869,7 +869,7 @@
           <a:p>
             <a:fld id="{FCFE7013-B495-447A-835D-1567710294B5}" type="datetimeFigureOut">
               <a:rPr lang="ko-KR" altLang="en-US" smtClean="0"/>
-              <a:t>2025-10-08</a:t>
+              <a:t>2025-10-10</a:t>
             </a:fld>
             <a:endParaRPr lang="ko-KR" altLang="en-US"/>
           </a:p>
@@ -1144,7 +1144,7 @@
           <a:p>
             <a:fld id="{FCFE7013-B495-447A-835D-1567710294B5}" type="datetimeFigureOut">
               <a:rPr lang="ko-KR" altLang="en-US" smtClean="0"/>
-              <a:t>2025-10-08</a:t>
+              <a:t>2025-10-10</a:t>
             </a:fld>
             <a:endParaRPr lang="ko-KR" altLang="en-US"/>
           </a:p>
@@ -1409,7 +1409,7 @@
           <a:p>
             <a:fld id="{FCFE7013-B495-447A-835D-1567710294B5}" type="datetimeFigureOut">
               <a:rPr lang="ko-KR" altLang="en-US" smtClean="0"/>
-              <a:t>2025-10-08</a:t>
+              <a:t>2025-10-10</a:t>
             </a:fld>
             <a:endParaRPr lang="ko-KR" altLang="en-US"/>
           </a:p>
@@ -1821,7 +1821,7 @@
           <a:p>
             <a:fld id="{FCFE7013-B495-447A-835D-1567710294B5}" type="datetimeFigureOut">
               <a:rPr lang="ko-KR" altLang="en-US" smtClean="0"/>
-              <a:t>2025-10-08</a:t>
+              <a:t>2025-10-10</a:t>
             </a:fld>
             <a:endParaRPr lang="ko-KR" altLang="en-US"/>
           </a:p>
@@ -1962,7 +1962,7 @@
           <a:p>
             <a:fld id="{FCFE7013-B495-447A-835D-1567710294B5}" type="datetimeFigureOut">
               <a:rPr lang="ko-KR" altLang="en-US" smtClean="0"/>
-              <a:t>2025-10-08</a:t>
+              <a:t>2025-10-10</a:t>
             </a:fld>
             <a:endParaRPr lang="ko-KR" altLang="en-US"/>
           </a:p>
@@ -2075,7 +2075,7 @@
           <a:p>
             <a:fld id="{FCFE7013-B495-447A-835D-1567710294B5}" type="datetimeFigureOut">
               <a:rPr lang="ko-KR" altLang="en-US" smtClean="0"/>
-              <a:t>2025-10-08</a:t>
+              <a:t>2025-10-10</a:t>
             </a:fld>
             <a:endParaRPr lang="ko-KR" altLang="en-US"/>
           </a:p>
@@ -2386,7 +2386,7 @@
           <a:p>
             <a:fld id="{FCFE7013-B495-447A-835D-1567710294B5}" type="datetimeFigureOut">
               <a:rPr lang="ko-KR" altLang="en-US" smtClean="0"/>
-              <a:t>2025-10-08</a:t>
+              <a:t>2025-10-10</a:t>
             </a:fld>
             <a:endParaRPr lang="ko-KR" altLang="en-US"/>
           </a:p>
@@ -2674,7 +2674,7 @@
           <a:p>
             <a:fld id="{FCFE7013-B495-447A-835D-1567710294B5}" type="datetimeFigureOut">
               <a:rPr lang="ko-KR" altLang="en-US" smtClean="0"/>
-              <a:t>2025-10-08</a:t>
+              <a:t>2025-10-10</a:t>
             </a:fld>
             <a:endParaRPr lang="ko-KR" altLang="en-US"/>
           </a:p>
@@ -2915,7 +2915,7 @@
           <a:p>
             <a:fld id="{FCFE7013-B495-447A-835D-1567710294B5}" type="datetimeFigureOut">
               <a:rPr lang="ko-KR" altLang="en-US" smtClean="0"/>
-              <a:t>2025-10-08</a:t>
+              <a:t>2025-10-10</a:t>
             </a:fld>
             <a:endParaRPr lang="ko-KR" altLang="en-US"/>
           </a:p>
@@ -3334,10 +3334,10 @@
       </p:grpSpPr>
       <p:sp>
         <p:nvSpPr>
-          <p:cNvPr id="16" name="직사각형 15">
-            <a:extLst>
-              <a:ext uri="{FF2B5EF4-FFF2-40B4-BE49-F238E27FC236}">
-                <a16:creationId xmlns:a16="http://schemas.microsoft.com/office/drawing/2014/main" id="{29A3B944-6DD2-4C78-B1D3-08D8E1F277A3}"/>
+          <p:cNvPr id="4" name="직사각형 3">
+            <a:extLst>
+              <a:ext uri="{FF2B5EF4-FFF2-40B4-BE49-F238E27FC236}">
+                <a16:creationId xmlns:a16="http://schemas.microsoft.com/office/drawing/2014/main" id="{670B036D-A4FF-0D1C-39B6-1B95F9E81949}"/>
               </a:ext>
             </a:extLst>
           </p:cNvPr>
@@ -3346,8 +3346,8 @@
         </p:nvSpPr>
         <p:spPr>
           <a:xfrm>
-            <a:off x="8122519" y="643968"/>
-            <a:ext cx="3551433" cy="1158705"/>
+            <a:off x="586852" y="655472"/>
+            <a:ext cx="3608583" cy="1158705"/>
           </a:xfrm>
           <a:prstGeom prst="rect">
             <a:avLst/>
@@ -3379,62 +3379,6 @@
             <a:pPr algn="ctr"/>
             <a:r>
               <a:rPr lang="ko-KR" altLang="en-US" sz="2000" dirty="0"/>
-              <a:t> </a:t>
-            </a:r>
-            <a:r>
-              <a:rPr lang="en-US" altLang="ko-KR" sz="2000" dirty="0"/>
-              <a:t>2025.10.08</a:t>
-            </a:r>
-          </a:p>
-        </p:txBody>
-      </p:sp>
-      <p:sp>
-        <p:nvSpPr>
-          <p:cNvPr id="4" name="직사각형 3">
-            <a:extLst>
-              <a:ext uri="{FF2B5EF4-FFF2-40B4-BE49-F238E27FC236}">
-                <a16:creationId xmlns:a16="http://schemas.microsoft.com/office/drawing/2014/main" id="{670B036D-A4FF-0D1C-39B6-1B95F9E81949}"/>
-              </a:ext>
-            </a:extLst>
-          </p:cNvPr>
-          <p:cNvSpPr/>
-          <p:nvPr/>
-        </p:nvSpPr>
-        <p:spPr>
-          <a:xfrm>
-            <a:off x="586852" y="655472"/>
-            <a:ext cx="3608583" cy="1158705"/>
-          </a:xfrm>
-          <a:prstGeom prst="rect">
-            <a:avLst/>
-          </a:prstGeom>
-          <a:ln>
-            <a:solidFill>
-              <a:schemeClr val="bg1"/>
-            </a:solidFill>
-          </a:ln>
-        </p:spPr>
-        <p:style>
-          <a:lnRef idx="2">
-            <a:schemeClr val="dk1"/>
-          </a:lnRef>
-          <a:fillRef idx="1">
-            <a:schemeClr val="lt1"/>
-          </a:fillRef>
-          <a:effectRef idx="0">
-            <a:schemeClr val="dk1"/>
-          </a:effectRef>
-          <a:fontRef idx="minor">
-            <a:schemeClr val="dk1"/>
-          </a:fontRef>
-        </p:style>
-        <p:txBody>
-          <a:bodyPr rtlCol="0" anchor="ctr"/>
-          <a:lstStyle/>
-          <a:p>
-            <a:pPr algn="ctr"/>
-            <a:r>
-              <a:rPr lang="ko-KR" altLang="en-US" sz="2000" dirty="0"/>
               <a:t>원자재 품목 조회 페이지</a:t>
             </a:r>
           </a:p>
@@ -3455,7 +3399,7 @@
           <p:nvPr>
             <p:extLst>
               <p:ext uri="{D42A27DB-BD31-4B8C-83A1-F6EECF244321}">
-                <p14:modId xmlns:p14="http://schemas.microsoft.com/office/powerpoint/2010/main" val="2903240880"/>
+                <p14:modId xmlns:p14="http://schemas.microsoft.com/office/powerpoint/2010/main" val="6392880"/>
               </p:ext>
             </p:extLst>
           </p:nvPr>
@@ -3492,10 +3436,17 @@
                     </a:ext>
                   </a:extLst>
                 </a:gridCol>
-                <a:gridCol w="2632036">
+                <a:gridCol w="1316018">
                   <a:extLst>
                     <a:ext uri="{9D8B030D-6E8A-4147-A177-3AD203B41FA5}">
                       <a16:colId xmlns:a16="http://schemas.microsoft.com/office/drawing/2014/main" val="513259599"/>
+                    </a:ext>
+                  </a:extLst>
+                </a:gridCol>
+                <a:gridCol w="1316018">
+                  <a:extLst>
+                    <a:ext uri="{9D8B030D-6E8A-4147-A177-3AD203B41FA5}">
+                      <a16:colId xmlns:a16="http://schemas.microsoft.com/office/drawing/2014/main" val="2104081222"/>
                     </a:ext>
                   </a:extLst>
                 </a:gridCol>
@@ -3520,99 +3471,134 @@
                     <a:bodyPr/>
                     <a:lstStyle/>
                     <a:p>
+                      <a:pPr algn="ctr" latinLnBrk="1"/>
+                      <a:r>
+                        <a:rPr lang="ko-KR" altLang="en-US" sz="1200" dirty="0"/>
+                        <a:t>매입처명</a:t>
+                      </a:r>
+                    </a:p>
+                  </a:txBody>
+                  <a:tcPr/>
+                </a:tc>
+                <a:tc>
+                  <a:txBody>
+                    <a:bodyPr/>
+                    <a:lstStyle/>
+                    <a:p>
+                      <a:pPr algn="ctr" latinLnBrk="1"/>
+                      <a:r>
+                        <a:rPr lang="ko-KR" altLang="en-US" sz="1200" dirty="0"/>
+                        <a:t>품목 번호</a:t>
+                      </a:r>
+                    </a:p>
+                  </a:txBody>
+                  <a:tcPr/>
+                </a:tc>
+                <a:tc>
+                  <a:txBody>
+                    <a:bodyPr/>
+                    <a:lstStyle/>
+                    <a:p>
+                      <a:pPr algn="ctr" latinLnBrk="1"/>
+                      <a:r>
+                        <a:rPr lang="ko-KR" altLang="en-US" sz="1200" dirty="0"/>
+                        <a:t>품목명</a:t>
+                      </a:r>
+                    </a:p>
+                  </a:txBody>
+                  <a:tcPr/>
+                </a:tc>
+                <a:tc>
+                  <a:txBody>
+                    <a:bodyPr/>
+                    <a:lstStyle/>
+                    <a:p>
+                      <a:pPr algn="ctr" latinLnBrk="1"/>
+                      <a:r>
+                        <a:rPr lang="ko-KR" altLang="en-US" sz="1200" dirty="0"/>
+                        <a:t>원자재규격</a:t>
+                      </a:r>
+                      <a:r>
+                        <a:rPr lang="en-US" altLang="ko-KR" sz="1200" dirty="0"/>
+                        <a:t>(</a:t>
+                      </a:r>
+                      <a:r>
+                        <a:rPr lang="ko-KR" altLang="en-US" sz="1200" dirty="0"/>
+                        <a:t>양</a:t>
+                      </a:r>
+                      <a:r>
+                        <a:rPr lang="en-US" altLang="ko-KR" sz="1200" dirty="0"/>
+                        <a:t>)</a:t>
+                      </a:r>
+                      <a:endParaRPr lang="ko-KR" altLang="en-US" sz="1200" dirty="0"/>
+                    </a:p>
+                  </a:txBody>
+                  <a:tcPr/>
+                </a:tc>
+                <a:tc>
+                  <a:txBody>
+                    <a:bodyPr/>
+                    <a:lstStyle/>
+                    <a:p>
+                      <a:pPr marL="0" marR="0" lvl="0" indent="0" algn="ctr" defTabSz="914400" rtl="0" eaLnBrk="1" fontAlgn="auto" latinLnBrk="1" hangingPunct="1">
+                        <a:lnSpc>
+                          <a:spcPct val="100000"/>
+                        </a:lnSpc>
+                        <a:spcBef>
+                          <a:spcPts val="0"/>
+                        </a:spcBef>
+                        <a:spcAft>
+                          <a:spcPts val="0"/>
+                        </a:spcAft>
+                        <a:buClrTx/>
+                        <a:buSzTx/>
+                        <a:buFontTx/>
+                        <a:buNone/>
+                        <a:tabLst/>
+                        <a:defRPr/>
+                      </a:pPr>
+                      <a:r>
+                        <a:rPr lang="ko-KR" altLang="en-US" sz="1200" dirty="0"/>
+                        <a:t>원자재규격</a:t>
+                      </a:r>
+                      <a:r>
+                        <a:rPr lang="en-US" altLang="ko-KR" sz="1200" dirty="0"/>
+                        <a:t>(</a:t>
+                      </a:r>
+                      <a:r>
+                        <a:rPr lang="ko-KR" altLang="en-US" sz="1200" dirty="0"/>
+                        <a:t>단위</a:t>
+                      </a:r>
+                      <a:r>
+                        <a:rPr lang="en-US" altLang="ko-KR" sz="1200" dirty="0"/>
+                        <a:t>)</a:t>
+                      </a:r>
+                      <a:endParaRPr lang="ko-KR" altLang="en-US" sz="1200" dirty="0"/>
+                    </a:p>
+                  </a:txBody>
+                  <a:tcPr/>
+                </a:tc>
+                <a:tc>
+                  <a:txBody>
+                    <a:bodyPr/>
+                    <a:lstStyle/>
+                    <a:p>
+                      <a:pPr algn="ctr" latinLnBrk="1"/>
+                      <a:r>
+                        <a:rPr lang="ko-KR" altLang="en-US" sz="1200" dirty="0"/>
+                        <a:t>제조사</a:t>
+                      </a:r>
+                    </a:p>
+                  </a:txBody>
+                  <a:tcPr/>
+                </a:tc>
+                <a:tc>
+                  <a:txBody>
+                    <a:bodyPr/>
+                    <a:lstStyle/>
+                    <a:p>
                       <a:pPr latinLnBrk="1"/>
-                      <a:r>
-                        <a:rPr lang="ko-KR" altLang="en-US" dirty="0"/>
-                        <a:t>매입처명</a:t>
-                      </a:r>
-                    </a:p>
-                  </a:txBody>
-                  <a:tcPr/>
-                </a:tc>
-                <a:tc>
-                  <a:txBody>
-                    <a:bodyPr/>
-                    <a:lstStyle/>
-                    <a:p>
-                      <a:pPr latinLnBrk="1"/>
-                      <a:r>
-                        <a:rPr lang="ko-KR" altLang="en-US" dirty="0"/>
-                        <a:t>품목 번호</a:t>
-                      </a:r>
-                    </a:p>
-                  </a:txBody>
-                  <a:tcPr/>
-                </a:tc>
-                <a:tc>
-                  <a:txBody>
-                    <a:bodyPr/>
-                    <a:lstStyle/>
-                    <a:p>
-                      <a:pPr latinLnBrk="1"/>
-                      <a:r>
-                        <a:rPr lang="ko-KR" altLang="en-US" dirty="0"/>
-                        <a:t>품목명</a:t>
-                      </a:r>
-                    </a:p>
-                  </a:txBody>
-                  <a:tcPr/>
-                </a:tc>
-                <a:tc>
-                  <a:txBody>
-                    <a:bodyPr/>
-                    <a:lstStyle/>
-                    <a:p>
-                      <a:pPr latinLnBrk="1"/>
-                      <a:r>
-                        <a:rPr lang="ko-KR" altLang="en-US" dirty="0"/>
-                        <a:t>원자재 규격</a:t>
-                      </a:r>
-                      <a:r>
-                        <a:rPr lang="en-US" altLang="ko-KR" dirty="0"/>
-                        <a:t>(</a:t>
-                      </a:r>
-                      <a:r>
-                        <a:rPr lang="ko-KR" altLang="en-US" dirty="0"/>
-                        <a:t>양</a:t>
-                      </a:r>
-                      <a:r>
-                        <a:rPr lang="en-US" altLang="ko-KR" dirty="0"/>
-                        <a:t>/</a:t>
-                      </a:r>
-                      <a:r>
-                        <a:rPr lang="ko-KR" altLang="en-US" dirty="0"/>
-                        <a:t>단위</a:t>
-                      </a:r>
-                      <a:r>
-                        <a:rPr lang="en-US" altLang="ko-KR" dirty="0"/>
-                        <a:t>)</a:t>
-                      </a:r>
-                      <a:endParaRPr lang="ko-KR" altLang="en-US" dirty="0"/>
-                    </a:p>
-                  </a:txBody>
-                  <a:tcPr/>
-                </a:tc>
-                <a:tc>
-                  <a:txBody>
-                    <a:bodyPr/>
-                    <a:lstStyle/>
-                    <a:p>
-                      <a:pPr latinLnBrk="1"/>
-                      <a:r>
-                        <a:rPr lang="ko-KR" altLang="en-US" dirty="0"/>
-                        <a:t>제조사</a:t>
-                      </a:r>
-                    </a:p>
-                  </a:txBody>
-                  <a:tcPr/>
-                </a:tc>
-                <a:tc>
-                  <a:txBody>
-                    <a:bodyPr/>
-                    <a:lstStyle/>
-                    <a:p>
-                      <a:pPr latinLnBrk="1"/>
-                      <a:endParaRPr lang="ko-KR" altLang="en-US" dirty="0"/>
+                      <a:endParaRPr lang="ko-KR" altLang="en-US" sz="1200" dirty="0"/>
                     </a:p>
                   </a:txBody>
                   <a:tcPr/>
@@ -3629,68 +3615,99 @@
                     <a:bodyPr/>
                     <a:lstStyle/>
                     <a:p>
-                      <a:pPr latinLnBrk="1"/>
-                      <a:endParaRPr lang="ko-KR" altLang="en-US" dirty="0">
-                        <a:highlight>
-                          <a:srgbClr val="FFFF00"/>
-                        </a:highlight>
-                      </a:endParaRPr>
-                    </a:p>
-                  </a:txBody>
-                  <a:tcPr/>
-                </a:tc>
-                <a:tc>
-                  <a:txBody>
-                    <a:bodyPr/>
-                    <a:lstStyle/>
-                    <a:p>
-                      <a:pPr latinLnBrk="1"/>
-                      <a:endParaRPr lang="ko-KR" altLang="en-US" dirty="0">
-                        <a:highlight>
-                          <a:srgbClr val="FFFF00"/>
-                        </a:highlight>
-                      </a:endParaRPr>
-                    </a:p>
-                  </a:txBody>
-                  <a:tcPr/>
-                </a:tc>
-                <a:tc>
-                  <a:txBody>
-                    <a:bodyPr/>
-                    <a:lstStyle/>
-                    <a:p>
-                      <a:pPr latinLnBrk="1"/>
-                      <a:endParaRPr lang="ko-KR" altLang="en-US" dirty="0">
-                        <a:highlight>
-                          <a:srgbClr val="FFFF00"/>
-                        </a:highlight>
-                      </a:endParaRPr>
-                    </a:p>
-                  </a:txBody>
-                  <a:tcPr/>
-                </a:tc>
-                <a:tc>
-                  <a:txBody>
-                    <a:bodyPr/>
-                    <a:lstStyle/>
-                    <a:p>
-                      <a:pPr latinLnBrk="1"/>
-                      <a:endParaRPr lang="ko-KR" altLang="en-US" dirty="0">
-                        <a:highlight>
-                          <a:srgbClr val="FFFF00"/>
-                        </a:highlight>
-                      </a:endParaRPr>
-                    </a:p>
-                  </a:txBody>
-                  <a:tcPr/>
-                </a:tc>
-                <a:tc>
-                  <a:txBody>
-                    <a:bodyPr/>
-                    <a:lstStyle/>
-                    <a:p>
-                      <a:pPr latinLnBrk="1"/>
-                      <a:endParaRPr lang="ko-KR" altLang="en-US" dirty="0"/>
+                      <a:pPr algn="ctr" latinLnBrk="1"/>
+                      <a:r>
+                        <a:rPr lang="ko-KR" altLang="en-US" sz="1800" b="0" dirty="0" err="1"/>
+                        <a:t>매입처</a:t>
+                      </a:r>
+                      <a:r>
+                        <a:rPr lang="en-US" altLang="ko-KR" sz="1800" b="0" dirty="0"/>
+                        <a:t>A</a:t>
+                      </a:r>
+                      <a:endParaRPr lang="ko-KR" altLang="en-US" sz="1800" b="0" dirty="0"/>
+                    </a:p>
+                  </a:txBody>
+                  <a:tcPr/>
+                </a:tc>
+                <a:tc>
+                  <a:txBody>
+                    <a:bodyPr/>
+                    <a:lstStyle/>
+                    <a:p>
+                      <a:pPr algn="ctr" latinLnBrk="1"/>
+                      <a:r>
+                        <a:rPr lang="en-US" altLang="ko-KR" sz="1800" b="0" dirty="0"/>
+                        <a:t>KS M 6020</a:t>
+                      </a:r>
+                      <a:endParaRPr lang="ko-KR" altLang="en-US" sz="1800" b="0" dirty="0"/>
+                    </a:p>
+                  </a:txBody>
+                  <a:tcPr/>
+                </a:tc>
+                <a:tc>
+                  <a:txBody>
+                    <a:bodyPr/>
+                    <a:lstStyle/>
+                    <a:p>
+                      <a:pPr algn="ctr" latinLnBrk="1"/>
+                      <a:r>
+                        <a:rPr lang="ko-KR" altLang="en-US" sz="1800" b="0" dirty="0"/>
+                        <a:t>품목</a:t>
+                      </a:r>
+                      <a:r>
+                        <a:rPr lang="en-US" altLang="ko-KR" sz="1800" b="0" dirty="0"/>
+                        <a:t>A</a:t>
+                      </a:r>
+                      <a:endParaRPr lang="ko-KR" altLang="en-US" sz="1800" b="0" dirty="0"/>
+                    </a:p>
+                  </a:txBody>
+                  <a:tcPr/>
+                </a:tc>
+                <a:tc>
+                  <a:txBody>
+                    <a:bodyPr/>
+                    <a:lstStyle/>
+                    <a:p>
+                      <a:pPr algn="ctr" latinLnBrk="1"/>
+                      <a:r>
+                        <a:rPr lang="en-US" altLang="ko-KR" sz="1800" b="0" dirty="0"/>
+                        <a:t>20</a:t>
+                      </a:r>
+                      <a:endParaRPr lang="ko-KR" altLang="en-US" sz="1800" b="0" dirty="0"/>
+                    </a:p>
+                  </a:txBody>
+                  <a:tcPr/>
+                </a:tc>
+                <a:tc>
+                  <a:txBody>
+                    <a:bodyPr/>
+                    <a:lstStyle/>
+                    <a:p>
+                      <a:pPr algn="ctr" latinLnBrk="1"/>
+                      <a:r>
+                        <a:rPr lang="en-US" altLang="ko-KR" sz="1800" b="0" dirty="0"/>
+                        <a:t>Kg</a:t>
+                      </a:r>
+                      <a:endParaRPr lang="ko-KR" altLang="en-US" sz="1800" b="0" dirty="0"/>
+                    </a:p>
+                  </a:txBody>
+                  <a:tcPr/>
+                </a:tc>
+                <a:tc>
+                  <a:txBody>
+                    <a:bodyPr/>
+                    <a:lstStyle/>
+                    <a:p>
+                      <a:pPr algn="ctr" latinLnBrk="1"/>
+                      <a:r>
+                        <a:rPr lang="ko-KR" altLang="en-US" sz="1800" b="0" dirty="0"/>
+                        <a:t>제조사</a:t>
+                      </a:r>
+                      <a:r>
+                        <a:rPr lang="en-US" altLang="ko-KR" sz="1800" b="0" dirty="0"/>
+                        <a:t>A</a:t>
+                      </a:r>
+                      <a:endParaRPr lang="ko-KR" altLang="en-US" sz="1800" b="0" dirty="0"/>
                     </a:p>
                   </a:txBody>
                   <a:tcPr/>
@@ -3718,72 +3735,99 @@
                     <a:bodyPr/>
                     <a:lstStyle/>
                     <a:p>
-                      <a:pPr latinLnBrk="1"/>
-                      <a:endParaRPr lang="ko-KR" altLang="en-US" dirty="0">
-                        <a:highlight>
-                          <a:srgbClr val="FFFF00"/>
-                        </a:highlight>
-                      </a:endParaRPr>
-                    </a:p>
-                  </a:txBody>
-                  <a:tcPr/>
-                </a:tc>
-                <a:tc>
-                  <a:txBody>
-                    <a:bodyPr/>
-                    <a:lstStyle/>
-                    <a:p>
-                      <a:pPr latinLnBrk="1"/>
-                      <a:endParaRPr lang="ko-KR" altLang="en-US" dirty="0">
-                        <a:highlight>
-                          <a:srgbClr val="FFFF00"/>
-                        </a:highlight>
-                      </a:endParaRPr>
-                    </a:p>
-                  </a:txBody>
-                  <a:tcPr/>
-                </a:tc>
-                <a:tc>
-                  <a:txBody>
-                    <a:bodyPr/>
-                    <a:lstStyle/>
-                    <a:p>
-                      <a:pPr latinLnBrk="1"/>
-                      <a:endParaRPr lang="ko-KR" altLang="en-US" dirty="0">
-                        <a:highlight>
-                          <a:srgbClr val="FFFF00"/>
-                        </a:highlight>
-                      </a:endParaRPr>
-                    </a:p>
-                  </a:txBody>
-                  <a:tcPr/>
-                </a:tc>
-                <a:tc>
-                  <a:txBody>
-                    <a:bodyPr/>
-                    <a:lstStyle/>
-                    <a:p>
-                      <a:pPr latinLnBrk="1"/>
-                      <a:endParaRPr lang="ko-KR" altLang="en-US" dirty="0">
-                        <a:highlight>
-                          <a:srgbClr val="FFFF00"/>
-                        </a:highlight>
-                      </a:endParaRPr>
-                    </a:p>
-                  </a:txBody>
-                  <a:tcPr/>
-                </a:tc>
-                <a:tc>
-                  <a:txBody>
-                    <a:bodyPr/>
-                    <a:lstStyle/>
-                    <a:p>
-                      <a:pPr latinLnBrk="1"/>
-                      <a:endParaRPr lang="ko-KR" altLang="en-US" dirty="0">
-                        <a:highlight>
-                          <a:srgbClr val="FFFF00"/>
-                        </a:highlight>
-                      </a:endParaRPr>
+                      <a:pPr algn="ctr" latinLnBrk="1"/>
+                      <a:r>
+                        <a:rPr lang="ko-KR" altLang="en-US" sz="1800" b="0" dirty="0" err="1"/>
+                        <a:t>매입처</a:t>
+                      </a:r>
+                      <a:r>
+                        <a:rPr lang="en-US" altLang="ko-KR" sz="1800" b="0" dirty="0"/>
+                        <a:t>B</a:t>
+                      </a:r>
+                      <a:endParaRPr lang="ko-KR" altLang="en-US" sz="1800" b="0" dirty="0"/>
+                    </a:p>
+                  </a:txBody>
+                  <a:tcPr/>
+                </a:tc>
+                <a:tc>
+                  <a:txBody>
+                    <a:bodyPr/>
+                    <a:lstStyle/>
+                    <a:p>
+                      <a:pPr algn="ctr" latinLnBrk="1"/>
+                      <a:r>
+                        <a:rPr lang="en-US" altLang="ko-KR" sz="1800" b="0" dirty="0"/>
+                        <a:t>KS M 6021</a:t>
+                      </a:r>
+                      <a:endParaRPr lang="ko-KR" altLang="en-US" sz="1800" b="0" dirty="0"/>
+                    </a:p>
+                  </a:txBody>
+                  <a:tcPr/>
+                </a:tc>
+                <a:tc>
+                  <a:txBody>
+                    <a:bodyPr/>
+                    <a:lstStyle/>
+                    <a:p>
+                      <a:pPr algn="ctr" latinLnBrk="1"/>
+                      <a:r>
+                        <a:rPr lang="ko-KR" altLang="en-US" sz="1800" b="0" dirty="0"/>
+                        <a:t>품목</a:t>
+                      </a:r>
+                      <a:r>
+                        <a:rPr lang="en-US" altLang="ko-KR" sz="1800" b="0" dirty="0"/>
+                        <a:t>B</a:t>
+                      </a:r>
+                      <a:endParaRPr lang="ko-KR" altLang="en-US" sz="1800" b="0" dirty="0"/>
+                    </a:p>
+                  </a:txBody>
+                  <a:tcPr/>
+                </a:tc>
+                <a:tc>
+                  <a:txBody>
+                    <a:bodyPr/>
+                    <a:lstStyle/>
+                    <a:p>
+                      <a:pPr algn="ctr" latinLnBrk="1"/>
+                      <a:r>
+                        <a:rPr lang="en-US" altLang="ko-KR" sz="1800" b="0" dirty="0"/>
+                        <a:t>10</a:t>
+                      </a:r>
+                      <a:endParaRPr lang="ko-KR" altLang="en-US" sz="1800" b="0" dirty="0"/>
+                    </a:p>
+                  </a:txBody>
+                  <a:tcPr/>
+                </a:tc>
+                <a:tc>
+                  <a:txBody>
+                    <a:bodyPr/>
+                    <a:lstStyle/>
+                    <a:p>
+                      <a:pPr algn="ctr" latinLnBrk="1"/>
+                      <a:r>
+                        <a:rPr lang="en-US" altLang="ko-KR" sz="1800" b="0" dirty="0"/>
+                        <a:t>Kg</a:t>
+                      </a:r>
+                      <a:endParaRPr lang="ko-KR" altLang="en-US" sz="1800" b="0" dirty="0"/>
+                    </a:p>
+                  </a:txBody>
+                  <a:tcPr/>
+                </a:tc>
+                <a:tc>
+                  <a:txBody>
+                    <a:bodyPr/>
+                    <a:lstStyle/>
+                    <a:p>
+                      <a:pPr algn="ctr" latinLnBrk="1"/>
+                      <a:r>
+                        <a:rPr lang="ko-KR" altLang="en-US" sz="1800" b="0" dirty="0"/>
+                        <a:t>제조사</a:t>
+                      </a:r>
+                      <a:r>
+                        <a:rPr lang="en-US" altLang="ko-KR" sz="1800" b="0" dirty="0"/>
+                        <a:t>B</a:t>
+                      </a:r>
+                      <a:endParaRPr lang="ko-KR" altLang="en-US" sz="1800" b="0" dirty="0"/>
                     </a:p>
                   </a:txBody>
                   <a:tcPr/>
@@ -3815,72 +3859,99 @@
                     <a:bodyPr/>
                     <a:lstStyle/>
                     <a:p>
-                      <a:pPr latinLnBrk="1"/>
-                      <a:endParaRPr lang="ko-KR" altLang="en-US" dirty="0">
-                        <a:highlight>
-                          <a:srgbClr val="FFFF00"/>
-                        </a:highlight>
-                      </a:endParaRPr>
-                    </a:p>
-                  </a:txBody>
-                  <a:tcPr/>
-                </a:tc>
-                <a:tc>
-                  <a:txBody>
-                    <a:bodyPr/>
-                    <a:lstStyle/>
-                    <a:p>
-                      <a:pPr latinLnBrk="1"/>
-                      <a:endParaRPr lang="ko-KR" altLang="en-US" dirty="0">
-                        <a:highlight>
-                          <a:srgbClr val="FFFF00"/>
-                        </a:highlight>
-                      </a:endParaRPr>
-                    </a:p>
-                  </a:txBody>
-                  <a:tcPr/>
-                </a:tc>
-                <a:tc>
-                  <a:txBody>
-                    <a:bodyPr/>
-                    <a:lstStyle/>
-                    <a:p>
-                      <a:pPr latinLnBrk="1"/>
-                      <a:endParaRPr lang="ko-KR" altLang="en-US" dirty="0">
-                        <a:highlight>
-                          <a:srgbClr val="FFFF00"/>
-                        </a:highlight>
-                      </a:endParaRPr>
-                    </a:p>
-                  </a:txBody>
-                  <a:tcPr/>
-                </a:tc>
-                <a:tc>
-                  <a:txBody>
-                    <a:bodyPr/>
-                    <a:lstStyle/>
-                    <a:p>
-                      <a:pPr latinLnBrk="1"/>
-                      <a:endParaRPr lang="ko-KR" altLang="en-US" dirty="0">
-                        <a:highlight>
-                          <a:srgbClr val="FFFF00"/>
-                        </a:highlight>
-                      </a:endParaRPr>
-                    </a:p>
-                  </a:txBody>
-                  <a:tcPr/>
-                </a:tc>
-                <a:tc>
-                  <a:txBody>
-                    <a:bodyPr/>
-                    <a:lstStyle/>
-                    <a:p>
-                      <a:pPr latinLnBrk="1"/>
-                      <a:endParaRPr lang="ko-KR" altLang="en-US" dirty="0">
-                        <a:highlight>
-                          <a:srgbClr val="FFFF00"/>
-                        </a:highlight>
-                      </a:endParaRPr>
+                      <a:pPr algn="ctr" latinLnBrk="1"/>
+                      <a:r>
+                        <a:rPr lang="ko-KR" altLang="en-US" sz="1800" b="0" dirty="0" err="1"/>
+                        <a:t>매입처</a:t>
+                      </a:r>
+                      <a:r>
+                        <a:rPr lang="en-US" altLang="ko-KR" sz="1800" b="0" dirty="0"/>
+                        <a:t>C</a:t>
+                      </a:r>
+                      <a:endParaRPr lang="ko-KR" altLang="en-US" sz="1800" b="0" dirty="0"/>
+                    </a:p>
+                  </a:txBody>
+                  <a:tcPr/>
+                </a:tc>
+                <a:tc>
+                  <a:txBody>
+                    <a:bodyPr/>
+                    <a:lstStyle/>
+                    <a:p>
+                      <a:pPr algn="ctr" latinLnBrk="1"/>
+                      <a:r>
+                        <a:rPr lang="en-US" altLang="ko-KR" sz="1800" b="0" dirty="0"/>
+                        <a:t>KS M 6022</a:t>
+                      </a:r>
+                      <a:endParaRPr lang="ko-KR" altLang="en-US" sz="1800" b="0" dirty="0"/>
+                    </a:p>
+                  </a:txBody>
+                  <a:tcPr/>
+                </a:tc>
+                <a:tc>
+                  <a:txBody>
+                    <a:bodyPr/>
+                    <a:lstStyle/>
+                    <a:p>
+                      <a:pPr algn="ctr" latinLnBrk="1"/>
+                      <a:r>
+                        <a:rPr lang="ko-KR" altLang="en-US" sz="1800" b="0" dirty="0"/>
+                        <a:t>품목</a:t>
+                      </a:r>
+                      <a:r>
+                        <a:rPr lang="en-US" altLang="ko-KR" sz="1800" b="0" dirty="0"/>
+                        <a:t>C</a:t>
+                      </a:r>
+                      <a:endParaRPr lang="ko-KR" altLang="en-US" sz="1800" b="0" dirty="0"/>
+                    </a:p>
+                  </a:txBody>
+                  <a:tcPr/>
+                </a:tc>
+                <a:tc>
+                  <a:txBody>
+                    <a:bodyPr/>
+                    <a:lstStyle/>
+                    <a:p>
+                      <a:pPr algn="ctr" latinLnBrk="1"/>
+                      <a:r>
+                        <a:rPr lang="en-US" altLang="ko-KR" sz="1800" b="0" dirty="0"/>
+                        <a:t>50</a:t>
+                      </a:r>
+                      <a:endParaRPr lang="ko-KR" altLang="en-US" sz="1800" b="0" dirty="0"/>
+                    </a:p>
+                  </a:txBody>
+                  <a:tcPr/>
+                </a:tc>
+                <a:tc>
+                  <a:txBody>
+                    <a:bodyPr/>
+                    <a:lstStyle/>
+                    <a:p>
+                      <a:pPr algn="ctr" latinLnBrk="1"/>
+                      <a:r>
+                        <a:rPr lang="en-US" altLang="ko-KR" sz="1800" b="0" dirty="0"/>
+                        <a:t>Kg</a:t>
+                      </a:r>
+                      <a:endParaRPr lang="ko-KR" altLang="en-US" sz="1800" b="0" dirty="0"/>
+                    </a:p>
+                  </a:txBody>
+                  <a:tcPr/>
+                </a:tc>
+                <a:tc>
+                  <a:txBody>
+                    <a:bodyPr/>
+                    <a:lstStyle/>
+                    <a:p>
+                      <a:pPr algn="ctr" latinLnBrk="1"/>
+                      <a:r>
+                        <a:rPr lang="ko-KR" altLang="en-US" sz="1800" b="0" dirty="0"/>
+                        <a:t>제조사</a:t>
+                      </a:r>
+                      <a:r>
+                        <a:rPr lang="en-US" altLang="ko-KR" sz="1800" b="0" dirty="0"/>
+                        <a:t>C</a:t>
+                      </a:r>
+                      <a:endParaRPr lang="ko-KR" altLang="en-US" sz="1800" b="0" dirty="0"/>
                     </a:p>
                   </a:txBody>
                   <a:tcPr/>
@@ -3997,6 +4068,21 @@
                   </a:txBody>
                   <a:tcPr/>
                 </a:tc>
+                <a:tc>
+                  <a:txBody>
+                    <a:bodyPr/>
+                    <a:lstStyle/>
+                    <a:p>
+                      <a:pPr algn="l" latinLnBrk="1"/>
+                      <a:endParaRPr lang="ko-KR" altLang="en-US" dirty="0">
+                        <a:highlight>
+                          <a:srgbClr val="FFFF00"/>
+                        </a:highlight>
+                      </a:endParaRPr>
+                    </a:p>
+                  </a:txBody>
+                  <a:tcPr/>
+                </a:tc>
                 <a:extLst>
                   <a:ext uri="{0D108BD9-81ED-4DB2-BD59-A6C34878D82A}">
                     <a16:rowId xmlns:a16="http://schemas.microsoft.com/office/drawing/2014/main" val="1805923246"/>
@@ -4094,6 +4180,21 @@
                   </a:txBody>
                   <a:tcPr/>
                 </a:tc>
+                <a:tc>
+                  <a:txBody>
+                    <a:bodyPr/>
+                    <a:lstStyle/>
+                    <a:p>
+                      <a:pPr algn="l" latinLnBrk="1"/>
+                      <a:endParaRPr lang="ko-KR" altLang="en-US" dirty="0">
+                        <a:highlight>
+                          <a:srgbClr val="FFFF00"/>
+                        </a:highlight>
+                      </a:endParaRPr>
+                    </a:p>
+                  </a:txBody>
+                  <a:tcPr/>
+                </a:tc>
                 <a:extLst>
                   <a:ext uri="{0D108BD9-81ED-4DB2-BD59-A6C34878D82A}">
                     <a16:rowId xmlns:a16="http://schemas.microsoft.com/office/drawing/2014/main" val="1719107179"/>
@@ -4191,6 +4292,21 @@
                   </a:txBody>
                   <a:tcPr/>
                 </a:tc>
+                <a:tc>
+                  <a:txBody>
+                    <a:bodyPr/>
+                    <a:lstStyle/>
+                    <a:p>
+                      <a:pPr algn="l" latinLnBrk="1"/>
+                      <a:endParaRPr lang="ko-KR" altLang="en-US" dirty="0">
+                        <a:highlight>
+                          <a:srgbClr val="FFFF00"/>
+                        </a:highlight>
+                      </a:endParaRPr>
+                    </a:p>
+                  </a:txBody>
+                  <a:tcPr/>
+                </a:tc>
                 <a:extLst>
                   <a:ext uri="{0D108BD9-81ED-4DB2-BD59-A6C34878D82A}">
                     <a16:rowId xmlns:a16="http://schemas.microsoft.com/office/drawing/2014/main" val="3052753726"/>
@@ -4198,6 +4314,21 @@
                 </a:extLst>
               </a:tr>
               <a:tr h="459377">
+                <a:tc>
+                  <a:txBody>
+                    <a:bodyPr/>
+                    <a:lstStyle/>
+                    <a:p>
+                      <a:pPr algn="l" latinLnBrk="1"/>
+                      <a:endParaRPr lang="ko-KR" altLang="en-US" dirty="0">
+                        <a:highlight>
+                          <a:srgbClr val="FFFF00"/>
+                        </a:highlight>
+                      </a:endParaRPr>
+                    </a:p>
+                  </a:txBody>
+                  <a:tcPr/>
+                </a:tc>
                 <a:tc>
                   <a:txBody>
                     <a:bodyPr/>
@@ -4754,6 +4885,319 @@
         <p:spPr>
           <a:xfrm>
             <a:off x="9826881" y="2623401"/>
+            <a:ext cx="1389614" cy="397385"/>
+          </a:xfrm>
+          <a:prstGeom prst="roundRect">
+            <a:avLst/>
+          </a:prstGeom>
+        </p:spPr>
+        <p:style>
+          <a:lnRef idx="2">
+            <a:schemeClr val="dk1"/>
+          </a:lnRef>
+          <a:fillRef idx="1">
+            <a:schemeClr val="lt1"/>
+          </a:fillRef>
+          <a:effectRef idx="0">
+            <a:schemeClr val="dk1"/>
+          </a:effectRef>
+          <a:fontRef idx="minor">
+            <a:schemeClr val="dk1"/>
+          </a:fontRef>
+        </p:style>
+        <p:txBody>
+          <a:bodyPr rtlCol="0" anchor="ctr"/>
+          <a:lstStyle/>
+          <a:p>
+            <a:pPr algn="ctr"/>
+            <a:r>
+              <a:rPr lang="ko-KR" altLang="en-US" dirty="0"/>
+              <a:t>입고 등록</a:t>
+            </a:r>
+          </a:p>
+        </p:txBody>
+      </p:sp>
+      <p:pic>
+        <p:nvPicPr>
+          <p:cNvPr id="2" name="그래픽 1" descr="다운로드">
+            <a:extLst>
+              <a:ext uri="{FF2B5EF4-FFF2-40B4-BE49-F238E27FC236}">
+                <a16:creationId xmlns:a16="http://schemas.microsoft.com/office/drawing/2014/main" id="{0B9B0E5E-EFA3-2795-DCC3-64A273678A5B}"/>
+              </a:ext>
+            </a:extLst>
+          </p:cNvPr>
+          <p:cNvPicPr>
+            <a:picLocks noChangeAspect="1"/>
+          </p:cNvPicPr>
+          <p:nvPr/>
+        </p:nvPicPr>
+        <p:blipFill>
+          <a:blip r:embed="rId4">
+            <a:extLst>
+              <a:ext uri="{96DAC541-7B7A-43D3-8B79-37D633B846F1}">
+                <asvg:svgBlip xmlns:asvg="http://schemas.microsoft.com/office/drawing/2016/SVG/main" r:embed="rId5"/>
+              </a:ext>
+            </a:extLst>
+          </a:blip>
+          <a:stretch>
+            <a:fillRect/>
+          </a:stretch>
+        </p:blipFill>
+        <p:spPr>
+          <a:xfrm>
+            <a:off x="10521688" y="1682660"/>
+            <a:ext cx="275467" cy="275467"/>
+          </a:xfrm>
+          <a:prstGeom prst="rect">
+            <a:avLst/>
+          </a:prstGeom>
+        </p:spPr>
+      </p:pic>
+      <p:sp>
+        <p:nvSpPr>
+          <p:cNvPr id="3" name="타원 2">
+            <a:extLst>
+              <a:ext uri="{FF2B5EF4-FFF2-40B4-BE49-F238E27FC236}">
+                <a16:creationId xmlns:a16="http://schemas.microsoft.com/office/drawing/2014/main" id="{9EE3D3BB-E90A-AFCA-5BFD-6F71A8DC881C}"/>
+              </a:ext>
+            </a:extLst>
+          </p:cNvPr>
+          <p:cNvSpPr/>
+          <p:nvPr/>
+        </p:nvSpPr>
+        <p:spPr>
+          <a:xfrm>
+            <a:off x="10880853" y="1708194"/>
+            <a:ext cx="244929" cy="224398"/>
+          </a:xfrm>
+          <a:prstGeom prst="ellipse">
+            <a:avLst/>
+          </a:prstGeom>
+          <a:solidFill>
+            <a:srgbClr val="FFFF00"/>
+          </a:solidFill>
+        </p:spPr>
+        <p:style>
+          <a:lnRef idx="2">
+            <a:schemeClr val="accent1">
+              <a:shade val="15000"/>
+            </a:schemeClr>
+          </a:lnRef>
+          <a:fillRef idx="1">
+            <a:schemeClr val="accent1"/>
+          </a:fillRef>
+          <a:effectRef idx="0">
+            <a:schemeClr val="accent1"/>
+          </a:effectRef>
+          <a:fontRef idx="minor">
+            <a:schemeClr val="lt1"/>
+          </a:fontRef>
+        </p:style>
+        <p:txBody>
+          <a:bodyPr rtlCol="0" anchor="ctr"/>
+          <a:lstStyle/>
+          <a:p>
+            <a:pPr algn="ctr"/>
+            <a:r>
+              <a:rPr lang="en-US" altLang="ko-KR" dirty="0">
+                <a:solidFill>
+                  <a:schemeClr val="tx1"/>
+                </a:solidFill>
+              </a:rPr>
+              <a:t>2</a:t>
+            </a:r>
+            <a:endParaRPr lang="ko-KR" altLang="en-US" dirty="0">
+              <a:solidFill>
+                <a:schemeClr val="tx1"/>
+              </a:solidFill>
+            </a:endParaRPr>
+          </a:p>
+        </p:txBody>
+      </p:sp>
+      <p:sp>
+        <p:nvSpPr>
+          <p:cNvPr id="17" name="타원 16">
+            <a:extLst>
+              <a:ext uri="{FF2B5EF4-FFF2-40B4-BE49-F238E27FC236}">
+                <a16:creationId xmlns:a16="http://schemas.microsoft.com/office/drawing/2014/main" id="{C19E5342-D264-3D52-36FF-4C30D937EE69}"/>
+              </a:ext>
+            </a:extLst>
+          </p:cNvPr>
+          <p:cNvSpPr/>
+          <p:nvPr/>
+        </p:nvSpPr>
+        <p:spPr>
+          <a:xfrm>
+            <a:off x="11042894" y="2715095"/>
+            <a:ext cx="244929" cy="224398"/>
+          </a:xfrm>
+          <a:prstGeom prst="ellipse">
+            <a:avLst/>
+          </a:prstGeom>
+          <a:solidFill>
+            <a:srgbClr val="FFFF00"/>
+          </a:solidFill>
+        </p:spPr>
+        <p:style>
+          <a:lnRef idx="2">
+            <a:schemeClr val="accent1">
+              <a:shade val="15000"/>
+            </a:schemeClr>
+          </a:lnRef>
+          <a:fillRef idx="1">
+            <a:schemeClr val="accent1"/>
+          </a:fillRef>
+          <a:effectRef idx="0">
+            <a:schemeClr val="accent1"/>
+          </a:effectRef>
+          <a:fontRef idx="minor">
+            <a:schemeClr val="lt1"/>
+          </a:fontRef>
+        </p:style>
+        <p:txBody>
+          <a:bodyPr rtlCol="0" anchor="ctr"/>
+          <a:lstStyle/>
+          <a:p>
+            <a:pPr algn="ctr"/>
+            <a:r>
+              <a:rPr lang="en-US" altLang="ko-KR" dirty="0">
+                <a:solidFill>
+                  <a:schemeClr val="tx1"/>
+                </a:solidFill>
+              </a:rPr>
+              <a:t>3</a:t>
+            </a:r>
+            <a:endParaRPr lang="ko-KR" altLang="en-US" dirty="0">
+              <a:solidFill>
+                <a:schemeClr val="tx1"/>
+              </a:solidFill>
+            </a:endParaRPr>
+          </a:p>
+        </p:txBody>
+      </p:sp>
+      <p:sp>
+        <p:nvSpPr>
+          <p:cNvPr id="19" name="타원 18">
+            <a:extLst>
+              <a:ext uri="{FF2B5EF4-FFF2-40B4-BE49-F238E27FC236}">
+                <a16:creationId xmlns:a16="http://schemas.microsoft.com/office/drawing/2014/main" id="{B1A0C32C-4E0A-F95D-119E-DE84890075E6}"/>
+              </a:ext>
+            </a:extLst>
+          </p:cNvPr>
+          <p:cNvSpPr/>
+          <p:nvPr/>
+        </p:nvSpPr>
+        <p:spPr>
+          <a:xfrm>
+            <a:off x="6653215" y="1713674"/>
+            <a:ext cx="244929" cy="224398"/>
+          </a:xfrm>
+          <a:prstGeom prst="ellipse">
+            <a:avLst/>
+          </a:prstGeom>
+          <a:solidFill>
+            <a:srgbClr val="FFFF00"/>
+          </a:solidFill>
+        </p:spPr>
+        <p:style>
+          <a:lnRef idx="2">
+            <a:schemeClr val="accent1">
+              <a:shade val="15000"/>
+            </a:schemeClr>
+          </a:lnRef>
+          <a:fillRef idx="1">
+            <a:schemeClr val="accent1"/>
+          </a:fillRef>
+          <a:effectRef idx="0">
+            <a:schemeClr val="accent1"/>
+          </a:effectRef>
+          <a:fontRef idx="minor">
+            <a:schemeClr val="lt1"/>
+          </a:fontRef>
+        </p:style>
+        <p:txBody>
+          <a:bodyPr rtlCol="0" anchor="ctr"/>
+          <a:lstStyle/>
+          <a:p>
+            <a:pPr algn="ctr"/>
+            <a:r>
+              <a:rPr lang="en-US" altLang="ko-KR" dirty="0">
+                <a:solidFill>
+                  <a:schemeClr val="tx1"/>
+                </a:solidFill>
+              </a:rPr>
+              <a:t>1</a:t>
+            </a:r>
+            <a:endParaRPr lang="ko-KR" altLang="en-US" dirty="0">
+              <a:solidFill>
+                <a:schemeClr val="tx1"/>
+              </a:solidFill>
+            </a:endParaRPr>
+          </a:p>
+        </p:txBody>
+      </p:sp>
+      <p:sp>
+        <p:nvSpPr>
+          <p:cNvPr id="25" name="사각형: 둥근 모서리 24">
+            <a:extLst>
+              <a:ext uri="{FF2B5EF4-FFF2-40B4-BE49-F238E27FC236}">
+                <a16:creationId xmlns:a16="http://schemas.microsoft.com/office/drawing/2014/main" id="{FF169012-CBFE-1323-67D3-725F4294C6D7}"/>
+              </a:ext>
+            </a:extLst>
+          </p:cNvPr>
+          <p:cNvSpPr/>
+          <p:nvPr/>
+        </p:nvSpPr>
+        <p:spPr>
+          <a:xfrm>
+            <a:off x="9826881" y="3084197"/>
+            <a:ext cx="1389614" cy="397385"/>
+          </a:xfrm>
+          <a:prstGeom prst="roundRect">
+            <a:avLst/>
+          </a:prstGeom>
+        </p:spPr>
+        <p:style>
+          <a:lnRef idx="2">
+            <a:schemeClr val="dk1"/>
+          </a:lnRef>
+          <a:fillRef idx="1">
+            <a:schemeClr val="lt1"/>
+          </a:fillRef>
+          <a:effectRef idx="0">
+            <a:schemeClr val="dk1"/>
+          </a:effectRef>
+          <a:fontRef idx="minor">
+            <a:schemeClr val="dk1"/>
+          </a:fontRef>
+        </p:style>
+        <p:txBody>
+          <a:bodyPr rtlCol="0" anchor="ctr"/>
+          <a:lstStyle/>
+          <a:p>
+            <a:pPr algn="ctr"/>
+            <a:r>
+              <a:rPr lang="ko-KR" altLang="en-US" dirty="0"/>
+              <a:t>입고 등록</a:t>
+            </a:r>
+          </a:p>
+        </p:txBody>
+      </p:sp>
+      <p:sp>
+        <p:nvSpPr>
+          <p:cNvPr id="27" name="사각형: 둥근 모서리 26">
+            <a:extLst>
+              <a:ext uri="{FF2B5EF4-FFF2-40B4-BE49-F238E27FC236}">
+                <a16:creationId xmlns:a16="http://schemas.microsoft.com/office/drawing/2014/main" id="{52CB2796-4DE5-EFF0-B57C-3D9222090BC0}"/>
+              </a:ext>
+            </a:extLst>
+          </p:cNvPr>
+          <p:cNvSpPr/>
+          <p:nvPr/>
+        </p:nvSpPr>
+        <p:spPr>
+          <a:xfrm>
+            <a:off x="9838023" y="3538406"/>
             <a:ext cx="1389614" cy="397385"/>
           </a:xfrm>
           <a:prstGeom prst="roundRect">
@@ -4912,54 +5356,6 @@
       </p:sp>
       <p:sp>
         <p:nvSpPr>
-          <p:cNvPr id="6" name="사각형: 둥근 모서리 5">
-            <a:extLst>
-              <a:ext uri="{FF2B5EF4-FFF2-40B4-BE49-F238E27FC236}">
-                <a16:creationId xmlns:a16="http://schemas.microsoft.com/office/drawing/2014/main" id="{8ECD6A91-914B-4B91-ABC3-9A813AA5C496}"/>
-              </a:ext>
-            </a:extLst>
-          </p:cNvPr>
-          <p:cNvSpPr/>
-          <p:nvPr/>
-        </p:nvSpPr>
-        <p:spPr>
-          <a:xfrm>
-            <a:off x="2983254" y="4486813"/>
-            <a:ext cx="1000916" cy="323711"/>
-          </a:xfrm>
-          <a:prstGeom prst="roundRect">
-            <a:avLst/>
-          </a:prstGeom>
-        </p:spPr>
-        <p:style>
-          <a:lnRef idx="2">
-            <a:schemeClr val="dk1"/>
-          </a:lnRef>
-          <a:fillRef idx="1">
-            <a:schemeClr val="lt1"/>
-          </a:fillRef>
-          <a:effectRef idx="0">
-            <a:schemeClr val="dk1"/>
-          </a:effectRef>
-          <a:fontRef idx="minor">
-            <a:schemeClr val="dk1"/>
-          </a:fontRef>
-        </p:style>
-        <p:txBody>
-          <a:bodyPr rtlCol="0" anchor="ctr"/>
-          <a:lstStyle/>
-          <a:p>
-            <a:pPr algn="ctr"/>
-            <a:r>
-              <a:rPr lang="ko-KR" altLang="en-US" dirty="0"/>
-              <a:t>입고</a:t>
-            </a:r>
-            <a:endParaRPr lang="en-US" altLang="ko-KR" dirty="0"/>
-          </a:p>
-        </p:txBody>
-      </p:sp>
-      <p:sp>
-        <p:nvSpPr>
           <p:cNvPr id="7" name="TextBox 6">
             <a:extLst>
               <a:ext uri="{FF2B5EF4-FFF2-40B4-BE49-F238E27FC236}">
@@ -5126,6 +5522,407 @@
               <a:rPr lang="ko-KR" altLang="en-US" dirty="0"/>
               <a:t>제조 일자</a:t>
             </a:r>
+          </a:p>
+        </p:txBody>
+      </p:sp>
+      <p:sp>
+        <p:nvSpPr>
+          <p:cNvPr id="13" name="사각형: 둥근 모서리 12">
+            <a:extLst>
+              <a:ext uri="{FF2B5EF4-FFF2-40B4-BE49-F238E27FC236}">
+                <a16:creationId xmlns:a16="http://schemas.microsoft.com/office/drawing/2014/main" id="{6431C202-DABD-0057-451D-521610607E75}"/>
+              </a:ext>
+            </a:extLst>
+          </p:cNvPr>
+          <p:cNvSpPr/>
+          <p:nvPr/>
+        </p:nvSpPr>
+        <p:spPr>
+          <a:xfrm>
+            <a:off x="3305175" y="4459818"/>
+            <a:ext cx="678995" cy="260022"/>
+          </a:xfrm>
+          <a:prstGeom prst="roundRect">
+            <a:avLst/>
+          </a:prstGeom>
+        </p:spPr>
+        <p:style>
+          <a:lnRef idx="2">
+            <a:schemeClr val="dk1"/>
+          </a:lnRef>
+          <a:fillRef idx="1">
+            <a:schemeClr val="lt1"/>
+          </a:fillRef>
+          <a:effectRef idx="0">
+            <a:schemeClr val="dk1"/>
+          </a:effectRef>
+          <a:fontRef idx="minor">
+            <a:schemeClr val="dk1"/>
+          </a:fontRef>
+        </p:style>
+        <p:txBody>
+          <a:bodyPr rtlCol="0" anchor="ctr"/>
+          <a:lstStyle/>
+          <a:p>
+            <a:pPr algn="ctr"/>
+            <a:r>
+              <a:rPr lang="ko-KR" altLang="en-US" dirty="0"/>
+              <a:t>입고</a:t>
+            </a:r>
+            <a:endParaRPr lang="en-US" altLang="ko-KR" dirty="0"/>
+          </a:p>
+        </p:txBody>
+      </p:sp>
+      <p:sp>
+        <p:nvSpPr>
+          <p:cNvPr id="14" name="타원 13">
+            <a:extLst>
+              <a:ext uri="{FF2B5EF4-FFF2-40B4-BE49-F238E27FC236}">
+                <a16:creationId xmlns:a16="http://schemas.microsoft.com/office/drawing/2014/main" id="{13D052F7-501F-589B-F418-7A89B1CEBE1B}"/>
+              </a:ext>
+            </a:extLst>
+          </p:cNvPr>
+          <p:cNvSpPr/>
+          <p:nvPr/>
+        </p:nvSpPr>
+        <p:spPr>
+          <a:xfrm>
+            <a:off x="2748908" y="4739145"/>
+            <a:ext cx="244929" cy="224398"/>
+          </a:xfrm>
+          <a:prstGeom prst="ellipse">
+            <a:avLst/>
+          </a:prstGeom>
+          <a:solidFill>
+            <a:srgbClr val="FFFF00"/>
+          </a:solidFill>
+        </p:spPr>
+        <p:style>
+          <a:lnRef idx="2">
+            <a:schemeClr val="accent1">
+              <a:shade val="15000"/>
+            </a:schemeClr>
+          </a:lnRef>
+          <a:fillRef idx="1">
+            <a:schemeClr val="accent1"/>
+          </a:fillRef>
+          <a:effectRef idx="0">
+            <a:schemeClr val="accent1"/>
+          </a:effectRef>
+          <a:fontRef idx="minor">
+            <a:schemeClr val="lt1"/>
+          </a:fontRef>
+        </p:style>
+        <p:txBody>
+          <a:bodyPr rtlCol="0" anchor="ctr"/>
+          <a:lstStyle/>
+          <a:p>
+            <a:pPr algn="ctr"/>
+            <a:r>
+              <a:rPr lang="en-US" altLang="ko-KR" dirty="0">
+                <a:solidFill>
+                  <a:schemeClr val="tx1"/>
+                </a:solidFill>
+              </a:rPr>
+              <a:t>4</a:t>
+            </a:r>
+            <a:endParaRPr lang="ko-KR" altLang="en-US" dirty="0">
+              <a:solidFill>
+                <a:schemeClr val="tx1"/>
+              </a:solidFill>
+            </a:endParaRPr>
+          </a:p>
+        </p:txBody>
+      </p:sp>
+      <p:sp>
+        <p:nvSpPr>
+          <p:cNvPr id="15" name="사각형: 둥근 모서리 14">
+            <a:extLst>
+              <a:ext uri="{FF2B5EF4-FFF2-40B4-BE49-F238E27FC236}">
+                <a16:creationId xmlns:a16="http://schemas.microsoft.com/office/drawing/2014/main" id="{09D36FF2-BD07-7B63-B201-090B29BB5910}"/>
+              </a:ext>
+            </a:extLst>
+          </p:cNvPr>
+          <p:cNvSpPr/>
+          <p:nvPr/>
+        </p:nvSpPr>
+        <p:spPr>
+          <a:xfrm>
+            <a:off x="2531876" y="4459818"/>
+            <a:ext cx="678995" cy="260022"/>
+          </a:xfrm>
+          <a:prstGeom prst="roundRect">
+            <a:avLst/>
+          </a:prstGeom>
+        </p:spPr>
+        <p:style>
+          <a:lnRef idx="2">
+            <a:schemeClr val="dk1"/>
+          </a:lnRef>
+          <a:fillRef idx="1">
+            <a:schemeClr val="lt1"/>
+          </a:fillRef>
+          <a:effectRef idx="0">
+            <a:schemeClr val="dk1"/>
+          </a:effectRef>
+          <a:fontRef idx="minor">
+            <a:schemeClr val="dk1"/>
+          </a:fontRef>
+        </p:style>
+        <p:txBody>
+          <a:bodyPr rtlCol="0" anchor="ctr"/>
+          <a:lstStyle/>
+          <a:p>
+            <a:pPr algn="ctr"/>
+            <a:r>
+              <a:rPr lang="ko-KR" altLang="en-US" dirty="0"/>
+              <a:t>취소</a:t>
+            </a:r>
+            <a:endParaRPr lang="en-US" altLang="ko-KR" dirty="0"/>
+          </a:p>
+        </p:txBody>
+      </p:sp>
+      <p:sp>
+        <p:nvSpPr>
+          <p:cNvPr id="16" name="타원 15">
+            <a:extLst>
+              <a:ext uri="{FF2B5EF4-FFF2-40B4-BE49-F238E27FC236}">
+                <a16:creationId xmlns:a16="http://schemas.microsoft.com/office/drawing/2014/main" id="{0F650E3E-5166-99F5-C046-0D821183C6E3}"/>
+              </a:ext>
+            </a:extLst>
+          </p:cNvPr>
+          <p:cNvSpPr/>
+          <p:nvPr/>
+        </p:nvSpPr>
+        <p:spPr>
+          <a:xfrm>
+            <a:off x="3522207" y="4739145"/>
+            <a:ext cx="244929" cy="224398"/>
+          </a:xfrm>
+          <a:prstGeom prst="ellipse">
+            <a:avLst/>
+          </a:prstGeom>
+          <a:solidFill>
+            <a:srgbClr val="FFFF00"/>
+          </a:solidFill>
+        </p:spPr>
+        <p:style>
+          <a:lnRef idx="2">
+            <a:schemeClr val="accent1">
+              <a:shade val="15000"/>
+            </a:schemeClr>
+          </a:lnRef>
+          <a:fillRef idx="1">
+            <a:schemeClr val="accent1"/>
+          </a:fillRef>
+          <a:effectRef idx="0">
+            <a:schemeClr val="accent1"/>
+          </a:effectRef>
+          <a:fontRef idx="minor">
+            <a:schemeClr val="lt1"/>
+          </a:fontRef>
+        </p:style>
+        <p:txBody>
+          <a:bodyPr rtlCol="0" anchor="ctr"/>
+          <a:lstStyle/>
+          <a:p>
+            <a:pPr algn="ctr"/>
+            <a:r>
+              <a:rPr lang="en-US" altLang="ko-KR" dirty="0">
+                <a:solidFill>
+                  <a:schemeClr val="tx1"/>
+                </a:solidFill>
+              </a:rPr>
+              <a:t>5</a:t>
+            </a:r>
+            <a:endParaRPr lang="ko-KR" altLang="en-US" dirty="0">
+              <a:solidFill>
+                <a:schemeClr val="tx1"/>
+              </a:solidFill>
+            </a:endParaRPr>
+          </a:p>
+        </p:txBody>
+      </p:sp>
+      <p:sp>
+        <p:nvSpPr>
+          <p:cNvPr id="17" name="타원 16">
+            <a:extLst>
+              <a:ext uri="{FF2B5EF4-FFF2-40B4-BE49-F238E27FC236}">
+                <a16:creationId xmlns:a16="http://schemas.microsoft.com/office/drawing/2014/main" id="{7F08C0F7-E723-93A4-A625-9586602982BC}"/>
+              </a:ext>
+            </a:extLst>
+          </p:cNvPr>
+          <p:cNvSpPr/>
+          <p:nvPr/>
+        </p:nvSpPr>
+        <p:spPr>
+          <a:xfrm>
+            <a:off x="4024992" y="3940995"/>
+            <a:ext cx="244929" cy="224398"/>
+          </a:xfrm>
+          <a:prstGeom prst="ellipse">
+            <a:avLst/>
+          </a:prstGeom>
+          <a:solidFill>
+            <a:srgbClr val="FFFF00"/>
+          </a:solidFill>
+        </p:spPr>
+        <p:style>
+          <a:lnRef idx="2">
+            <a:schemeClr val="accent1">
+              <a:shade val="15000"/>
+            </a:schemeClr>
+          </a:lnRef>
+          <a:fillRef idx="1">
+            <a:schemeClr val="accent1"/>
+          </a:fillRef>
+          <a:effectRef idx="0">
+            <a:schemeClr val="accent1"/>
+          </a:effectRef>
+          <a:fontRef idx="minor">
+            <a:schemeClr val="lt1"/>
+          </a:fontRef>
+        </p:style>
+        <p:txBody>
+          <a:bodyPr rtlCol="0" anchor="ctr"/>
+          <a:lstStyle/>
+          <a:p>
+            <a:pPr algn="ctr"/>
+            <a:r>
+              <a:rPr lang="en-US" altLang="ko-KR" dirty="0">
+                <a:solidFill>
+                  <a:schemeClr val="tx1"/>
+                </a:solidFill>
+              </a:rPr>
+              <a:t>3</a:t>
+            </a:r>
+            <a:endParaRPr lang="ko-KR" altLang="en-US" dirty="0">
+              <a:solidFill>
+                <a:schemeClr val="tx1"/>
+              </a:solidFill>
+            </a:endParaRPr>
+          </a:p>
+        </p:txBody>
+      </p:sp>
+      <p:sp>
+        <p:nvSpPr>
+          <p:cNvPr id="18" name="타원 17">
+            <a:extLst>
+              <a:ext uri="{FF2B5EF4-FFF2-40B4-BE49-F238E27FC236}">
+                <a16:creationId xmlns:a16="http://schemas.microsoft.com/office/drawing/2014/main" id="{5521FA8D-E8E7-996B-C170-1B729B7F4310}"/>
+              </a:ext>
+            </a:extLst>
+          </p:cNvPr>
+          <p:cNvSpPr/>
+          <p:nvPr/>
+        </p:nvSpPr>
+        <p:spPr>
+          <a:xfrm>
+            <a:off x="4024992" y="3316801"/>
+            <a:ext cx="244929" cy="224398"/>
+          </a:xfrm>
+          <a:prstGeom prst="ellipse">
+            <a:avLst/>
+          </a:prstGeom>
+          <a:solidFill>
+            <a:srgbClr val="FFFF00"/>
+          </a:solidFill>
+        </p:spPr>
+        <p:style>
+          <a:lnRef idx="2">
+            <a:schemeClr val="accent1">
+              <a:shade val="15000"/>
+            </a:schemeClr>
+          </a:lnRef>
+          <a:fillRef idx="1">
+            <a:schemeClr val="accent1"/>
+          </a:fillRef>
+          <a:effectRef idx="0">
+            <a:schemeClr val="accent1"/>
+          </a:effectRef>
+          <a:fontRef idx="minor">
+            <a:schemeClr val="lt1"/>
+          </a:fontRef>
+        </p:style>
+        <p:txBody>
+          <a:bodyPr rtlCol="0" anchor="ctr"/>
+          <a:lstStyle/>
+          <a:p>
+            <a:pPr algn="ctr"/>
+            <a:r>
+              <a:rPr lang="en-US" altLang="ko-KR" dirty="0">
+                <a:solidFill>
+                  <a:schemeClr val="tx1"/>
+                </a:solidFill>
+              </a:rPr>
+              <a:t>2</a:t>
+            </a:r>
+            <a:endParaRPr lang="ko-KR" altLang="en-US" dirty="0">
+              <a:solidFill>
+                <a:schemeClr val="tx1"/>
+              </a:solidFill>
+            </a:endParaRPr>
+          </a:p>
+        </p:txBody>
+      </p:sp>
+      <p:sp>
+        <p:nvSpPr>
+          <p:cNvPr id="19" name="타원 18">
+            <a:extLst>
+              <a:ext uri="{FF2B5EF4-FFF2-40B4-BE49-F238E27FC236}">
+                <a16:creationId xmlns:a16="http://schemas.microsoft.com/office/drawing/2014/main" id="{114CC585-2950-E91B-36E8-A9C89AE1EC49}"/>
+              </a:ext>
+            </a:extLst>
+          </p:cNvPr>
+          <p:cNvSpPr/>
+          <p:nvPr/>
+        </p:nvSpPr>
+        <p:spPr>
+          <a:xfrm>
+            <a:off x="4024992" y="2703423"/>
+            <a:ext cx="244929" cy="224398"/>
+          </a:xfrm>
+          <a:prstGeom prst="ellipse">
+            <a:avLst/>
+          </a:prstGeom>
+          <a:solidFill>
+            <a:srgbClr val="FFFF00"/>
+          </a:solidFill>
+        </p:spPr>
+        <p:style>
+          <a:lnRef idx="2">
+            <a:schemeClr val="accent1">
+              <a:shade val="15000"/>
+            </a:schemeClr>
+          </a:lnRef>
+          <a:fillRef idx="1">
+            <a:schemeClr val="accent1"/>
+          </a:fillRef>
+          <a:effectRef idx="0">
+            <a:schemeClr val="accent1"/>
+          </a:effectRef>
+          <a:fontRef idx="minor">
+            <a:schemeClr val="lt1"/>
+          </a:fontRef>
+        </p:style>
+        <p:txBody>
+          <a:bodyPr rtlCol="0" anchor="ctr"/>
+          <a:lstStyle/>
+          <a:p>
+            <a:pPr algn="ctr"/>
+            <a:r>
+              <a:rPr lang="en-US" altLang="ko-KR" dirty="0">
+                <a:solidFill>
+                  <a:schemeClr val="tx1"/>
+                </a:solidFill>
+              </a:rPr>
+              <a:t>1</a:t>
+            </a:r>
+            <a:endParaRPr lang="ko-KR" altLang="en-US" dirty="0">
+              <a:solidFill>
+                <a:schemeClr val="tx1"/>
+              </a:solidFill>
+            </a:endParaRPr>
           </a:p>
         </p:txBody>
       </p:sp>
@@ -5161,62 +5958,6 @@
       </p:grpSpPr>
       <p:sp>
         <p:nvSpPr>
-          <p:cNvPr id="33" name="직사각형 32">
-            <a:extLst>
-              <a:ext uri="{FF2B5EF4-FFF2-40B4-BE49-F238E27FC236}">
-                <a16:creationId xmlns:a16="http://schemas.microsoft.com/office/drawing/2014/main" id="{4C4E64C5-3771-4412-B8B6-394A0A85C2A9}"/>
-              </a:ext>
-            </a:extLst>
-          </p:cNvPr>
-          <p:cNvSpPr/>
-          <p:nvPr/>
-        </p:nvSpPr>
-        <p:spPr>
-          <a:xfrm>
-            <a:off x="8122519" y="643968"/>
-            <a:ext cx="3551433" cy="1158705"/>
-          </a:xfrm>
-          <a:prstGeom prst="rect">
-            <a:avLst/>
-          </a:prstGeom>
-          <a:ln>
-            <a:solidFill>
-              <a:schemeClr val="bg1"/>
-            </a:solidFill>
-          </a:ln>
-        </p:spPr>
-        <p:style>
-          <a:lnRef idx="2">
-            <a:schemeClr val="dk1"/>
-          </a:lnRef>
-          <a:fillRef idx="1">
-            <a:schemeClr val="lt1"/>
-          </a:fillRef>
-          <a:effectRef idx="0">
-            <a:schemeClr val="dk1"/>
-          </a:effectRef>
-          <a:fontRef idx="minor">
-            <a:schemeClr val="dk1"/>
-          </a:fontRef>
-        </p:style>
-        <p:txBody>
-          <a:bodyPr rtlCol="0" anchor="ctr"/>
-          <a:lstStyle/>
-          <a:p>
-            <a:pPr algn="ctr"/>
-            <a:r>
-              <a:rPr lang="ko-KR" altLang="en-US" sz="2000" dirty="0"/>
-              <a:t> </a:t>
-            </a:r>
-            <a:r>
-              <a:rPr lang="en-US" altLang="ko-KR" sz="2000" dirty="0"/>
-              <a:t>2025.10.08</a:t>
-            </a:r>
-          </a:p>
-        </p:txBody>
-      </p:sp>
-      <p:sp>
-        <p:nvSpPr>
           <p:cNvPr id="18" name="직사각형 17">
             <a:extLst>
               <a:ext uri="{FF2B5EF4-FFF2-40B4-BE49-F238E27FC236}">
@@ -5910,14 +6651,14 @@
           <p:nvPr>
             <p:extLst>
               <p:ext uri="{D42A27DB-BD31-4B8C-83A1-F6EECF244321}">
-                <p14:modId xmlns:p14="http://schemas.microsoft.com/office/powerpoint/2010/main" val="4030529744"/>
+                <p14:modId xmlns:p14="http://schemas.microsoft.com/office/powerpoint/2010/main" val="2554477640"/>
               </p:ext>
             </p:extLst>
           </p:nvPr>
         </p:nvGraphicFramePr>
         <p:xfrm>
           <a:off x="671138" y="2151623"/>
-          <a:ext cx="10503372" cy="3432471"/>
+          <a:ext cx="10503372" cy="4031379"/>
         </p:xfrm>
         <a:graphic>
           <a:graphicData uri="http://schemas.openxmlformats.org/drawingml/2006/table">
@@ -5926,77 +6667,84 @@
                 <a:tableStyleId>{5C22544A-7EE6-4342-B048-85BDC9FD1C3A}</a:tableStyleId>
               </a:tblPr>
               <a:tblGrid>
-                <a:gridCol w="954852">
+                <a:gridCol w="875281">
                   <a:extLst>
                     <a:ext uri="{9D8B030D-6E8A-4147-A177-3AD203B41FA5}">
                       <a16:colId xmlns:a16="http://schemas.microsoft.com/office/drawing/2014/main" val="596793402"/>
                     </a:ext>
                   </a:extLst>
                 </a:gridCol>
-                <a:gridCol w="954852">
+                <a:gridCol w="875281">
                   <a:extLst>
                     <a:ext uri="{9D8B030D-6E8A-4147-A177-3AD203B41FA5}">
                       <a16:colId xmlns:a16="http://schemas.microsoft.com/office/drawing/2014/main" val="712381058"/>
                     </a:ext>
                   </a:extLst>
                 </a:gridCol>
-                <a:gridCol w="954852">
+                <a:gridCol w="875281">
                   <a:extLst>
                     <a:ext uri="{9D8B030D-6E8A-4147-A177-3AD203B41FA5}">
                       <a16:colId xmlns:a16="http://schemas.microsoft.com/office/drawing/2014/main" val="2647306092"/>
                     </a:ext>
                   </a:extLst>
                 </a:gridCol>
-                <a:gridCol w="954852">
+                <a:gridCol w="875281">
                   <a:extLst>
                     <a:ext uri="{9D8B030D-6E8A-4147-A177-3AD203B41FA5}">
                       <a16:colId xmlns:a16="http://schemas.microsoft.com/office/drawing/2014/main" val="1428691103"/>
                     </a:ext>
                   </a:extLst>
                 </a:gridCol>
-                <a:gridCol w="954852">
+                <a:gridCol w="875281">
                   <a:extLst>
                     <a:ext uri="{9D8B030D-6E8A-4147-A177-3AD203B41FA5}">
                       <a16:colId xmlns:a16="http://schemas.microsoft.com/office/drawing/2014/main" val="2221482959"/>
                     </a:ext>
                   </a:extLst>
                 </a:gridCol>
-                <a:gridCol w="954852">
+                <a:gridCol w="875281">
+                  <a:extLst>
+                    <a:ext uri="{9D8B030D-6E8A-4147-A177-3AD203B41FA5}">
+                      <a16:colId xmlns:a16="http://schemas.microsoft.com/office/drawing/2014/main" val="1586449425"/>
+                    </a:ext>
+                  </a:extLst>
+                </a:gridCol>
+                <a:gridCol w="875281">
                   <a:extLst>
                     <a:ext uri="{9D8B030D-6E8A-4147-A177-3AD203B41FA5}">
                       <a16:colId xmlns:a16="http://schemas.microsoft.com/office/drawing/2014/main" val="760051932"/>
                     </a:ext>
                   </a:extLst>
                 </a:gridCol>
-                <a:gridCol w="954852">
+                <a:gridCol w="875281">
                   <a:extLst>
                     <a:ext uri="{9D8B030D-6E8A-4147-A177-3AD203B41FA5}">
                       <a16:colId xmlns:a16="http://schemas.microsoft.com/office/drawing/2014/main" val="3661703957"/>
                     </a:ext>
                   </a:extLst>
                 </a:gridCol>
-                <a:gridCol w="954852">
+                <a:gridCol w="875281">
                   <a:extLst>
                     <a:ext uri="{9D8B030D-6E8A-4147-A177-3AD203B41FA5}">
                       <a16:colId xmlns:a16="http://schemas.microsoft.com/office/drawing/2014/main" val="1482102986"/>
                     </a:ext>
                   </a:extLst>
                 </a:gridCol>
-                <a:gridCol w="954852">
+                <a:gridCol w="875281">
                   <a:extLst>
                     <a:ext uri="{9D8B030D-6E8A-4147-A177-3AD203B41FA5}">
                       <a16:colId xmlns:a16="http://schemas.microsoft.com/office/drawing/2014/main" val="783284265"/>
                     </a:ext>
                   </a:extLst>
                 </a:gridCol>
-                <a:gridCol w="954852">
+                <a:gridCol w="875281">
                   <a:extLst>
                     <a:ext uri="{9D8B030D-6E8A-4147-A177-3AD203B41FA5}">
                       <a16:colId xmlns:a16="http://schemas.microsoft.com/office/drawing/2014/main" val="4258831057"/>
                     </a:ext>
                   </a:extLst>
                 </a:gridCol>
-                <a:gridCol w="954852">
+                <a:gridCol w="875281">
                   <a:extLst>
                     <a:ext uri="{9D8B030D-6E8A-4147-A177-3AD203B41FA5}">
                       <a16:colId xmlns:a16="http://schemas.microsoft.com/office/drawing/2014/main" val="601278395"/>
@@ -6010,7 +6758,7 @@
                     <a:bodyPr/>
                     <a:lstStyle/>
                     <a:p>
-                      <a:pPr latinLnBrk="1"/>
+                      <a:pPr algn="ctr" latinLnBrk="1"/>
                       <a:r>
                         <a:rPr lang="ko-KR" altLang="en-US" sz="1200" dirty="0"/>
                         <a:t>입고 번호</a:t>
@@ -6024,7 +6772,7 @@
                     <a:bodyPr/>
                     <a:lstStyle/>
                     <a:p>
-                      <a:pPr latinLnBrk="1"/>
+                      <a:pPr algn="ctr" latinLnBrk="1"/>
                       <a:r>
                         <a:rPr lang="ko-KR" altLang="en-US" sz="1200" dirty="0"/>
                         <a:t>품목 번호</a:t>
@@ -6038,7 +6786,7 @@
                     <a:bodyPr/>
                     <a:lstStyle/>
                     <a:p>
-                      <a:pPr latinLnBrk="1"/>
+                      <a:pPr algn="ctr" latinLnBrk="1"/>
                       <a:r>
                         <a:rPr lang="ko-KR" altLang="en-US" sz="1200" dirty="0"/>
                         <a:t>품목명</a:t>
@@ -6052,7 +6800,7 @@
                     <a:bodyPr/>
                     <a:lstStyle/>
                     <a:p>
-                      <a:pPr latinLnBrk="1"/>
+                      <a:pPr algn="ctr" latinLnBrk="1"/>
                       <a:r>
                         <a:rPr lang="ko-KR" altLang="en-US" sz="1200" dirty="0"/>
                         <a:t>매입처명</a:t>
@@ -6066,7 +6814,7 @@
                     <a:bodyPr/>
                     <a:lstStyle/>
                     <a:p>
-                      <a:pPr latinLnBrk="1"/>
+                      <a:pPr algn="ctr" latinLnBrk="1"/>
                       <a:r>
                         <a:rPr lang="ko-KR" altLang="en-US" sz="1200" dirty="0"/>
                         <a:t>원자재규격</a:t>
@@ -6081,14 +6829,6 @@
                       </a:r>
                       <a:r>
                         <a:rPr lang="en-US" altLang="ko-KR" sz="1200" dirty="0"/>
-                        <a:t>/</a:t>
-                      </a:r>
-                      <a:r>
-                        <a:rPr lang="ko-KR" altLang="en-US" sz="1200" dirty="0"/>
-                        <a:t>단위</a:t>
-                      </a:r>
-                      <a:r>
-                        <a:rPr lang="en-US" altLang="ko-KR" sz="1200" dirty="0"/>
                         <a:t>)</a:t>
                       </a:r>
                       <a:endParaRPr lang="ko-KR" altLang="en-US" sz="1200" dirty="0"/>
@@ -6101,216 +6841,7 @@
                     <a:bodyPr/>
                     <a:lstStyle/>
                     <a:p>
-                      <a:pPr latinLnBrk="1"/>
-                      <a:r>
-                        <a:rPr lang="ko-KR" altLang="en-US" sz="1200" dirty="0"/>
-                        <a:t>입고 수량</a:t>
-                      </a:r>
-                    </a:p>
-                  </a:txBody>
-                  <a:tcPr/>
-                </a:tc>
-                <a:tc>
-                  <a:txBody>
-                    <a:bodyPr/>
-                    <a:lstStyle/>
-                    <a:p>
-                      <a:pPr latinLnBrk="1"/>
-                      <a:r>
-                        <a:rPr lang="ko-KR" altLang="en-US" sz="1200" dirty="0"/>
-                        <a:t>입고 총량</a:t>
-                      </a:r>
-                    </a:p>
-                  </a:txBody>
-                  <a:tcPr/>
-                </a:tc>
-                <a:tc>
-                  <a:txBody>
-                    <a:bodyPr/>
-                    <a:lstStyle/>
-                    <a:p>
-                      <a:pPr latinLnBrk="1"/>
-                      <a:r>
-                        <a:rPr lang="ko-KR" altLang="en-US" sz="1200" dirty="0"/>
-                        <a:t>입고일자</a:t>
-                      </a:r>
-                    </a:p>
-                  </a:txBody>
-                  <a:tcPr/>
-                </a:tc>
-                <a:tc>
-                  <a:txBody>
-                    <a:bodyPr/>
-                    <a:lstStyle/>
-                    <a:p>
-                      <a:pPr latinLnBrk="1"/>
-                      <a:r>
-                        <a:rPr lang="ko-KR" altLang="en-US" sz="1200" dirty="0"/>
-                        <a:t>제조 일자</a:t>
-                      </a:r>
-                    </a:p>
-                  </a:txBody>
-                  <a:tcPr/>
-                </a:tc>
-                <a:tc>
-                  <a:txBody>
-                    <a:bodyPr/>
-                    <a:lstStyle/>
-                    <a:p>
-                      <a:pPr latinLnBrk="1"/>
-                      <a:r>
-                        <a:rPr lang="ko-KR" altLang="en-US" sz="1200" dirty="0"/>
-                        <a:t>제조사</a:t>
-                      </a:r>
-                    </a:p>
-                  </a:txBody>
-                  <a:tcPr/>
-                </a:tc>
-                <a:tc>
-                  <a:txBody>
-                    <a:bodyPr/>
-                    <a:lstStyle/>
-                    <a:p>
-                      <a:pPr latinLnBrk="1"/>
-                      <a:endParaRPr lang="ko-KR" altLang="en-US" sz="1200" dirty="0"/>
-                    </a:p>
-                  </a:txBody>
-                  <a:tcPr/>
-                </a:tc>
-                <a:extLst>
-                  <a:ext uri="{0D108BD9-81ED-4DB2-BD59-A6C34878D82A}">
-                    <a16:rowId xmlns:a16="http://schemas.microsoft.com/office/drawing/2014/main" val="3199818709"/>
-                  </a:ext>
-                </a:extLst>
-              </a:tr>
-              <a:tr h="490353">
-                <a:tc>
-                  <a:txBody>
-                    <a:bodyPr/>
-                    <a:lstStyle/>
-                    <a:p>
-                      <a:pPr latinLnBrk="1"/>
-                      <a:endParaRPr lang="ko-KR" altLang="en-US" sz="1200" dirty="0">
-                        <a:highlight>
-                          <a:srgbClr val="FFFF00"/>
-                        </a:highlight>
-                      </a:endParaRPr>
-                    </a:p>
-                  </a:txBody>
-                  <a:tcPr/>
-                </a:tc>
-                <a:tc>
-                  <a:txBody>
-                    <a:bodyPr/>
-                    <a:lstStyle/>
-                    <a:p>
-                      <a:pPr latinLnBrk="1"/>
-                      <a:endParaRPr lang="ko-KR" altLang="en-US" sz="1200" dirty="0">
-                        <a:highlight>
-                          <a:srgbClr val="FFFF00"/>
-                        </a:highlight>
-                      </a:endParaRPr>
-                    </a:p>
-                  </a:txBody>
-                  <a:tcPr/>
-                </a:tc>
-                <a:tc>
-                  <a:txBody>
-                    <a:bodyPr/>
-                    <a:lstStyle/>
-                    <a:p>
-                      <a:pPr latinLnBrk="1"/>
-                      <a:endParaRPr lang="ko-KR" altLang="en-US" sz="1200" dirty="0">
-                        <a:highlight>
-                          <a:srgbClr val="FFFF00"/>
-                        </a:highlight>
-                      </a:endParaRPr>
-                    </a:p>
-                  </a:txBody>
-                  <a:tcPr/>
-                </a:tc>
-                <a:tc>
-                  <a:txBody>
-                    <a:bodyPr/>
-                    <a:lstStyle/>
-                    <a:p>
-                      <a:pPr latinLnBrk="1"/>
-                      <a:endParaRPr lang="ko-KR" altLang="en-US" sz="1200" dirty="0">
-                        <a:highlight>
-                          <a:srgbClr val="FFFF00"/>
-                        </a:highlight>
-                      </a:endParaRPr>
-                    </a:p>
-                  </a:txBody>
-                  <a:tcPr/>
-                </a:tc>
-                <a:tc>
-                  <a:txBody>
-                    <a:bodyPr/>
-                    <a:lstStyle/>
-                    <a:p>
-                      <a:pPr latinLnBrk="1"/>
-                      <a:r>
-                        <a:rPr lang="en-US" altLang="ko-KR" sz="1200" dirty="0"/>
-                        <a:t>(</a:t>
-                      </a:r>
-                      <a:r>
-                        <a:rPr lang="ko-KR" altLang="en-US" sz="1200" dirty="0"/>
-                        <a:t>수정가능</a:t>
-                      </a:r>
-                      <a:r>
-                        <a:rPr lang="en-US" altLang="ko-KR" sz="1200" dirty="0"/>
-                        <a:t>)</a:t>
-                      </a:r>
-                      <a:endParaRPr lang="ko-KR" altLang="en-US" sz="1200" dirty="0"/>
-                    </a:p>
-                  </a:txBody>
-                  <a:tcPr/>
-                </a:tc>
-                <a:tc>
-                  <a:txBody>
-                    <a:bodyPr/>
-                    <a:lstStyle/>
-                    <a:p>
-                      <a:pPr latinLnBrk="1"/>
-                      <a:r>
-                        <a:rPr lang="en-US" altLang="ko-KR" sz="1200" dirty="0"/>
-                        <a:t>(</a:t>
-                      </a:r>
-                      <a:r>
-                        <a:rPr lang="ko-KR" altLang="en-US" sz="1200" dirty="0"/>
-                        <a:t>수정가능</a:t>
-                      </a:r>
-                      <a:r>
-                        <a:rPr lang="en-US" altLang="ko-KR" sz="1200" dirty="0"/>
-                        <a:t>)</a:t>
-                      </a:r>
-                      <a:endParaRPr lang="ko-KR" altLang="en-US" sz="1200" dirty="0"/>
-                    </a:p>
-                  </a:txBody>
-                  <a:tcPr/>
-                </a:tc>
-                <a:tc>
-                  <a:txBody>
-                    <a:bodyPr/>
-                    <a:lstStyle/>
-                    <a:p>
-                      <a:pPr latinLnBrk="1"/>
-                      <a:endParaRPr lang="ko-KR" altLang="en-US" sz="1200" dirty="0">
-                        <a:highlight>
-                          <a:srgbClr val="FFFF00"/>
-                        </a:highlight>
-                      </a:endParaRPr>
-                    </a:p>
-                  </a:txBody>
-                  <a:tcPr/>
-                </a:tc>
-                <a:tc>
-                  <a:txBody>
-                    <a:bodyPr/>
-                    <a:lstStyle/>
-                    <a:p>
-                      <a:pPr marL="0" marR="0" lvl="0" indent="0" algn="l" defTabSz="914400" rtl="0" eaLnBrk="1" fontAlgn="auto" latinLnBrk="1" hangingPunct="1">
+                      <a:pPr marL="0" marR="0" lvl="0" indent="0" algn="ctr" defTabSz="914400" rtl="0" eaLnBrk="1" fontAlgn="auto" latinLnBrk="1" hangingPunct="1">
                         <a:lnSpc>
                           <a:spcPct val="100000"/>
                         </a:lnSpc>
@@ -6328,12 +6859,16 @@
                         <a:defRPr/>
                       </a:pPr>
                       <a:r>
+                        <a:rPr lang="ko-KR" altLang="en-US" sz="1200" dirty="0"/>
+                        <a:t>원자재규격</a:t>
+                      </a:r>
+                      <a:r>
                         <a:rPr lang="en-US" altLang="ko-KR" sz="1200" dirty="0"/>
                         <a:t>(</a:t>
                       </a:r>
                       <a:r>
                         <a:rPr lang="ko-KR" altLang="en-US" sz="1200" dirty="0"/>
-                        <a:t>수정가능</a:t>
+                        <a:t>단위</a:t>
                       </a:r>
                       <a:r>
                         <a:rPr lang="en-US" altLang="ko-KR" sz="1200" dirty="0"/>
@@ -6342,7 +6877,7 @@
                       <a:endParaRPr lang="ko-KR" altLang="en-US" sz="1200" dirty="0"/>
                     </a:p>
                     <a:p>
-                      <a:pPr latinLnBrk="1"/>
+                      <a:pPr algn="ctr" latinLnBrk="1"/>
                       <a:endParaRPr lang="ko-KR" altLang="en-US" sz="1200" dirty="0"/>
                     </a:p>
                   </a:txBody>
@@ -6353,39 +6888,178 @@
                     <a:bodyPr/>
                     <a:lstStyle/>
                     <a:p>
-                      <a:pPr marL="0" marR="0" lvl="0" indent="0" algn="l" defTabSz="914400" rtl="0" eaLnBrk="1" fontAlgn="auto" latinLnBrk="1" hangingPunct="1">
-                        <a:lnSpc>
-                          <a:spcPct val="100000"/>
-                        </a:lnSpc>
-                        <a:spcBef>
-                          <a:spcPts val="0"/>
-                        </a:spcBef>
-                        <a:spcAft>
-                          <a:spcPts val="0"/>
-                        </a:spcAft>
-                        <a:buClrTx/>
-                        <a:buSzTx/>
-                        <a:buFontTx/>
-                        <a:buNone/>
-                        <a:tabLst/>
-                        <a:defRPr/>
-                      </a:pPr>
+                      <a:pPr algn="ctr" latinLnBrk="1"/>
+                      <a:r>
+                        <a:rPr lang="ko-KR" altLang="en-US" sz="1200" dirty="0"/>
+                        <a:t>입고 수량</a:t>
+                      </a:r>
+                    </a:p>
+                  </a:txBody>
+                  <a:tcPr/>
+                </a:tc>
+                <a:tc>
+                  <a:txBody>
+                    <a:bodyPr/>
+                    <a:lstStyle/>
+                    <a:p>
+                      <a:pPr algn="ctr" latinLnBrk="1"/>
+                      <a:r>
+                        <a:rPr lang="ko-KR" altLang="en-US" sz="1200" dirty="0"/>
+                        <a:t>입고 총량</a:t>
+                      </a:r>
+                    </a:p>
+                  </a:txBody>
+                  <a:tcPr/>
+                </a:tc>
+                <a:tc>
+                  <a:txBody>
+                    <a:bodyPr/>
+                    <a:lstStyle/>
+                    <a:p>
+                      <a:pPr algn="ctr" latinLnBrk="1"/>
+                      <a:r>
+                        <a:rPr lang="ko-KR" altLang="en-US" sz="1200" dirty="0"/>
+                        <a:t>입고일자</a:t>
+                      </a:r>
+                    </a:p>
+                  </a:txBody>
+                  <a:tcPr/>
+                </a:tc>
+                <a:tc>
+                  <a:txBody>
+                    <a:bodyPr/>
+                    <a:lstStyle/>
+                    <a:p>
+                      <a:pPr algn="ctr" latinLnBrk="1"/>
+                      <a:r>
+                        <a:rPr lang="ko-KR" altLang="en-US" sz="1200" dirty="0"/>
+                        <a:t>제조 일자</a:t>
+                      </a:r>
+                    </a:p>
+                  </a:txBody>
+                  <a:tcPr/>
+                </a:tc>
+                <a:tc>
+                  <a:txBody>
+                    <a:bodyPr/>
+                    <a:lstStyle/>
+                    <a:p>
+                      <a:pPr algn="ctr" latinLnBrk="1"/>
+                      <a:r>
+                        <a:rPr lang="ko-KR" altLang="en-US" sz="1200" dirty="0"/>
+                        <a:t>제조사</a:t>
+                      </a:r>
+                    </a:p>
+                  </a:txBody>
+                  <a:tcPr/>
+                </a:tc>
+                <a:tc>
+                  <a:txBody>
+                    <a:bodyPr/>
+                    <a:lstStyle/>
+                    <a:p>
+                      <a:pPr algn="ctr" latinLnBrk="1"/>
+                      <a:endParaRPr lang="ko-KR" altLang="en-US" sz="1200" dirty="0"/>
+                    </a:p>
+                  </a:txBody>
+                  <a:tcPr/>
+                </a:tc>
+                <a:extLst>
+                  <a:ext uri="{0D108BD9-81ED-4DB2-BD59-A6C34878D82A}">
+                    <a16:rowId xmlns:a16="http://schemas.microsoft.com/office/drawing/2014/main" val="3199818709"/>
+                  </a:ext>
+                </a:extLst>
+              </a:tr>
+              <a:tr h="490353">
+                <a:tc>
+                  <a:txBody>
+                    <a:bodyPr/>
+                    <a:lstStyle/>
+                    <a:p>
+                      <a:pPr algn="ctr" latinLnBrk="1"/>
                       <a:r>
                         <a:rPr lang="en-US" altLang="ko-KR" sz="1200" dirty="0"/>
-                        <a:t>(</a:t>
-                      </a:r>
-                      <a:r>
-                        <a:rPr lang="ko-KR" altLang="en-US" sz="1200" dirty="0"/>
-                        <a:t>수정가능</a:t>
-                      </a:r>
+                        <a:t>IN-RW-20251020-001</a:t>
+                      </a:r>
+                      <a:endParaRPr lang="ko-KR" altLang="en-US" sz="1200" dirty="0"/>
+                    </a:p>
+                  </a:txBody>
+                  <a:tcPr/>
+                </a:tc>
+                <a:tc>
+                  <a:txBody>
+                    <a:bodyPr/>
+                    <a:lstStyle/>
+                    <a:p>
+                      <a:pPr algn="ctr" latinLnBrk="1"/>
+                      <a:r>
+                        <a:rPr lang="en-US" altLang="ko-KR" sz="1800" b="0" dirty="0"/>
+                        <a:t>KS M 6020</a:t>
+                      </a:r>
+                      <a:endParaRPr lang="ko-KR" altLang="en-US" sz="1800" b="0" dirty="0"/>
+                    </a:p>
+                  </a:txBody>
+                  <a:tcPr/>
+                </a:tc>
+                <a:tc>
+                  <a:txBody>
+                    <a:bodyPr/>
+                    <a:lstStyle/>
+                    <a:p>
+                      <a:pPr algn="ctr" latinLnBrk="1"/>
+                      <a:r>
+                        <a:rPr lang="ko-KR" altLang="en-US" sz="1800" b="0" dirty="0"/>
+                        <a:t>품목</a:t>
+                      </a:r>
+                      <a:r>
+                        <a:rPr lang="en-US" altLang="ko-KR" sz="1800" b="0" dirty="0"/>
+                        <a:t>A</a:t>
+                      </a:r>
+                      <a:endParaRPr lang="ko-KR" altLang="en-US" sz="1800" b="0" dirty="0"/>
+                    </a:p>
+                  </a:txBody>
+                  <a:tcPr/>
+                </a:tc>
+                <a:tc>
+                  <a:txBody>
+                    <a:bodyPr/>
+                    <a:lstStyle/>
+                    <a:p>
+                      <a:pPr algn="ctr" latinLnBrk="1"/>
+                      <a:r>
+                        <a:rPr lang="ko-KR" altLang="en-US" sz="1400" b="0" dirty="0" err="1"/>
+                        <a:t>매입처</a:t>
+                      </a:r>
+                      <a:r>
+                        <a:rPr lang="en-US" altLang="ko-KR" sz="1400" b="0" dirty="0"/>
+                        <a:t>A</a:t>
+                      </a:r>
+                      <a:endParaRPr lang="ko-KR" altLang="en-US" sz="1400" b="0" dirty="0"/>
+                    </a:p>
+                  </a:txBody>
+                  <a:tcPr/>
+                </a:tc>
+                <a:tc>
+                  <a:txBody>
+                    <a:bodyPr/>
+                    <a:lstStyle/>
+                    <a:p>
+                      <a:pPr algn="ctr" latinLnBrk="1"/>
                       <a:r>
                         <a:rPr lang="en-US" altLang="ko-KR" sz="1200" dirty="0"/>
-                        <a:t>)</a:t>
+                        <a:t>0</a:t>
                       </a:r>
                       <a:endParaRPr lang="ko-KR" altLang="en-US" sz="1200" dirty="0"/>
                     </a:p>
-                    <a:p>
-                      <a:pPr latinLnBrk="1"/>
+                  </a:txBody>
+                  <a:tcPr/>
+                </a:tc>
+                <a:tc>
+                  <a:txBody>
+                    <a:bodyPr/>
+                    <a:lstStyle/>
+                    <a:p>
+                      <a:pPr algn="ctr" latinLnBrk="1"/>
                       <a:endParaRPr lang="ko-KR" altLang="en-US" sz="1200" dirty="0"/>
                     </a:p>
                   </a:txBody>
@@ -6396,7 +7070,11 @@
                     <a:bodyPr/>
                     <a:lstStyle/>
                     <a:p>
-                      <a:pPr latinLnBrk="1"/>
+                      <a:pPr algn="ctr" latinLnBrk="1"/>
+                      <a:r>
+                        <a:rPr lang="en-US" altLang="ko-KR" sz="1200" dirty="0"/>
+                        <a:t>0</a:t>
+                      </a:r>
                       <a:endParaRPr lang="ko-KR" altLang="en-US" sz="1200" dirty="0"/>
                     </a:p>
                   </a:txBody>
@@ -6407,7 +7085,55 @@
                     <a:bodyPr/>
                     <a:lstStyle/>
                     <a:p>
-                      <a:pPr latinLnBrk="1"/>
+                      <a:pPr algn="ctr" latinLnBrk="1"/>
+                      <a:r>
+                        <a:rPr lang="en-US" altLang="ko-KR" sz="1200" dirty="0"/>
+                        <a:t>600kg</a:t>
+                      </a:r>
+                      <a:endParaRPr lang="ko-KR" altLang="en-US" sz="1200" dirty="0"/>
+                    </a:p>
+                  </a:txBody>
+                  <a:tcPr/>
+                </a:tc>
+                <a:tc>
+                  <a:txBody>
+                    <a:bodyPr/>
+                    <a:lstStyle/>
+                    <a:p>
+                      <a:pPr algn="ctr" latinLnBrk="1"/>
+                      <a:endParaRPr lang="ko-KR" altLang="en-US" sz="1200" dirty="0"/>
+                    </a:p>
+                  </a:txBody>
+                  <a:tcPr/>
+                </a:tc>
+                <a:tc>
+                  <a:txBody>
+                    <a:bodyPr/>
+                    <a:lstStyle/>
+                    <a:p>
+                      <a:pPr algn="ctr" latinLnBrk="1"/>
+                      <a:endParaRPr lang="ko-KR" altLang="en-US" sz="1200" dirty="0"/>
+                    </a:p>
+                  </a:txBody>
+                  <a:tcPr/>
+                </a:tc>
+                <a:tc>
+                  <a:txBody>
+                    <a:bodyPr/>
+                    <a:lstStyle/>
+                    <a:p>
+                      <a:pPr algn="ctr" latinLnBrk="1"/>
+                      <a:endParaRPr lang="ko-KR" altLang="en-US" sz="1200" dirty="0"/>
+                    </a:p>
+                  </a:txBody>
+                  <a:tcPr/>
+                </a:tc>
+                <a:tc>
+                  <a:txBody>
+                    <a:bodyPr/>
+                    <a:lstStyle/>
+                    <a:p>
+                      <a:pPr algn="ctr" latinLnBrk="1"/>
                       <a:endParaRPr lang="ko-KR" altLang="en-US" sz="1200" dirty="0"/>
                     </a:p>
                   </a:txBody>
@@ -6425,117 +7151,168 @@
                     <a:bodyPr/>
                     <a:lstStyle/>
                     <a:p>
-                      <a:pPr latinLnBrk="1"/>
-                      <a:endParaRPr lang="ko-KR" altLang="en-US"/>
-                    </a:p>
-                  </a:txBody>
-                  <a:tcPr/>
-                </a:tc>
-                <a:tc>
-                  <a:txBody>
-                    <a:bodyPr/>
-                    <a:lstStyle/>
-                    <a:p>
-                      <a:pPr latinLnBrk="1"/>
-                      <a:endParaRPr lang="ko-KR" altLang="en-US"/>
-                    </a:p>
-                  </a:txBody>
-                  <a:tcPr/>
-                </a:tc>
-                <a:tc>
-                  <a:txBody>
-                    <a:bodyPr/>
-                    <a:lstStyle/>
-                    <a:p>
-                      <a:pPr latinLnBrk="1"/>
-                      <a:endParaRPr lang="ko-KR" altLang="en-US"/>
-                    </a:p>
-                  </a:txBody>
-                  <a:tcPr/>
-                </a:tc>
-                <a:tc>
-                  <a:txBody>
-                    <a:bodyPr/>
-                    <a:lstStyle/>
-                    <a:p>
-                      <a:pPr latinLnBrk="1"/>
-                      <a:endParaRPr lang="ko-KR" altLang="en-US"/>
-                    </a:p>
-                  </a:txBody>
-                  <a:tcPr/>
-                </a:tc>
-                <a:tc>
-                  <a:txBody>
-                    <a:bodyPr/>
-                    <a:lstStyle/>
-                    <a:p>
-                      <a:pPr latinLnBrk="1"/>
-                      <a:endParaRPr lang="ko-KR" altLang="en-US"/>
-                    </a:p>
-                  </a:txBody>
-                  <a:tcPr/>
-                </a:tc>
-                <a:tc>
-                  <a:txBody>
-                    <a:bodyPr/>
-                    <a:lstStyle/>
-                    <a:p>
-                      <a:pPr latinLnBrk="1"/>
-                      <a:endParaRPr lang="ko-KR" altLang="en-US"/>
-                    </a:p>
-                  </a:txBody>
-                  <a:tcPr/>
-                </a:tc>
-                <a:tc>
-                  <a:txBody>
-                    <a:bodyPr/>
-                    <a:lstStyle/>
-                    <a:p>
-                      <a:pPr latinLnBrk="1"/>
-                      <a:endParaRPr lang="ko-KR" altLang="en-US"/>
-                    </a:p>
-                  </a:txBody>
-                  <a:tcPr/>
-                </a:tc>
-                <a:tc>
-                  <a:txBody>
-                    <a:bodyPr/>
-                    <a:lstStyle/>
-                    <a:p>
-                      <a:pPr latinLnBrk="1"/>
-                      <a:endParaRPr lang="ko-KR" altLang="en-US"/>
-                    </a:p>
-                  </a:txBody>
-                  <a:tcPr/>
-                </a:tc>
-                <a:tc>
-                  <a:txBody>
-                    <a:bodyPr/>
-                    <a:lstStyle/>
-                    <a:p>
-                      <a:pPr latinLnBrk="1"/>
-                      <a:endParaRPr lang="ko-KR" altLang="en-US"/>
-                    </a:p>
-                  </a:txBody>
-                  <a:tcPr/>
-                </a:tc>
-                <a:tc>
-                  <a:txBody>
-                    <a:bodyPr/>
-                    <a:lstStyle/>
-                    <a:p>
-                      <a:pPr latinLnBrk="1"/>
-                      <a:endParaRPr lang="ko-KR" altLang="en-US"/>
-                    </a:p>
-                  </a:txBody>
-                  <a:tcPr/>
-                </a:tc>
-                <a:tc>
-                  <a:txBody>
-                    <a:bodyPr/>
-                    <a:lstStyle/>
-                    <a:p>
-                      <a:pPr latinLnBrk="1"/>
+                      <a:pPr algn="ctr" latinLnBrk="1"/>
+                      <a:r>
+                        <a:rPr lang="en-US" altLang="ko-KR" sz="1200" dirty="0"/>
+                        <a:t>IN-RW-20251020-002</a:t>
+                      </a:r>
+                      <a:endParaRPr lang="ko-KR" altLang="en-US" sz="1200" dirty="0"/>
+                    </a:p>
+                  </a:txBody>
+                  <a:tcPr/>
+                </a:tc>
+                <a:tc>
+                  <a:txBody>
+                    <a:bodyPr/>
+                    <a:lstStyle/>
+                    <a:p>
+                      <a:pPr algn="ctr" latinLnBrk="1"/>
+                      <a:r>
+                        <a:rPr lang="en-US" altLang="ko-KR" sz="1800" b="0" dirty="0"/>
+                        <a:t>KS M 6021</a:t>
+                      </a:r>
+                      <a:endParaRPr lang="ko-KR" altLang="en-US" sz="1800" b="0" dirty="0"/>
+                    </a:p>
+                  </a:txBody>
+                  <a:tcPr/>
+                </a:tc>
+                <a:tc>
+                  <a:txBody>
+                    <a:bodyPr/>
+                    <a:lstStyle/>
+                    <a:p>
+                      <a:pPr algn="ctr" latinLnBrk="1"/>
+                      <a:r>
+                        <a:rPr lang="ko-KR" altLang="en-US" sz="1800" b="0" dirty="0"/>
+                        <a:t>품목</a:t>
+                      </a:r>
+                      <a:r>
+                        <a:rPr lang="en-US" altLang="ko-KR" sz="1800" b="0" dirty="0"/>
+                        <a:t>B</a:t>
+                      </a:r>
+                      <a:endParaRPr lang="ko-KR" altLang="en-US" sz="1800" b="0" dirty="0"/>
+                    </a:p>
+                  </a:txBody>
+                  <a:tcPr/>
+                </a:tc>
+                <a:tc>
+                  <a:txBody>
+                    <a:bodyPr/>
+                    <a:lstStyle/>
+                    <a:p>
+                      <a:pPr algn="ctr" latinLnBrk="1"/>
+                      <a:r>
+                        <a:rPr lang="ko-KR" altLang="en-US" sz="1400" b="0" dirty="0" err="1"/>
+                        <a:t>매입처</a:t>
+                      </a:r>
+                      <a:r>
+                        <a:rPr lang="en-US" altLang="ko-KR" sz="1400" b="0" dirty="0"/>
+                        <a:t>B</a:t>
+                      </a:r>
+                      <a:endParaRPr lang="ko-KR" altLang="en-US" sz="1400" b="0" dirty="0"/>
+                    </a:p>
+                  </a:txBody>
+                  <a:tcPr/>
+                </a:tc>
+                <a:tc>
+                  <a:txBody>
+                    <a:bodyPr/>
+                    <a:lstStyle/>
+                    <a:p>
+                      <a:pPr algn="ctr" latinLnBrk="1"/>
+                      <a:r>
+                        <a:rPr lang="en-US" altLang="ko-KR" sz="1800" b="0" dirty="0"/>
+                        <a:t>10</a:t>
+                      </a:r>
+                      <a:endParaRPr lang="ko-KR" altLang="en-US" sz="1800" b="0" dirty="0"/>
+                    </a:p>
+                  </a:txBody>
+                  <a:tcPr/>
+                </a:tc>
+                <a:tc>
+                  <a:txBody>
+                    <a:bodyPr/>
+                    <a:lstStyle/>
+                    <a:p>
+                      <a:pPr algn="ctr" latinLnBrk="1"/>
+                      <a:r>
+                        <a:rPr lang="en-US" altLang="ko-KR" dirty="0"/>
+                        <a:t>Kg</a:t>
+                      </a:r>
+                      <a:endParaRPr lang="ko-KR" altLang="en-US" dirty="0"/>
+                    </a:p>
+                  </a:txBody>
+                  <a:tcPr/>
+                </a:tc>
+                <a:tc>
+                  <a:txBody>
+                    <a:bodyPr/>
+                    <a:lstStyle/>
+                    <a:p>
+                      <a:pPr algn="ctr" latinLnBrk="1"/>
+                      <a:r>
+                        <a:rPr lang="en-US" altLang="ko-KR" dirty="0"/>
+                        <a:t>40</a:t>
+                      </a:r>
+                      <a:endParaRPr lang="ko-KR" altLang="en-US" dirty="0"/>
+                    </a:p>
+                  </a:txBody>
+                  <a:tcPr/>
+                </a:tc>
+                <a:tc>
+                  <a:txBody>
+                    <a:bodyPr/>
+                    <a:lstStyle/>
+                    <a:p>
+                      <a:pPr algn="ctr" latinLnBrk="1"/>
+                      <a:r>
+                        <a:rPr lang="en-US" altLang="ko-KR" dirty="0"/>
+                        <a:t>400kg</a:t>
+                      </a:r>
+                      <a:endParaRPr lang="ko-KR" altLang="en-US" dirty="0"/>
+                    </a:p>
+                  </a:txBody>
+                  <a:tcPr/>
+                </a:tc>
+                <a:tc>
+                  <a:txBody>
+                    <a:bodyPr/>
+                    <a:lstStyle/>
+                    <a:p>
+                      <a:pPr algn="ctr" latinLnBrk="1"/>
+                      <a:endParaRPr lang="ko-KR" altLang="en-US" dirty="0"/>
+                    </a:p>
+                  </a:txBody>
+                  <a:tcPr/>
+                </a:tc>
+                <a:tc>
+                  <a:txBody>
+                    <a:bodyPr/>
+                    <a:lstStyle/>
+                    <a:p>
+                      <a:pPr algn="ctr" latinLnBrk="1"/>
+                      <a:endParaRPr lang="ko-KR" altLang="en-US" dirty="0"/>
+                    </a:p>
+                  </a:txBody>
+                  <a:tcPr/>
+                </a:tc>
+                <a:tc>
+                  <a:txBody>
+                    <a:bodyPr/>
+                    <a:lstStyle/>
+                    <a:p>
+                      <a:pPr algn="ctr" latinLnBrk="1"/>
+                      <a:endParaRPr lang="ko-KR" altLang="en-US" dirty="0"/>
+                    </a:p>
+                  </a:txBody>
+                  <a:tcPr/>
+                </a:tc>
+                <a:tc>
+                  <a:txBody>
+                    <a:bodyPr/>
+                    <a:lstStyle/>
+                    <a:p>
+                      <a:pPr algn="ctr" latinLnBrk="1"/>
                       <a:endParaRPr lang="ko-KR" altLang="en-US" dirty="0"/>
                     </a:p>
                   </a:txBody>
@@ -6553,7 +7330,146 @@
                     <a:bodyPr/>
                     <a:lstStyle/>
                     <a:p>
-                      <a:pPr latinLnBrk="1"/>
+                      <a:pPr algn="ctr" latinLnBrk="1"/>
+                      <a:r>
+                        <a:rPr lang="en-US" altLang="ko-KR" sz="1200" dirty="0"/>
+                        <a:t>IN-RW-20251020-003</a:t>
+                      </a:r>
+                      <a:endParaRPr lang="ko-KR" altLang="en-US" sz="1200" dirty="0"/>
+                    </a:p>
+                  </a:txBody>
+                  <a:tcPr/>
+                </a:tc>
+                <a:tc>
+                  <a:txBody>
+                    <a:bodyPr/>
+                    <a:lstStyle/>
+                    <a:p>
+                      <a:pPr algn="ctr" latinLnBrk="1"/>
+                      <a:r>
+                        <a:rPr lang="en-US" altLang="ko-KR" sz="1800" b="0" dirty="0"/>
+                        <a:t>KS M 6022</a:t>
+                      </a:r>
+                      <a:endParaRPr lang="ko-KR" altLang="en-US" sz="1800" b="0" dirty="0"/>
+                    </a:p>
+                  </a:txBody>
+                  <a:tcPr/>
+                </a:tc>
+                <a:tc>
+                  <a:txBody>
+                    <a:bodyPr/>
+                    <a:lstStyle/>
+                    <a:p>
+                      <a:pPr algn="ctr" latinLnBrk="1"/>
+                      <a:r>
+                        <a:rPr lang="ko-KR" altLang="en-US" sz="1800" b="0" dirty="0"/>
+                        <a:t>품목</a:t>
+                      </a:r>
+                      <a:r>
+                        <a:rPr lang="en-US" altLang="ko-KR" sz="1800" b="0" dirty="0"/>
+                        <a:t>C</a:t>
+                      </a:r>
+                      <a:endParaRPr lang="ko-KR" altLang="en-US" sz="1800" b="0" dirty="0"/>
+                    </a:p>
+                  </a:txBody>
+                  <a:tcPr/>
+                </a:tc>
+                <a:tc>
+                  <a:txBody>
+                    <a:bodyPr/>
+                    <a:lstStyle/>
+                    <a:p>
+                      <a:pPr algn="ctr" latinLnBrk="1"/>
+                      <a:r>
+                        <a:rPr lang="ko-KR" altLang="en-US" sz="1400" b="0" dirty="0" err="1"/>
+                        <a:t>매입처</a:t>
+                      </a:r>
+                      <a:r>
+                        <a:rPr lang="en-US" altLang="ko-KR" sz="1400" b="0" dirty="0"/>
+                        <a:t>C</a:t>
+                      </a:r>
+                      <a:endParaRPr lang="ko-KR" altLang="en-US" sz="1400" b="0" dirty="0"/>
+                    </a:p>
+                  </a:txBody>
+                  <a:tcPr/>
+                </a:tc>
+                <a:tc>
+                  <a:txBody>
+                    <a:bodyPr/>
+                    <a:lstStyle/>
+                    <a:p>
+                      <a:pPr algn="ctr" latinLnBrk="1"/>
+                      <a:r>
+                        <a:rPr lang="en-US" altLang="ko-KR" sz="1800" b="0" dirty="0"/>
+                        <a:t>50</a:t>
+                      </a:r>
+                      <a:endParaRPr lang="ko-KR" altLang="en-US" sz="1800" b="0" dirty="0"/>
+                    </a:p>
+                  </a:txBody>
+                  <a:tcPr/>
+                </a:tc>
+                <a:tc>
+                  <a:txBody>
+                    <a:bodyPr/>
+                    <a:lstStyle/>
+                    <a:p>
+                      <a:pPr algn="ctr" latinLnBrk="1"/>
+                      <a:r>
+                        <a:rPr lang="en-US" altLang="ko-KR" dirty="0"/>
+                        <a:t>kg</a:t>
+                      </a:r>
+                      <a:endParaRPr lang="ko-KR" altLang="en-US" dirty="0"/>
+                    </a:p>
+                  </a:txBody>
+                  <a:tcPr/>
+                </a:tc>
+                <a:tc>
+                  <a:txBody>
+                    <a:bodyPr/>
+                    <a:lstStyle/>
+                    <a:p>
+                      <a:pPr algn="ctr" latinLnBrk="1"/>
+                      <a:r>
+                        <a:rPr lang="en-US" altLang="ko-KR" dirty="0"/>
+                        <a:t>10</a:t>
+                      </a:r>
+                      <a:endParaRPr lang="ko-KR" altLang="en-US" dirty="0"/>
+                    </a:p>
+                  </a:txBody>
+                  <a:tcPr/>
+                </a:tc>
+                <a:tc>
+                  <a:txBody>
+                    <a:bodyPr/>
+                    <a:lstStyle/>
+                    <a:p>
+                      <a:pPr algn="ctr" latinLnBrk="1"/>
+                      <a:r>
+                        <a:rPr lang="en-US" altLang="ko-KR" dirty="0"/>
+                        <a:t>500kg</a:t>
+                      </a:r>
+                      <a:endParaRPr lang="ko-KR" altLang="en-US" dirty="0"/>
+                    </a:p>
+                  </a:txBody>
+                  <a:tcPr/>
+                </a:tc>
+                <a:tc>
+                  <a:txBody>
+                    <a:bodyPr/>
+                    <a:lstStyle/>
+                    <a:p>
+                      <a:pPr algn="ctr" latinLnBrk="1"/>
+                      <a:endParaRPr lang="ko-KR" altLang="en-US" dirty="0"/>
+                    </a:p>
+                  </a:txBody>
+                  <a:tcPr/>
+                </a:tc>
+                <a:tc>
+                  <a:txBody>
+                    <a:bodyPr/>
+                    <a:lstStyle/>
+                    <a:p>
+                      <a:pPr algn="ctr" latinLnBrk="1"/>
                       <a:endParaRPr lang="ko-KR" altLang="en-US"/>
                     </a:p>
                   </a:txBody>
@@ -6564,7 +7480,7 @@
                     <a:bodyPr/>
                     <a:lstStyle/>
                     <a:p>
-                      <a:pPr latinLnBrk="1"/>
+                      <a:pPr algn="ctr" latinLnBrk="1"/>
                       <a:endParaRPr lang="ko-KR" altLang="en-US"/>
                     </a:p>
                   </a:txBody>
@@ -6575,96 +7491,8 @@
                     <a:bodyPr/>
                     <a:lstStyle/>
                     <a:p>
-                      <a:pPr latinLnBrk="1"/>
-                      <a:endParaRPr lang="ko-KR" altLang="en-US"/>
-                    </a:p>
-                  </a:txBody>
-                  <a:tcPr/>
-                </a:tc>
-                <a:tc>
-                  <a:txBody>
-                    <a:bodyPr/>
-                    <a:lstStyle/>
-                    <a:p>
-                      <a:pPr latinLnBrk="1"/>
-                      <a:endParaRPr lang="ko-KR" altLang="en-US"/>
-                    </a:p>
-                  </a:txBody>
-                  <a:tcPr/>
-                </a:tc>
-                <a:tc>
-                  <a:txBody>
-                    <a:bodyPr/>
-                    <a:lstStyle/>
-                    <a:p>
-                      <a:pPr latinLnBrk="1"/>
-                      <a:endParaRPr lang="ko-KR" altLang="en-US"/>
-                    </a:p>
-                  </a:txBody>
-                  <a:tcPr/>
-                </a:tc>
-                <a:tc>
-                  <a:txBody>
-                    <a:bodyPr/>
-                    <a:lstStyle/>
-                    <a:p>
-                      <a:pPr latinLnBrk="1"/>
-                      <a:endParaRPr lang="ko-KR" altLang="en-US"/>
-                    </a:p>
-                  </a:txBody>
-                  <a:tcPr/>
-                </a:tc>
-                <a:tc>
-                  <a:txBody>
-                    <a:bodyPr/>
-                    <a:lstStyle/>
-                    <a:p>
-                      <a:pPr latinLnBrk="1"/>
-                      <a:endParaRPr lang="ko-KR" altLang="en-US"/>
-                    </a:p>
-                  </a:txBody>
-                  <a:tcPr/>
-                </a:tc>
-                <a:tc>
-                  <a:txBody>
-                    <a:bodyPr/>
-                    <a:lstStyle/>
-                    <a:p>
-                      <a:pPr latinLnBrk="1"/>
-                      <a:endParaRPr lang="ko-KR" altLang="en-US"/>
-                    </a:p>
-                  </a:txBody>
-                  <a:tcPr/>
-                </a:tc>
-                <a:tc>
-                  <a:txBody>
-                    <a:bodyPr/>
-                    <a:lstStyle/>
-                    <a:p>
-                      <a:pPr latinLnBrk="1"/>
-                      <a:endParaRPr lang="ko-KR" altLang="en-US"/>
-                    </a:p>
-                  </a:txBody>
-                  <a:tcPr/>
-                </a:tc>
-                <a:tc>
-                  <a:txBody>
-                    <a:bodyPr/>
-                    <a:lstStyle/>
-                    <a:p>
-                      <a:pPr latinLnBrk="1"/>
-                      <a:endParaRPr lang="ko-KR" altLang="en-US"/>
-                    </a:p>
-                  </a:txBody>
-                  <a:tcPr/>
-                </a:tc>
-                <a:tc>
-                  <a:txBody>
-                    <a:bodyPr/>
-                    <a:lstStyle/>
-                    <a:p>
-                      <a:pPr latinLnBrk="1"/>
-                      <a:endParaRPr lang="ko-KR" altLang="en-US"/>
+                      <a:pPr algn="ctr" latinLnBrk="1"/>
+                      <a:endParaRPr lang="ko-KR" altLang="en-US" dirty="0"/>
                     </a:p>
                   </a:txBody>
                   <a:tcPr/>
@@ -6682,7 +7510,7 @@
                     <a:lstStyle/>
                     <a:p>
                       <a:pPr latinLnBrk="1"/>
-                      <a:endParaRPr lang="ko-KR" altLang="en-US"/>
+                      <a:endParaRPr lang="ko-KR" altLang="en-US" dirty="0"/>
                     </a:p>
                   </a:txBody>
                   <a:tcPr/>
@@ -6715,7 +7543,29 @@
                     <a:lstStyle/>
                     <a:p>
                       <a:pPr latinLnBrk="1"/>
-                      <a:endParaRPr lang="ko-KR" altLang="en-US"/>
+                      <a:endParaRPr lang="ko-KR" altLang="en-US" dirty="0"/>
+                    </a:p>
+                  </a:txBody>
+                  <a:tcPr/>
+                </a:tc>
+                <a:tc>
+                  <a:txBody>
+                    <a:bodyPr/>
+                    <a:lstStyle/>
+                    <a:p>
+                      <a:pPr latinLnBrk="1"/>
+                      <a:endParaRPr lang="ko-KR" altLang="en-US" dirty="0"/>
+                    </a:p>
+                  </a:txBody>
+                  <a:tcPr/>
+                </a:tc>
+                <a:tc>
+                  <a:txBody>
+                    <a:bodyPr/>
+                    <a:lstStyle/>
+                    <a:p>
+                      <a:pPr latinLnBrk="1"/>
+                      <a:endParaRPr lang="ko-KR" altLang="en-US" dirty="0"/>
                     </a:p>
                   </a:txBody>
                   <a:tcPr/>
@@ -6737,7 +7587,7 @@
                     <a:lstStyle/>
                     <a:p>
                       <a:pPr latinLnBrk="1"/>
-                      <a:endParaRPr lang="ko-KR" altLang="en-US"/>
+                      <a:endParaRPr lang="ko-KR" altLang="en-US" dirty="0"/>
                     </a:p>
                   </a:txBody>
                   <a:tcPr/>
@@ -6759,7 +7609,7 @@
                     <a:lstStyle/>
                     <a:p>
                       <a:pPr latinLnBrk="1"/>
-                      <a:endParaRPr lang="ko-KR" altLang="en-US"/>
+                      <a:endParaRPr lang="ko-KR" altLang="en-US" dirty="0"/>
                     </a:p>
                   </a:txBody>
                   <a:tcPr/>
@@ -6770,7 +7620,7 @@
                     <a:lstStyle/>
                     <a:p>
                       <a:pPr latinLnBrk="1"/>
-                      <a:endParaRPr lang="ko-KR" altLang="en-US"/>
+                      <a:endParaRPr lang="ko-KR" altLang="en-US" dirty="0"/>
                     </a:p>
                   </a:txBody>
                   <a:tcPr/>
@@ -6781,18 +7631,7 @@
                     <a:lstStyle/>
                     <a:p>
                       <a:pPr latinLnBrk="1"/>
-                      <a:endParaRPr lang="ko-KR" altLang="en-US"/>
-                    </a:p>
-                  </a:txBody>
-                  <a:tcPr/>
-                </a:tc>
-                <a:tc>
-                  <a:txBody>
-                    <a:bodyPr/>
-                    <a:lstStyle/>
-                    <a:p>
-                      <a:pPr latinLnBrk="1"/>
-                      <a:endParaRPr lang="ko-KR" altLang="en-US"/>
+                      <a:endParaRPr lang="ko-KR" altLang="en-US" dirty="0"/>
                     </a:p>
                   </a:txBody>
                   <a:tcPr/>
@@ -6810,7 +7649,7 @@
                     <a:lstStyle/>
                     <a:p>
                       <a:pPr latinLnBrk="1"/>
-                      <a:endParaRPr lang="ko-KR" altLang="en-US"/>
+                      <a:endParaRPr lang="ko-KR" altLang="en-US" dirty="0"/>
                     </a:p>
                   </a:txBody>
                   <a:tcPr/>
@@ -6854,7 +7693,29 @@
                     <a:lstStyle/>
                     <a:p>
                       <a:pPr latinLnBrk="1"/>
-                      <a:endParaRPr lang="ko-KR" altLang="en-US"/>
+                      <a:endParaRPr lang="ko-KR" altLang="en-US" dirty="0"/>
+                    </a:p>
+                  </a:txBody>
+                  <a:tcPr/>
+                </a:tc>
+                <a:tc>
+                  <a:txBody>
+                    <a:bodyPr/>
+                    <a:lstStyle/>
+                    <a:p>
+                      <a:pPr latinLnBrk="1"/>
+                      <a:endParaRPr lang="ko-KR" altLang="en-US" dirty="0"/>
+                    </a:p>
+                  </a:txBody>
+                  <a:tcPr/>
+                </a:tc>
+                <a:tc>
+                  <a:txBody>
+                    <a:bodyPr/>
+                    <a:lstStyle/>
+                    <a:p>
+                      <a:pPr latinLnBrk="1"/>
+                      <a:endParaRPr lang="ko-KR" altLang="en-US" dirty="0"/>
                     </a:p>
                   </a:txBody>
                   <a:tcPr/>
@@ -6909,18 +7770,7 @@
                     <a:lstStyle/>
                     <a:p>
                       <a:pPr latinLnBrk="1"/>
-                      <a:endParaRPr lang="ko-KR" altLang="en-US"/>
-                    </a:p>
-                  </a:txBody>
-                  <a:tcPr/>
-                </a:tc>
-                <a:tc>
-                  <a:txBody>
-                    <a:bodyPr/>
-                    <a:lstStyle/>
-                    <a:p>
-                      <a:pPr latinLnBrk="1"/>
-                      <a:endParaRPr lang="ko-KR" altLang="en-US"/>
+                      <a:endParaRPr lang="ko-KR" altLang="en-US" dirty="0"/>
                     </a:p>
                   </a:txBody>
                   <a:tcPr/>
@@ -6938,7 +7788,7 @@
                     <a:lstStyle/>
                     <a:p>
                       <a:pPr latinLnBrk="1"/>
-                      <a:endParaRPr lang="ko-KR" altLang="en-US"/>
+                      <a:endParaRPr lang="ko-KR" altLang="en-US" dirty="0"/>
                     </a:p>
                   </a:txBody>
                   <a:tcPr/>
@@ -6982,7 +7832,18 @@
                     <a:lstStyle/>
                     <a:p>
                       <a:pPr latinLnBrk="1"/>
-                      <a:endParaRPr lang="ko-KR" altLang="en-US"/>
+                      <a:endParaRPr lang="ko-KR" altLang="en-US" dirty="0"/>
+                    </a:p>
+                  </a:txBody>
+                  <a:tcPr/>
+                </a:tc>
+                <a:tc>
+                  <a:txBody>
+                    <a:bodyPr/>
+                    <a:lstStyle/>
+                    <a:p>
+                      <a:pPr latinLnBrk="1"/>
+                      <a:endParaRPr lang="ko-KR" altLang="en-US" dirty="0"/>
                     </a:p>
                   </a:txBody>
                   <a:tcPr/>
@@ -7037,7 +7898,7 @@
                     <a:lstStyle/>
                     <a:p>
                       <a:pPr latinLnBrk="1"/>
-                      <a:endParaRPr lang="ko-KR" altLang="en-US"/>
+                      <a:endParaRPr lang="ko-KR" altLang="en-US" dirty="0"/>
                     </a:p>
                   </a:txBody>
                   <a:tcPr/>
@@ -7077,7 +7938,7 @@
         </p:nvSpPr>
         <p:spPr>
           <a:xfrm>
-            <a:off x="10246552" y="2772472"/>
+            <a:off x="10255894" y="2923438"/>
             <a:ext cx="458801" cy="182880"/>
           </a:xfrm>
           <a:prstGeom prst="roundRect">
@@ -7126,7 +7987,1300 @@
         </p:nvSpPr>
         <p:spPr>
           <a:xfrm>
-            <a:off x="10715709" y="2772472"/>
+            <a:off x="10731611" y="2923438"/>
+            <a:ext cx="458801" cy="182880"/>
+          </a:xfrm>
+          <a:prstGeom prst="roundRect">
+            <a:avLst/>
+          </a:prstGeom>
+        </p:spPr>
+        <p:style>
+          <a:lnRef idx="2">
+            <a:schemeClr val="accent1">
+              <a:shade val="15000"/>
+            </a:schemeClr>
+          </a:lnRef>
+          <a:fillRef idx="1">
+            <a:schemeClr val="accent1"/>
+          </a:fillRef>
+          <a:effectRef idx="0">
+            <a:schemeClr val="accent1"/>
+          </a:effectRef>
+          <a:fontRef idx="minor">
+            <a:schemeClr val="lt1"/>
+          </a:fontRef>
+        </p:style>
+        <p:txBody>
+          <a:bodyPr rtlCol="0" anchor="ctr"/>
+          <a:lstStyle/>
+          <a:p>
+            <a:pPr algn="ctr"/>
+            <a:r>
+              <a:rPr lang="ko-KR" altLang="en-US" sz="1000" dirty="0"/>
+              <a:t>삭제</a:t>
+            </a:r>
+          </a:p>
+        </p:txBody>
+      </p:sp>
+      <p:sp>
+        <p:nvSpPr>
+          <p:cNvPr id="8" name="직사각형 7">
+            <a:extLst>
+              <a:ext uri="{FF2B5EF4-FFF2-40B4-BE49-F238E27FC236}">
+                <a16:creationId xmlns:a16="http://schemas.microsoft.com/office/drawing/2014/main" id="{70189BDA-48F1-CC23-A554-55C79458A297}"/>
+              </a:ext>
+            </a:extLst>
+          </p:cNvPr>
+          <p:cNvSpPr/>
+          <p:nvPr/>
+        </p:nvSpPr>
+        <p:spPr>
+          <a:xfrm>
+            <a:off x="7650989" y="2818946"/>
+            <a:ext cx="904274" cy="432523"/>
+          </a:xfrm>
+          <a:prstGeom prst="rect">
+            <a:avLst/>
+          </a:prstGeom>
+          <a:solidFill>
+            <a:schemeClr val="bg1"/>
+          </a:solidFill>
+        </p:spPr>
+        <p:style>
+          <a:lnRef idx="2">
+            <a:schemeClr val="accent1">
+              <a:shade val="15000"/>
+            </a:schemeClr>
+          </a:lnRef>
+          <a:fillRef idx="1">
+            <a:schemeClr val="accent1"/>
+          </a:fillRef>
+          <a:effectRef idx="0">
+            <a:schemeClr val="accent1"/>
+          </a:effectRef>
+          <a:fontRef idx="minor">
+            <a:schemeClr val="lt1"/>
+          </a:fontRef>
+        </p:style>
+        <p:txBody>
+          <a:bodyPr rtlCol="0" anchor="ctr"/>
+          <a:lstStyle/>
+          <a:p>
+            <a:r>
+              <a:rPr lang="en-US" altLang="ko-KR" sz="1000" dirty="0">
+                <a:solidFill>
+                  <a:schemeClr val="tx1"/>
+                </a:solidFill>
+              </a:rPr>
+              <a:t>2025.10.20</a:t>
+            </a:r>
+            <a:r>
+              <a:rPr lang="ko-KR" altLang="en-US" sz="1000" dirty="0">
+                <a:solidFill>
+                  <a:schemeClr val="tx1"/>
+                </a:solidFill>
+              </a:rPr>
+              <a:t>  </a:t>
+            </a:r>
+            <a:endParaRPr lang="en-US" altLang="ko-KR" sz="1000" dirty="0">
+              <a:solidFill>
+                <a:schemeClr val="tx1"/>
+              </a:solidFill>
+            </a:endParaRPr>
+          </a:p>
+        </p:txBody>
+      </p:sp>
+      <p:sp>
+        <p:nvSpPr>
+          <p:cNvPr id="9" name="직사각형 8">
+            <a:extLst>
+              <a:ext uri="{FF2B5EF4-FFF2-40B4-BE49-F238E27FC236}">
+                <a16:creationId xmlns:a16="http://schemas.microsoft.com/office/drawing/2014/main" id="{E8890B90-A063-E936-1F50-B607D0077294}"/>
+              </a:ext>
+            </a:extLst>
+          </p:cNvPr>
+          <p:cNvSpPr/>
+          <p:nvPr/>
+        </p:nvSpPr>
+        <p:spPr>
+          <a:xfrm>
+            <a:off x="8547312" y="2817790"/>
+            <a:ext cx="904274" cy="432523"/>
+          </a:xfrm>
+          <a:prstGeom prst="rect">
+            <a:avLst/>
+          </a:prstGeom>
+          <a:solidFill>
+            <a:schemeClr val="bg1"/>
+          </a:solidFill>
+        </p:spPr>
+        <p:style>
+          <a:lnRef idx="2">
+            <a:schemeClr val="accent1">
+              <a:shade val="15000"/>
+            </a:schemeClr>
+          </a:lnRef>
+          <a:fillRef idx="1">
+            <a:schemeClr val="accent1"/>
+          </a:fillRef>
+          <a:effectRef idx="0">
+            <a:schemeClr val="accent1"/>
+          </a:effectRef>
+          <a:fontRef idx="minor">
+            <a:schemeClr val="lt1"/>
+          </a:fontRef>
+        </p:style>
+        <p:txBody>
+          <a:bodyPr rtlCol="0" anchor="ctr"/>
+          <a:lstStyle/>
+          <a:p>
+            <a:r>
+              <a:rPr lang="en-US" altLang="ko-KR" sz="1000" dirty="0">
+                <a:solidFill>
+                  <a:schemeClr val="tx1"/>
+                </a:solidFill>
+              </a:rPr>
+              <a:t>2025.10.20</a:t>
+            </a:r>
+            <a:r>
+              <a:rPr lang="ko-KR" altLang="en-US" sz="1000" dirty="0">
+                <a:solidFill>
+                  <a:schemeClr val="tx1"/>
+                </a:solidFill>
+              </a:rPr>
+              <a:t>  </a:t>
+            </a:r>
+            <a:endParaRPr lang="en-US" altLang="ko-KR" sz="1000" dirty="0">
+              <a:solidFill>
+                <a:schemeClr val="tx1"/>
+              </a:solidFill>
+            </a:endParaRPr>
+          </a:p>
+        </p:txBody>
+      </p:sp>
+      <p:pic>
+        <p:nvPicPr>
+          <p:cNvPr id="10" name="그래픽 9" descr="월 단위 달력">
+            <a:extLst>
+              <a:ext uri="{FF2B5EF4-FFF2-40B4-BE49-F238E27FC236}">
+                <a16:creationId xmlns:a16="http://schemas.microsoft.com/office/drawing/2014/main" id="{C635E49C-DDCA-C977-D25A-6CA8AA531757}"/>
+              </a:ext>
+            </a:extLst>
+          </p:cNvPr>
+          <p:cNvPicPr>
+            <a:picLocks noChangeAspect="1"/>
+          </p:cNvPicPr>
+          <p:nvPr/>
+        </p:nvPicPr>
+        <p:blipFill>
+          <a:blip r:embed="rId6">
+            <a:extLst>
+              <a:ext uri="{96DAC541-7B7A-43D3-8B79-37D633B846F1}">
+                <asvg:svgBlip xmlns:asvg="http://schemas.microsoft.com/office/drawing/2016/SVG/main" r:embed="rId7"/>
+              </a:ext>
+            </a:extLst>
+          </a:blip>
+          <a:stretch>
+            <a:fillRect/>
+          </a:stretch>
+        </p:blipFill>
+        <p:spPr>
+          <a:xfrm>
+            <a:off x="8326654" y="2912953"/>
+            <a:ext cx="244511" cy="244511"/>
+          </a:xfrm>
+          <a:prstGeom prst="rect">
+            <a:avLst/>
+          </a:prstGeom>
+        </p:spPr>
+      </p:pic>
+      <p:pic>
+        <p:nvPicPr>
+          <p:cNvPr id="11" name="그래픽 10" descr="월 단위 달력">
+            <a:extLst>
+              <a:ext uri="{FF2B5EF4-FFF2-40B4-BE49-F238E27FC236}">
+                <a16:creationId xmlns:a16="http://schemas.microsoft.com/office/drawing/2014/main" id="{1DD36438-1EC7-CFC8-5A1D-82614787580F}"/>
+              </a:ext>
+            </a:extLst>
+          </p:cNvPr>
+          <p:cNvPicPr>
+            <a:picLocks noChangeAspect="1"/>
+          </p:cNvPicPr>
+          <p:nvPr/>
+        </p:nvPicPr>
+        <p:blipFill>
+          <a:blip r:embed="rId6">
+            <a:extLst>
+              <a:ext uri="{96DAC541-7B7A-43D3-8B79-37D633B846F1}">
+                <asvg:svgBlip xmlns:asvg="http://schemas.microsoft.com/office/drawing/2016/SVG/main" r:embed="rId7"/>
+              </a:ext>
+            </a:extLst>
+          </a:blip>
+          <a:stretch>
+            <a:fillRect/>
+          </a:stretch>
+        </p:blipFill>
+        <p:spPr>
+          <a:xfrm>
+            <a:off x="9223991" y="2923438"/>
+            <a:ext cx="244511" cy="244511"/>
+          </a:xfrm>
+          <a:prstGeom prst="rect">
+            <a:avLst/>
+          </a:prstGeom>
+        </p:spPr>
+      </p:pic>
+      <p:sp>
+        <p:nvSpPr>
+          <p:cNvPr id="13" name="직사각형 12">
+            <a:extLst>
+              <a:ext uri="{FF2B5EF4-FFF2-40B4-BE49-F238E27FC236}">
+                <a16:creationId xmlns:a16="http://schemas.microsoft.com/office/drawing/2014/main" id="{4FFC756F-F8F0-02F2-0373-C8479DAF959A}"/>
+              </a:ext>
+            </a:extLst>
+          </p:cNvPr>
+          <p:cNvSpPr/>
+          <p:nvPr/>
+        </p:nvSpPr>
+        <p:spPr>
+          <a:xfrm>
+            <a:off x="4209128" y="2826947"/>
+            <a:ext cx="808145" cy="415415"/>
+          </a:xfrm>
+          <a:prstGeom prst="rect">
+            <a:avLst/>
+          </a:prstGeom>
+          <a:solidFill>
+            <a:schemeClr val="bg1"/>
+          </a:solidFill>
+        </p:spPr>
+        <p:style>
+          <a:lnRef idx="2">
+            <a:schemeClr val="accent1">
+              <a:shade val="15000"/>
+            </a:schemeClr>
+          </a:lnRef>
+          <a:fillRef idx="1">
+            <a:schemeClr val="accent1"/>
+          </a:fillRef>
+          <a:effectRef idx="0">
+            <a:schemeClr val="accent1"/>
+          </a:effectRef>
+          <a:fontRef idx="minor">
+            <a:schemeClr val="lt1"/>
+          </a:fontRef>
+        </p:style>
+        <p:txBody>
+          <a:bodyPr rtlCol="0" anchor="ctr"/>
+          <a:lstStyle/>
+          <a:p>
+            <a:pPr algn="ctr"/>
+            <a:r>
+              <a:rPr lang="en-US" altLang="ko-KR" dirty="0">
+                <a:solidFill>
+                  <a:schemeClr val="tx1"/>
+                </a:solidFill>
+              </a:rPr>
+              <a:t>20</a:t>
+            </a:r>
+            <a:endParaRPr lang="ko-KR" altLang="en-US" dirty="0">
+              <a:solidFill>
+                <a:schemeClr val="tx1"/>
+              </a:solidFill>
+            </a:endParaRPr>
+          </a:p>
+        </p:txBody>
+      </p:sp>
+      <p:sp>
+        <p:nvSpPr>
+          <p:cNvPr id="14" name="직사각형 13">
+            <a:extLst>
+              <a:ext uri="{FF2B5EF4-FFF2-40B4-BE49-F238E27FC236}">
+                <a16:creationId xmlns:a16="http://schemas.microsoft.com/office/drawing/2014/main" id="{60B9D0B6-4B08-AA95-549C-606302CD2F57}"/>
+              </a:ext>
+            </a:extLst>
+          </p:cNvPr>
+          <p:cNvSpPr/>
+          <p:nvPr/>
+        </p:nvSpPr>
+        <p:spPr>
+          <a:xfrm>
+            <a:off x="5108400" y="2831159"/>
+            <a:ext cx="746872" cy="415415"/>
+          </a:xfrm>
+          <a:prstGeom prst="rect">
+            <a:avLst/>
+          </a:prstGeom>
+          <a:solidFill>
+            <a:schemeClr val="bg1"/>
+          </a:solidFill>
+        </p:spPr>
+        <p:style>
+          <a:lnRef idx="2">
+            <a:schemeClr val="accent1">
+              <a:shade val="15000"/>
+            </a:schemeClr>
+          </a:lnRef>
+          <a:fillRef idx="1">
+            <a:schemeClr val="accent1"/>
+          </a:fillRef>
+          <a:effectRef idx="0">
+            <a:schemeClr val="accent1"/>
+          </a:effectRef>
+          <a:fontRef idx="minor">
+            <a:schemeClr val="lt1"/>
+          </a:fontRef>
+        </p:style>
+        <p:txBody>
+          <a:bodyPr rtlCol="0" anchor="ctr"/>
+          <a:lstStyle/>
+          <a:p>
+            <a:pPr algn="ctr"/>
+            <a:r>
+              <a:rPr lang="en-US" altLang="ko-KR" dirty="0">
+                <a:solidFill>
+                  <a:schemeClr val="tx1"/>
+                </a:solidFill>
+              </a:rPr>
+              <a:t>kg</a:t>
+            </a:r>
+            <a:endParaRPr lang="ko-KR" altLang="en-US" dirty="0">
+              <a:solidFill>
+                <a:schemeClr val="tx1"/>
+              </a:solidFill>
+            </a:endParaRPr>
+          </a:p>
+        </p:txBody>
+      </p:sp>
+      <p:sp>
+        <p:nvSpPr>
+          <p:cNvPr id="15" name="직사각형 14">
+            <a:extLst>
+              <a:ext uri="{FF2B5EF4-FFF2-40B4-BE49-F238E27FC236}">
+                <a16:creationId xmlns:a16="http://schemas.microsoft.com/office/drawing/2014/main" id="{F5E2764D-6EEC-BAB9-6BCE-8D4E086B6659}"/>
+              </a:ext>
+            </a:extLst>
+          </p:cNvPr>
+          <p:cNvSpPr/>
+          <p:nvPr/>
+        </p:nvSpPr>
+        <p:spPr>
+          <a:xfrm>
+            <a:off x="5963293" y="2832365"/>
+            <a:ext cx="806661" cy="415415"/>
+          </a:xfrm>
+          <a:prstGeom prst="rect">
+            <a:avLst/>
+          </a:prstGeom>
+          <a:solidFill>
+            <a:schemeClr val="bg1"/>
+          </a:solidFill>
+        </p:spPr>
+        <p:style>
+          <a:lnRef idx="2">
+            <a:schemeClr val="accent1">
+              <a:shade val="15000"/>
+            </a:schemeClr>
+          </a:lnRef>
+          <a:fillRef idx="1">
+            <a:schemeClr val="accent1"/>
+          </a:fillRef>
+          <a:effectRef idx="0">
+            <a:schemeClr val="accent1"/>
+          </a:effectRef>
+          <a:fontRef idx="minor">
+            <a:schemeClr val="lt1"/>
+          </a:fontRef>
+        </p:style>
+        <p:txBody>
+          <a:bodyPr rtlCol="0" anchor="ctr"/>
+          <a:lstStyle/>
+          <a:p>
+            <a:pPr algn="ctr"/>
+            <a:r>
+              <a:rPr lang="en-US" altLang="ko-KR" dirty="0">
+                <a:solidFill>
+                  <a:schemeClr val="tx1"/>
+                </a:solidFill>
+              </a:rPr>
+              <a:t>30</a:t>
+            </a:r>
+            <a:endParaRPr lang="ko-KR" altLang="en-US" dirty="0">
+              <a:solidFill>
+                <a:schemeClr val="tx1"/>
+              </a:solidFill>
+            </a:endParaRPr>
+          </a:p>
+        </p:txBody>
+      </p:sp>
+      <p:sp>
+        <p:nvSpPr>
+          <p:cNvPr id="16" name="사각형: 둥근 모서리 15">
+            <a:extLst>
+              <a:ext uri="{FF2B5EF4-FFF2-40B4-BE49-F238E27FC236}">
+                <a16:creationId xmlns:a16="http://schemas.microsoft.com/office/drawing/2014/main" id="{E8A93266-7390-C0AD-98FD-6CEE142ACE7F}"/>
+              </a:ext>
+            </a:extLst>
+          </p:cNvPr>
+          <p:cNvSpPr/>
+          <p:nvPr/>
+        </p:nvSpPr>
+        <p:spPr>
+          <a:xfrm>
+            <a:off x="11259827" y="3661952"/>
+            <a:ext cx="604090" cy="392306"/>
+          </a:xfrm>
+          <a:prstGeom prst="roundRect">
+            <a:avLst/>
+          </a:prstGeom>
+        </p:spPr>
+        <p:style>
+          <a:lnRef idx="2">
+            <a:schemeClr val="accent1">
+              <a:shade val="15000"/>
+            </a:schemeClr>
+          </a:lnRef>
+          <a:fillRef idx="1">
+            <a:schemeClr val="accent1"/>
+          </a:fillRef>
+          <a:effectRef idx="0">
+            <a:schemeClr val="accent1"/>
+          </a:effectRef>
+          <a:fontRef idx="minor">
+            <a:schemeClr val="lt1"/>
+          </a:fontRef>
+        </p:style>
+        <p:txBody>
+          <a:bodyPr rtlCol="0" anchor="ctr"/>
+          <a:lstStyle/>
+          <a:p>
+            <a:pPr algn="ctr"/>
+            <a:r>
+              <a:rPr lang="ko-KR" altLang="en-US" sz="1000" dirty="0"/>
+              <a:t>완료</a:t>
+            </a:r>
+          </a:p>
+        </p:txBody>
+      </p:sp>
+      <p:cxnSp>
+        <p:nvCxnSpPr>
+          <p:cNvPr id="17" name="직선 화살표 연결선 16">
+            <a:extLst>
+              <a:ext uri="{FF2B5EF4-FFF2-40B4-BE49-F238E27FC236}">
+                <a16:creationId xmlns:a16="http://schemas.microsoft.com/office/drawing/2014/main" id="{79EDCABC-162A-962D-A620-4F54809C50DD}"/>
+              </a:ext>
+            </a:extLst>
+          </p:cNvPr>
+          <p:cNvCxnSpPr/>
+          <p:nvPr/>
+        </p:nvCxnSpPr>
+        <p:spPr>
+          <a:xfrm>
+            <a:off x="10593530" y="3132485"/>
+            <a:ext cx="666297" cy="529467"/>
+          </a:xfrm>
+          <a:prstGeom prst="straightConnector1">
+            <a:avLst/>
+          </a:prstGeom>
+          <a:ln>
+            <a:tailEnd type="triangle"/>
+          </a:ln>
+        </p:spPr>
+        <p:style>
+          <a:lnRef idx="1">
+            <a:schemeClr val="accent1"/>
+          </a:lnRef>
+          <a:fillRef idx="0">
+            <a:schemeClr val="accent1"/>
+          </a:fillRef>
+          <a:effectRef idx="0">
+            <a:schemeClr val="accent1"/>
+          </a:effectRef>
+          <a:fontRef idx="minor">
+            <a:schemeClr val="tx1"/>
+          </a:fontRef>
+        </p:style>
+      </p:cxnSp>
+      <p:cxnSp>
+        <p:nvCxnSpPr>
+          <p:cNvPr id="37" name="직선 화살표 연결선 36">
+            <a:extLst>
+              <a:ext uri="{FF2B5EF4-FFF2-40B4-BE49-F238E27FC236}">
+                <a16:creationId xmlns:a16="http://schemas.microsoft.com/office/drawing/2014/main" id="{4F601F84-4833-10AE-D7A2-E3D3490C1AE5}"/>
+              </a:ext>
+            </a:extLst>
+          </p:cNvPr>
+          <p:cNvCxnSpPr/>
+          <p:nvPr/>
+        </p:nvCxnSpPr>
+        <p:spPr>
+          <a:xfrm flipH="1" flipV="1">
+            <a:off x="10593530" y="3132485"/>
+            <a:ext cx="666297" cy="529467"/>
+          </a:xfrm>
+          <a:prstGeom prst="straightConnector1">
+            <a:avLst/>
+          </a:prstGeom>
+          <a:ln>
+            <a:tailEnd type="triangle"/>
+          </a:ln>
+        </p:spPr>
+        <p:style>
+          <a:lnRef idx="1">
+            <a:schemeClr val="accent1"/>
+          </a:lnRef>
+          <a:fillRef idx="0">
+            <a:schemeClr val="accent1"/>
+          </a:fillRef>
+          <a:effectRef idx="0">
+            <a:schemeClr val="accent1"/>
+          </a:effectRef>
+          <a:fontRef idx="minor">
+            <a:schemeClr val="tx1"/>
+          </a:fontRef>
+        </p:style>
+      </p:cxnSp>
+      <p:pic>
+        <p:nvPicPr>
+          <p:cNvPr id="38" name="그림 37">
+            <a:extLst>
+              <a:ext uri="{FF2B5EF4-FFF2-40B4-BE49-F238E27FC236}">
+                <a16:creationId xmlns:a16="http://schemas.microsoft.com/office/drawing/2014/main" id="{0D274B73-88B4-85E4-4D36-B0BC96A16402}"/>
+              </a:ext>
+            </a:extLst>
+          </p:cNvPr>
+          <p:cNvPicPr>
+            <a:picLocks noChangeAspect="1"/>
+          </p:cNvPicPr>
+          <p:nvPr/>
+        </p:nvPicPr>
+        <p:blipFill>
+          <a:blip r:embed="rId8"/>
+          <a:stretch>
+            <a:fillRect/>
+          </a:stretch>
+        </p:blipFill>
+        <p:spPr>
+          <a:xfrm>
+            <a:off x="7650989" y="3246574"/>
+            <a:ext cx="1905098" cy="2101958"/>
+          </a:xfrm>
+          <a:prstGeom prst="rect">
+            <a:avLst/>
+          </a:prstGeom>
+        </p:spPr>
+      </p:pic>
+      <p:sp>
+        <p:nvSpPr>
+          <p:cNvPr id="42" name="타원 41">
+            <a:extLst>
+              <a:ext uri="{FF2B5EF4-FFF2-40B4-BE49-F238E27FC236}">
+                <a16:creationId xmlns:a16="http://schemas.microsoft.com/office/drawing/2014/main" id="{EDF8AF01-CFEE-F6D2-AA3B-13609DB1C11D}"/>
+              </a:ext>
+            </a:extLst>
+          </p:cNvPr>
+          <p:cNvSpPr/>
+          <p:nvPr/>
+        </p:nvSpPr>
+        <p:spPr>
+          <a:xfrm>
+            <a:off x="9290635" y="1712833"/>
+            <a:ext cx="244929" cy="224398"/>
+          </a:xfrm>
+          <a:prstGeom prst="ellipse">
+            <a:avLst/>
+          </a:prstGeom>
+          <a:solidFill>
+            <a:srgbClr val="FFFF00"/>
+          </a:solidFill>
+        </p:spPr>
+        <p:style>
+          <a:lnRef idx="2">
+            <a:schemeClr val="accent1">
+              <a:shade val="15000"/>
+            </a:schemeClr>
+          </a:lnRef>
+          <a:fillRef idx="1">
+            <a:schemeClr val="accent1"/>
+          </a:fillRef>
+          <a:effectRef idx="0">
+            <a:schemeClr val="accent1"/>
+          </a:effectRef>
+          <a:fontRef idx="minor">
+            <a:schemeClr val="lt1"/>
+          </a:fontRef>
+        </p:style>
+        <p:txBody>
+          <a:bodyPr rtlCol="0" anchor="ctr"/>
+          <a:lstStyle/>
+          <a:p>
+            <a:pPr algn="ctr"/>
+            <a:r>
+              <a:rPr lang="en-US" altLang="ko-KR" dirty="0">
+                <a:solidFill>
+                  <a:schemeClr val="tx1"/>
+                </a:solidFill>
+              </a:rPr>
+              <a:t>1</a:t>
+            </a:r>
+            <a:endParaRPr lang="ko-KR" altLang="en-US" dirty="0">
+              <a:solidFill>
+                <a:schemeClr val="tx1"/>
+              </a:solidFill>
+            </a:endParaRPr>
+          </a:p>
+        </p:txBody>
+      </p:sp>
+      <p:sp>
+        <p:nvSpPr>
+          <p:cNvPr id="43" name="타원 42">
+            <a:extLst>
+              <a:ext uri="{FF2B5EF4-FFF2-40B4-BE49-F238E27FC236}">
+                <a16:creationId xmlns:a16="http://schemas.microsoft.com/office/drawing/2014/main" id="{EDBACFE9-48C1-E14E-79E3-C1260D184335}"/>
+              </a:ext>
+            </a:extLst>
+          </p:cNvPr>
+          <p:cNvSpPr/>
+          <p:nvPr/>
+        </p:nvSpPr>
+        <p:spPr>
+          <a:xfrm>
+            <a:off x="11271681" y="1693717"/>
+            <a:ext cx="244929" cy="224398"/>
+          </a:xfrm>
+          <a:prstGeom prst="ellipse">
+            <a:avLst/>
+          </a:prstGeom>
+          <a:solidFill>
+            <a:srgbClr val="FFFF00"/>
+          </a:solidFill>
+        </p:spPr>
+        <p:style>
+          <a:lnRef idx="2">
+            <a:schemeClr val="accent1">
+              <a:shade val="15000"/>
+            </a:schemeClr>
+          </a:lnRef>
+          <a:fillRef idx="1">
+            <a:schemeClr val="accent1"/>
+          </a:fillRef>
+          <a:effectRef idx="0">
+            <a:schemeClr val="accent1"/>
+          </a:effectRef>
+          <a:fontRef idx="minor">
+            <a:schemeClr val="lt1"/>
+          </a:fontRef>
+        </p:style>
+        <p:txBody>
+          <a:bodyPr rtlCol="0" anchor="ctr"/>
+          <a:lstStyle/>
+          <a:p>
+            <a:pPr algn="ctr"/>
+            <a:r>
+              <a:rPr lang="en-US" altLang="ko-KR" dirty="0">
+                <a:solidFill>
+                  <a:schemeClr val="tx1"/>
+                </a:solidFill>
+              </a:rPr>
+              <a:t>2</a:t>
+            </a:r>
+            <a:endParaRPr lang="ko-KR" altLang="en-US" dirty="0">
+              <a:solidFill>
+                <a:schemeClr val="tx1"/>
+              </a:solidFill>
+            </a:endParaRPr>
+          </a:p>
+        </p:txBody>
+      </p:sp>
+      <p:sp>
+        <p:nvSpPr>
+          <p:cNvPr id="44" name="타원 43">
+            <a:extLst>
+              <a:ext uri="{FF2B5EF4-FFF2-40B4-BE49-F238E27FC236}">
+                <a16:creationId xmlns:a16="http://schemas.microsoft.com/office/drawing/2014/main" id="{7DD063E0-5873-AB09-F957-87651E763281}"/>
+              </a:ext>
+            </a:extLst>
+          </p:cNvPr>
+          <p:cNvSpPr/>
+          <p:nvPr/>
+        </p:nvSpPr>
+        <p:spPr>
+          <a:xfrm>
+            <a:off x="4880365" y="2912953"/>
+            <a:ext cx="244929" cy="224398"/>
+          </a:xfrm>
+          <a:prstGeom prst="ellipse">
+            <a:avLst/>
+          </a:prstGeom>
+          <a:solidFill>
+            <a:srgbClr val="FFFF00"/>
+          </a:solidFill>
+        </p:spPr>
+        <p:style>
+          <a:lnRef idx="2">
+            <a:schemeClr val="accent1">
+              <a:shade val="15000"/>
+            </a:schemeClr>
+          </a:lnRef>
+          <a:fillRef idx="1">
+            <a:schemeClr val="accent1"/>
+          </a:fillRef>
+          <a:effectRef idx="0">
+            <a:schemeClr val="accent1"/>
+          </a:effectRef>
+          <a:fontRef idx="minor">
+            <a:schemeClr val="lt1"/>
+          </a:fontRef>
+        </p:style>
+        <p:txBody>
+          <a:bodyPr rtlCol="0" anchor="ctr"/>
+          <a:lstStyle/>
+          <a:p>
+            <a:pPr algn="ctr"/>
+            <a:r>
+              <a:rPr lang="en-US" altLang="ko-KR" dirty="0">
+                <a:solidFill>
+                  <a:schemeClr val="tx1"/>
+                </a:solidFill>
+              </a:rPr>
+              <a:t>3</a:t>
+            </a:r>
+            <a:endParaRPr lang="ko-KR" altLang="en-US" dirty="0">
+              <a:solidFill>
+                <a:schemeClr val="tx1"/>
+              </a:solidFill>
+            </a:endParaRPr>
+          </a:p>
+        </p:txBody>
+      </p:sp>
+      <p:sp>
+        <p:nvSpPr>
+          <p:cNvPr id="45" name="타원 44">
+            <a:extLst>
+              <a:ext uri="{FF2B5EF4-FFF2-40B4-BE49-F238E27FC236}">
+                <a16:creationId xmlns:a16="http://schemas.microsoft.com/office/drawing/2014/main" id="{95D7D311-1873-E5CC-C775-2C6C63BEBE4B}"/>
+              </a:ext>
+            </a:extLst>
+          </p:cNvPr>
+          <p:cNvSpPr/>
+          <p:nvPr/>
+        </p:nvSpPr>
+        <p:spPr>
+          <a:xfrm>
+            <a:off x="5677895" y="2933494"/>
+            <a:ext cx="244929" cy="224398"/>
+          </a:xfrm>
+          <a:prstGeom prst="ellipse">
+            <a:avLst/>
+          </a:prstGeom>
+          <a:solidFill>
+            <a:srgbClr val="FFFF00"/>
+          </a:solidFill>
+        </p:spPr>
+        <p:style>
+          <a:lnRef idx="2">
+            <a:schemeClr val="accent1">
+              <a:shade val="15000"/>
+            </a:schemeClr>
+          </a:lnRef>
+          <a:fillRef idx="1">
+            <a:schemeClr val="accent1"/>
+          </a:fillRef>
+          <a:effectRef idx="0">
+            <a:schemeClr val="accent1"/>
+          </a:effectRef>
+          <a:fontRef idx="minor">
+            <a:schemeClr val="lt1"/>
+          </a:fontRef>
+        </p:style>
+        <p:txBody>
+          <a:bodyPr rtlCol="0" anchor="ctr"/>
+          <a:lstStyle/>
+          <a:p>
+            <a:pPr algn="ctr"/>
+            <a:r>
+              <a:rPr lang="en-US" altLang="ko-KR" dirty="0">
+                <a:solidFill>
+                  <a:schemeClr val="tx1"/>
+                </a:solidFill>
+              </a:rPr>
+              <a:t>4</a:t>
+            </a:r>
+            <a:endParaRPr lang="ko-KR" altLang="en-US" dirty="0">
+              <a:solidFill>
+                <a:schemeClr val="tx1"/>
+              </a:solidFill>
+            </a:endParaRPr>
+          </a:p>
+        </p:txBody>
+      </p:sp>
+      <p:sp>
+        <p:nvSpPr>
+          <p:cNvPr id="46" name="타원 45">
+            <a:extLst>
+              <a:ext uri="{FF2B5EF4-FFF2-40B4-BE49-F238E27FC236}">
+                <a16:creationId xmlns:a16="http://schemas.microsoft.com/office/drawing/2014/main" id="{3149F3CE-DC11-7225-3CDC-0D9979F83A31}"/>
+              </a:ext>
+            </a:extLst>
+          </p:cNvPr>
+          <p:cNvSpPr/>
+          <p:nvPr/>
+        </p:nvSpPr>
+        <p:spPr>
+          <a:xfrm>
+            <a:off x="6613842" y="2930978"/>
+            <a:ext cx="244929" cy="224398"/>
+          </a:xfrm>
+          <a:prstGeom prst="ellipse">
+            <a:avLst/>
+          </a:prstGeom>
+          <a:solidFill>
+            <a:srgbClr val="FFFF00"/>
+          </a:solidFill>
+        </p:spPr>
+        <p:style>
+          <a:lnRef idx="2">
+            <a:schemeClr val="accent1">
+              <a:shade val="15000"/>
+            </a:schemeClr>
+          </a:lnRef>
+          <a:fillRef idx="1">
+            <a:schemeClr val="accent1"/>
+          </a:fillRef>
+          <a:effectRef idx="0">
+            <a:schemeClr val="accent1"/>
+          </a:effectRef>
+          <a:fontRef idx="minor">
+            <a:schemeClr val="lt1"/>
+          </a:fontRef>
+        </p:style>
+        <p:txBody>
+          <a:bodyPr rtlCol="0" anchor="ctr"/>
+          <a:lstStyle/>
+          <a:p>
+            <a:pPr algn="ctr"/>
+            <a:r>
+              <a:rPr lang="en-US" altLang="ko-KR" dirty="0">
+                <a:solidFill>
+                  <a:schemeClr val="tx1"/>
+                </a:solidFill>
+              </a:rPr>
+              <a:t>5</a:t>
+            </a:r>
+            <a:endParaRPr lang="ko-KR" altLang="en-US" dirty="0">
+              <a:solidFill>
+                <a:schemeClr val="tx1"/>
+              </a:solidFill>
+            </a:endParaRPr>
+          </a:p>
+        </p:txBody>
+      </p:sp>
+      <p:sp>
+        <p:nvSpPr>
+          <p:cNvPr id="47" name="타원 46">
+            <a:extLst>
+              <a:ext uri="{FF2B5EF4-FFF2-40B4-BE49-F238E27FC236}">
+                <a16:creationId xmlns:a16="http://schemas.microsoft.com/office/drawing/2014/main" id="{2EEA903C-E280-2741-8F08-B8F2B4F503B9}"/>
+              </a:ext>
+            </a:extLst>
+          </p:cNvPr>
+          <p:cNvSpPr/>
+          <p:nvPr/>
+        </p:nvSpPr>
+        <p:spPr>
+          <a:xfrm>
+            <a:off x="7475303" y="2912953"/>
+            <a:ext cx="244929" cy="224398"/>
+          </a:xfrm>
+          <a:prstGeom prst="ellipse">
+            <a:avLst/>
+          </a:prstGeom>
+          <a:solidFill>
+            <a:srgbClr val="FFFF00"/>
+          </a:solidFill>
+        </p:spPr>
+        <p:style>
+          <a:lnRef idx="2">
+            <a:schemeClr val="accent1">
+              <a:shade val="15000"/>
+            </a:schemeClr>
+          </a:lnRef>
+          <a:fillRef idx="1">
+            <a:schemeClr val="accent1"/>
+          </a:fillRef>
+          <a:effectRef idx="0">
+            <a:schemeClr val="accent1"/>
+          </a:effectRef>
+          <a:fontRef idx="minor">
+            <a:schemeClr val="lt1"/>
+          </a:fontRef>
+        </p:style>
+        <p:txBody>
+          <a:bodyPr rtlCol="0" anchor="ctr"/>
+          <a:lstStyle/>
+          <a:p>
+            <a:pPr algn="ctr"/>
+            <a:r>
+              <a:rPr lang="en-US" altLang="ko-KR" dirty="0">
+                <a:solidFill>
+                  <a:schemeClr val="tx1"/>
+                </a:solidFill>
+              </a:rPr>
+              <a:t>6</a:t>
+            </a:r>
+            <a:endParaRPr lang="ko-KR" altLang="en-US" dirty="0">
+              <a:solidFill>
+                <a:schemeClr val="tx1"/>
+              </a:solidFill>
+            </a:endParaRPr>
+          </a:p>
+        </p:txBody>
+      </p:sp>
+      <p:sp>
+        <p:nvSpPr>
+          <p:cNvPr id="48" name="타원 47">
+            <a:extLst>
+              <a:ext uri="{FF2B5EF4-FFF2-40B4-BE49-F238E27FC236}">
+                <a16:creationId xmlns:a16="http://schemas.microsoft.com/office/drawing/2014/main" id="{A0016932-87D3-0FD7-2648-2BF4C184EA4E}"/>
+              </a:ext>
+            </a:extLst>
+          </p:cNvPr>
+          <p:cNvSpPr/>
+          <p:nvPr/>
+        </p:nvSpPr>
+        <p:spPr>
+          <a:xfrm>
+            <a:off x="9451586" y="2925292"/>
+            <a:ext cx="244929" cy="224398"/>
+          </a:xfrm>
+          <a:prstGeom prst="ellipse">
+            <a:avLst/>
+          </a:prstGeom>
+          <a:solidFill>
+            <a:srgbClr val="FFFF00"/>
+          </a:solidFill>
+        </p:spPr>
+        <p:style>
+          <a:lnRef idx="2">
+            <a:schemeClr val="accent1">
+              <a:shade val="15000"/>
+            </a:schemeClr>
+          </a:lnRef>
+          <a:fillRef idx="1">
+            <a:schemeClr val="accent1"/>
+          </a:fillRef>
+          <a:effectRef idx="0">
+            <a:schemeClr val="accent1"/>
+          </a:effectRef>
+          <a:fontRef idx="minor">
+            <a:schemeClr val="lt1"/>
+          </a:fontRef>
+        </p:style>
+        <p:txBody>
+          <a:bodyPr rtlCol="0" anchor="ctr"/>
+          <a:lstStyle/>
+          <a:p>
+            <a:pPr algn="ctr"/>
+            <a:r>
+              <a:rPr lang="en-US" altLang="ko-KR" dirty="0">
+                <a:solidFill>
+                  <a:schemeClr val="tx1"/>
+                </a:solidFill>
+              </a:rPr>
+              <a:t>7</a:t>
+            </a:r>
+            <a:endParaRPr lang="ko-KR" altLang="en-US" dirty="0">
+              <a:solidFill>
+                <a:schemeClr val="tx1"/>
+              </a:solidFill>
+            </a:endParaRPr>
+          </a:p>
+        </p:txBody>
+      </p:sp>
+      <p:sp>
+        <p:nvSpPr>
+          <p:cNvPr id="49" name="타원 48">
+            <a:extLst>
+              <a:ext uri="{FF2B5EF4-FFF2-40B4-BE49-F238E27FC236}">
+                <a16:creationId xmlns:a16="http://schemas.microsoft.com/office/drawing/2014/main" id="{4C42EDB0-EF4C-5C73-3CD6-4F9A690B3E6F}"/>
+              </a:ext>
+            </a:extLst>
+          </p:cNvPr>
+          <p:cNvSpPr/>
+          <p:nvPr/>
+        </p:nvSpPr>
+        <p:spPr>
+          <a:xfrm>
+            <a:off x="9998048" y="2919973"/>
+            <a:ext cx="244929" cy="224398"/>
+          </a:xfrm>
+          <a:prstGeom prst="ellipse">
+            <a:avLst/>
+          </a:prstGeom>
+          <a:solidFill>
+            <a:srgbClr val="FFFF00"/>
+          </a:solidFill>
+        </p:spPr>
+        <p:style>
+          <a:lnRef idx="2">
+            <a:schemeClr val="accent1">
+              <a:shade val="15000"/>
+            </a:schemeClr>
+          </a:lnRef>
+          <a:fillRef idx="1">
+            <a:schemeClr val="accent1"/>
+          </a:fillRef>
+          <a:effectRef idx="0">
+            <a:schemeClr val="accent1"/>
+          </a:effectRef>
+          <a:fontRef idx="minor">
+            <a:schemeClr val="lt1"/>
+          </a:fontRef>
+        </p:style>
+        <p:txBody>
+          <a:bodyPr rtlCol="0" anchor="ctr"/>
+          <a:lstStyle/>
+          <a:p>
+            <a:pPr algn="ctr"/>
+            <a:r>
+              <a:rPr lang="en-US" altLang="ko-KR" dirty="0">
+                <a:solidFill>
+                  <a:schemeClr val="tx1"/>
+                </a:solidFill>
+              </a:rPr>
+              <a:t>8</a:t>
+            </a:r>
+            <a:endParaRPr lang="ko-KR" altLang="en-US" dirty="0">
+              <a:solidFill>
+                <a:schemeClr val="tx1"/>
+              </a:solidFill>
+            </a:endParaRPr>
+          </a:p>
+        </p:txBody>
+      </p:sp>
+      <p:sp>
+        <p:nvSpPr>
+          <p:cNvPr id="50" name="타원 49">
+            <a:extLst>
+              <a:ext uri="{FF2B5EF4-FFF2-40B4-BE49-F238E27FC236}">
+                <a16:creationId xmlns:a16="http://schemas.microsoft.com/office/drawing/2014/main" id="{7CF09828-08DF-7D19-BACD-663D57C9DB55}"/>
+              </a:ext>
+            </a:extLst>
+          </p:cNvPr>
+          <p:cNvSpPr/>
+          <p:nvPr/>
+        </p:nvSpPr>
+        <p:spPr>
+          <a:xfrm>
+            <a:off x="11171886" y="2908087"/>
+            <a:ext cx="244929" cy="224398"/>
+          </a:xfrm>
+          <a:prstGeom prst="ellipse">
+            <a:avLst/>
+          </a:prstGeom>
+          <a:solidFill>
+            <a:srgbClr val="FFFF00"/>
+          </a:solidFill>
+        </p:spPr>
+        <p:style>
+          <a:lnRef idx="2">
+            <a:schemeClr val="accent1">
+              <a:shade val="15000"/>
+            </a:schemeClr>
+          </a:lnRef>
+          <a:fillRef idx="1">
+            <a:schemeClr val="accent1"/>
+          </a:fillRef>
+          <a:effectRef idx="0">
+            <a:schemeClr val="accent1"/>
+          </a:effectRef>
+          <a:fontRef idx="minor">
+            <a:schemeClr val="lt1"/>
+          </a:fontRef>
+        </p:style>
+        <p:txBody>
+          <a:bodyPr rtlCol="0" anchor="ctr"/>
+          <a:lstStyle/>
+          <a:p>
+            <a:pPr algn="ctr"/>
+            <a:r>
+              <a:rPr lang="en-US" altLang="ko-KR" dirty="0">
+                <a:solidFill>
+                  <a:schemeClr val="tx1"/>
+                </a:solidFill>
+              </a:rPr>
+              <a:t>9</a:t>
+            </a:r>
+            <a:endParaRPr lang="ko-KR" altLang="en-US" dirty="0">
+              <a:solidFill>
+                <a:schemeClr val="tx1"/>
+              </a:solidFill>
+            </a:endParaRPr>
+          </a:p>
+        </p:txBody>
+      </p:sp>
+      <p:sp>
+        <p:nvSpPr>
+          <p:cNvPr id="51" name="사각형: 둥근 모서리 50">
+            <a:extLst>
+              <a:ext uri="{FF2B5EF4-FFF2-40B4-BE49-F238E27FC236}">
+                <a16:creationId xmlns:a16="http://schemas.microsoft.com/office/drawing/2014/main" id="{0B757A10-A76B-A530-C1E1-6E4EBF6F5B4D}"/>
+              </a:ext>
+            </a:extLst>
+          </p:cNvPr>
+          <p:cNvSpPr/>
+          <p:nvPr/>
+        </p:nvSpPr>
+        <p:spPr>
+          <a:xfrm>
+            <a:off x="10283158" y="3654496"/>
+            <a:ext cx="458801" cy="182880"/>
+          </a:xfrm>
+          <a:prstGeom prst="roundRect">
+            <a:avLst/>
+          </a:prstGeom>
+        </p:spPr>
+        <p:style>
+          <a:lnRef idx="2">
+            <a:schemeClr val="accent1">
+              <a:shade val="15000"/>
+            </a:schemeClr>
+          </a:lnRef>
+          <a:fillRef idx="1">
+            <a:schemeClr val="accent1"/>
+          </a:fillRef>
+          <a:effectRef idx="0">
+            <a:schemeClr val="accent1"/>
+          </a:effectRef>
+          <a:fontRef idx="minor">
+            <a:schemeClr val="lt1"/>
+          </a:fontRef>
+        </p:style>
+        <p:txBody>
+          <a:bodyPr rtlCol="0" anchor="ctr"/>
+          <a:lstStyle/>
+          <a:p>
+            <a:pPr algn="ctr"/>
+            <a:r>
+              <a:rPr lang="ko-KR" altLang="en-US" sz="1000" dirty="0"/>
+              <a:t>수정</a:t>
+            </a:r>
+          </a:p>
+        </p:txBody>
+      </p:sp>
+      <p:sp>
+        <p:nvSpPr>
+          <p:cNvPr id="52" name="사각형: 둥근 모서리 51">
+            <a:extLst>
+              <a:ext uri="{FF2B5EF4-FFF2-40B4-BE49-F238E27FC236}">
+                <a16:creationId xmlns:a16="http://schemas.microsoft.com/office/drawing/2014/main" id="{15AE8855-66AE-60C5-8FD0-BBDABEF99AEA}"/>
+              </a:ext>
+            </a:extLst>
+          </p:cNvPr>
+          <p:cNvSpPr/>
+          <p:nvPr/>
+        </p:nvSpPr>
+        <p:spPr>
+          <a:xfrm>
+            <a:off x="10758875" y="3654496"/>
+            <a:ext cx="458801" cy="182880"/>
+          </a:xfrm>
+          <a:prstGeom prst="roundRect">
+            <a:avLst/>
+          </a:prstGeom>
+        </p:spPr>
+        <p:style>
+          <a:lnRef idx="2">
+            <a:schemeClr val="accent1">
+              <a:shade val="15000"/>
+            </a:schemeClr>
+          </a:lnRef>
+          <a:fillRef idx="1">
+            <a:schemeClr val="accent1"/>
+          </a:fillRef>
+          <a:effectRef idx="0">
+            <a:schemeClr val="accent1"/>
+          </a:effectRef>
+          <a:fontRef idx="minor">
+            <a:schemeClr val="lt1"/>
+          </a:fontRef>
+        </p:style>
+        <p:txBody>
+          <a:bodyPr rtlCol="0" anchor="ctr"/>
+          <a:lstStyle/>
+          <a:p>
+            <a:pPr algn="ctr"/>
+            <a:r>
+              <a:rPr lang="ko-KR" altLang="en-US" sz="1000" dirty="0"/>
+              <a:t>삭제</a:t>
+            </a:r>
+          </a:p>
+        </p:txBody>
+      </p:sp>
+      <p:sp>
+        <p:nvSpPr>
+          <p:cNvPr id="53" name="사각형: 둥근 모서리 52">
+            <a:extLst>
+              <a:ext uri="{FF2B5EF4-FFF2-40B4-BE49-F238E27FC236}">
+                <a16:creationId xmlns:a16="http://schemas.microsoft.com/office/drawing/2014/main" id="{04E91B8A-9473-6236-F35A-5303BF445894}"/>
+              </a:ext>
+            </a:extLst>
+          </p:cNvPr>
+          <p:cNvSpPr/>
+          <p:nvPr/>
+        </p:nvSpPr>
+        <p:spPr>
+          <a:xfrm>
+            <a:off x="10283158" y="4275403"/>
+            <a:ext cx="458801" cy="182880"/>
+          </a:xfrm>
+          <a:prstGeom prst="roundRect">
+            <a:avLst/>
+          </a:prstGeom>
+        </p:spPr>
+        <p:style>
+          <a:lnRef idx="2">
+            <a:schemeClr val="accent1">
+              <a:shade val="15000"/>
+            </a:schemeClr>
+          </a:lnRef>
+          <a:fillRef idx="1">
+            <a:schemeClr val="accent1"/>
+          </a:fillRef>
+          <a:effectRef idx="0">
+            <a:schemeClr val="accent1"/>
+          </a:effectRef>
+          <a:fontRef idx="minor">
+            <a:schemeClr val="lt1"/>
+          </a:fontRef>
+        </p:style>
+        <p:txBody>
+          <a:bodyPr rtlCol="0" anchor="ctr"/>
+          <a:lstStyle/>
+          <a:p>
+            <a:pPr algn="ctr"/>
+            <a:r>
+              <a:rPr lang="ko-KR" altLang="en-US" sz="1000" dirty="0"/>
+              <a:t>수정</a:t>
+            </a:r>
+          </a:p>
+        </p:txBody>
+      </p:sp>
+      <p:sp>
+        <p:nvSpPr>
+          <p:cNvPr id="54" name="사각형: 둥근 모서리 53">
+            <a:extLst>
+              <a:ext uri="{FF2B5EF4-FFF2-40B4-BE49-F238E27FC236}">
+                <a16:creationId xmlns:a16="http://schemas.microsoft.com/office/drawing/2014/main" id="{1C039717-E58F-A14D-DDCE-413DFD3036A4}"/>
+              </a:ext>
+            </a:extLst>
+          </p:cNvPr>
+          <p:cNvSpPr/>
+          <p:nvPr/>
+        </p:nvSpPr>
+        <p:spPr>
+          <a:xfrm>
+            <a:off x="10758875" y="4275403"/>
             <a:ext cx="458801" cy="182880"/>
           </a:xfrm>
           <a:prstGeom prst="roundRect">
@@ -7193,10 +9347,10 @@
       </p:grpSpPr>
       <p:sp>
         <p:nvSpPr>
-          <p:cNvPr id="15" name="직사각형 14">
-            <a:extLst>
-              <a:ext uri="{FF2B5EF4-FFF2-40B4-BE49-F238E27FC236}">
-                <a16:creationId xmlns:a16="http://schemas.microsoft.com/office/drawing/2014/main" id="{0A9AD14B-7A01-4FB3-8F49-B32FD454286F}"/>
+          <p:cNvPr id="38" name="직사각형 37">
+            <a:extLst>
+              <a:ext uri="{FF2B5EF4-FFF2-40B4-BE49-F238E27FC236}">
+                <a16:creationId xmlns:a16="http://schemas.microsoft.com/office/drawing/2014/main" id="{CAEA98D3-65E8-4F07-B7E7-A2A730DD440F}"/>
               </a:ext>
             </a:extLst>
           </p:cNvPr>
@@ -7205,8 +9359,8 @@
         </p:nvSpPr>
         <p:spPr>
           <a:xfrm>
-            <a:off x="8122519" y="643968"/>
-            <a:ext cx="3551433" cy="1158705"/>
+            <a:off x="586852" y="655472"/>
+            <a:ext cx="3608583" cy="1158705"/>
           </a:xfrm>
           <a:prstGeom prst="rect">
             <a:avLst/>
@@ -7238,62 +9392,6 @@
             <a:pPr algn="ctr"/>
             <a:r>
               <a:rPr lang="ko-KR" altLang="en-US" sz="2000" dirty="0"/>
-              <a:t> </a:t>
-            </a:r>
-            <a:r>
-              <a:rPr lang="en-US" altLang="ko-KR" sz="2000" dirty="0"/>
-              <a:t>2025.10.08</a:t>
-            </a:r>
-          </a:p>
-        </p:txBody>
-      </p:sp>
-      <p:sp>
-        <p:nvSpPr>
-          <p:cNvPr id="38" name="직사각형 37">
-            <a:extLst>
-              <a:ext uri="{FF2B5EF4-FFF2-40B4-BE49-F238E27FC236}">
-                <a16:creationId xmlns:a16="http://schemas.microsoft.com/office/drawing/2014/main" id="{CAEA98D3-65E8-4F07-B7E7-A2A730DD440F}"/>
-              </a:ext>
-            </a:extLst>
-          </p:cNvPr>
-          <p:cNvSpPr/>
-          <p:nvPr/>
-        </p:nvSpPr>
-        <p:spPr>
-          <a:xfrm>
-            <a:off x="586852" y="655472"/>
-            <a:ext cx="3608583" cy="1158705"/>
-          </a:xfrm>
-          <a:prstGeom prst="rect">
-            <a:avLst/>
-          </a:prstGeom>
-          <a:ln>
-            <a:solidFill>
-              <a:schemeClr val="bg1"/>
-            </a:solidFill>
-          </a:ln>
-        </p:spPr>
-        <p:style>
-          <a:lnRef idx="2">
-            <a:schemeClr val="dk1"/>
-          </a:lnRef>
-          <a:fillRef idx="1">
-            <a:schemeClr val="lt1"/>
-          </a:fillRef>
-          <a:effectRef idx="0">
-            <a:schemeClr val="dk1"/>
-          </a:effectRef>
-          <a:fontRef idx="minor">
-            <a:schemeClr val="dk1"/>
-          </a:fontRef>
-        </p:style>
-        <p:txBody>
-          <a:bodyPr rtlCol="0" anchor="ctr"/>
-          <a:lstStyle/>
-          <a:p>
-            <a:pPr algn="ctr"/>
-            <a:r>
-              <a:rPr lang="ko-KR" altLang="en-US" sz="2000" dirty="0"/>
               <a:t>입고된 원자재 정보 페이지</a:t>
             </a:r>
           </a:p>
@@ -7314,14 +9412,14 @@
           <p:nvPr>
             <p:extLst>
               <p:ext uri="{D42A27DB-BD31-4B8C-83A1-F6EECF244321}">
-                <p14:modId xmlns:p14="http://schemas.microsoft.com/office/powerpoint/2010/main" val="3913777964"/>
+                <p14:modId xmlns:p14="http://schemas.microsoft.com/office/powerpoint/2010/main" val="373092822"/>
               </p:ext>
             </p:extLst>
           </p:nvPr>
         </p:nvGraphicFramePr>
         <p:xfrm>
           <a:off x="717002" y="2116182"/>
-          <a:ext cx="10168710" cy="3675016"/>
+          <a:ext cx="10168711" cy="3675016"/>
         </p:xfrm>
         <a:graphic>
           <a:graphicData uri="http://schemas.openxmlformats.org/drawingml/2006/table">
@@ -7330,42 +9428,49 @@
                 <a:tableStyleId>{5C22544A-7EE6-4342-B048-85BDC9FD1C3A}</a:tableStyleId>
               </a:tblPr>
               <a:tblGrid>
-                <a:gridCol w="1694785">
+                <a:gridCol w="1452673">
                   <a:extLst>
                     <a:ext uri="{9D8B030D-6E8A-4147-A177-3AD203B41FA5}">
                       <a16:colId xmlns:a16="http://schemas.microsoft.com/office/drawing/2014/main" val="1469891135"/>
                     </a:ext>
                   </a:extLst>
                 </a:gridCol>
-                <a:gridCol w="1694785">
+                <a:gridCol w="1452673">
                   <a:extLst>
                     <a:ext uri="{9D8B030D-6E8A-4147-A177-3AD203B41FA5}">
                       <a16:colId xmlns:a16="http://schemas.microsoft.com/office/drawing/2014/main" val="4135831801"/>
                     </a:ext>
                   </a:extLst>
                 </a:gridCol>
-                <a:gridCol w="1694785">
+                <a:gridCol w="1452673">
                   <a:extLst>
                     <a:ext uri="{9D8B030D-6E8A-4147-A177-3AD203B41FA5}">
                       <a16:colId xmlns:a16="http://schemas.microsoft.com/office/drawing/2014/main" val="3536895802"/>
                     </a:ext>
                   </a:extLst>
                 </a:gridCol>
-                <a:gridCol w="2008518">
+                <a:gridCol w="1452673">
                   <a:extLst>
                     <a:ext uri="{9D8B030D-6E8A-4147-A177-3AD203B41FA5}">
                       <a16:colId xmlns:a16="http://schemas.microsoft.com/office/drawing/2014/main" val="3276492231"/>
                     </a:ext>
                   </a:extLst>
                 </a:gridCol>
-                <a:gridCol w="1633928">
+                <a:gridCol w="1452673">
+                  <a:extLst>
+                    <a:ext uri="{9D8B030D-6E8A-4147-A177-3AD203B41FA5}">
+                      <a16:colId xmlns:a16="http://schemas.microsoft.com/office/drawing/2014/main" val="2373147529"/>
+                    </a:ext>
+                  </a:extLst>
+                </a:gridCol>
+                <a:gridCol w="1452673">
                   <a:extLst>
                     <a:ext uri="{9D8B030D-6E8A-4147-A177-3AD203B41FA5}">
                       <a16:colId xmlns:a16="http://schemas.microsoft.com/office/drawing/2014/main" val="2504897725"/>
                     </a:ext>
                   </a:extLst>
                 </a:gridCol>
-                <a:gridCol w="1441909">
+                <a:gridCol w="1452673">
                   <a:extLst>
                     <a:ext uri="{9D8B030D-6E8A-4147-A177-3AD203B41FA5}">
                       <a16:colId xmlns:a16="http://schemas.microsoft.com/office/drawing/2014/main" val="1899529830"/>
@@ -7379,99 +9484,138 @@
                     <a:bodyPr/>
                     <a:lstStyle/>
                     <a:p>
+                      <a:pPr algn="ctr" latinLnBrk="1"/>
+                      <a:r>
+                        <a:rPr lang="ko-KR" altLang="en-US" sz="1200" dirty="0"/>
+                        <a:t>매입처명</a:t>
+                      </a:r>
+                    </a:p>
+                  </a:txBody>
+                  <a:tcPr/>
+                </a:tc>
+                <a:tc>
+                  <a:txBody>
+                    <a:bodyPr/>
+                    <a:lstStyle/>
+                    <a:p>
+                      <a:pPr algn="ctr" latinLnBrk="1"/>
+                      <a:r>
+                        <a:rPr lang="ko-KR" altLang="en-US" sz="1200" dirty="0"/>
+                        <a:t>품목번호</a:t>
+                      </a:r>
+                    </a:p>
+                  </a:txBody>
+                  <a:tcPr/>
+                </a:tc>
+                <a:tc>
+                  <a:txBody>
+                    <a:bodyPr/>
+                    <a:lstStyle/>
+                    <a:p>
+                      <a:pPr algn="ctr" latinLnBrk="1"/>
+                      <a:r>
+                        <a:rPr lang="ko-KR" altLang="en-US" sz="1200" dirty="0"/>
+                        <a:t>품목명</a:t>
+                      </a:r>
+                    </a:p>
+                  </a:txBody>
+                  <a:tcPr/>
+                </a:tc>
+                <a:tc>
+                  <a:txBody>
+                    <a:bodyPr/>
+                    <a:lstStyle/>
+                    <a:p>
+                      <a:pPr algn="ctr" latinLnBrk="1"/>
+                      <a:r>
+                        <a:rPr lang="ko-KR" altLang="en-US" sz="1200" dirty="0"/>
+                        <a:t>재고량</a:t>
+                      </a:r>
+                      <a:r>
+                        <a:rPr lang="en-US" altLang="ko-KR" sz="1200" dirty="0"/>
+                        <a:t>(</a:t>
+                      </a:r>
+                      <a:r>
+                        <a:rPr lang="ko-KR" altLang="en-US" sz="1200" dirty="0"/>
+                        <a:t>양</a:t>
+                      </a:r>
+                      <a:r>
+                        <a:rPr lang="en-US" altLang="ko-KR" sz="1200" dirty="0"/>
+                        <a:t>)</a:t>
+                      </a:r>
+                      <a:endParaRPr lang="ko-KR" altLang="en-US" sz="1200" dirty="0"/>
+                    </a:p>
+                  </a:txBody>
+                  <a:tcPr/>
+                </a:tc>
+                <a:tc>
+                  <a:txBody>
+                    <a:bodyPr/>
+                    <a:lstStyle/>
+                    <a:p>
+                      <a:pPr marL="0" marR="0" lvl="0" indent="0" algn="ctr" defTabSz="914400" rtl="0" eaLnBrk="1" fontAlgn="auto" latinLnBrk="1" hangingPunct="1">
+                        <a:lnSpc>
+                          <a:spcPct val="100000"/>
+                        </a:lnSpc>
+                        <a:spcBef>
+                          <a:spcPts val="0"/>
+                        </a:spcBef>
+                        <a:spcAft>
+                          <a:spcPts val="0"/>
+                        </a:spcAft>
+                        <a:buClrTx/>
+                        <a:buSzTx/>
+                        <a:buFontTx/>
+                        <a:buNone/>
+                        <a:tabLst/>
+                        <a:defRPr/>
+                      </a:pPr>
+                      <a:r>
+                        <a:rPr lang="ko-KR" altLang="en-US" sz="1200" dirty="0"/>
+                        <a:t>재고량</a:t>
+                      </a:r>
+                      <a:r>
+                        <a:rPr lang="en-US" altLang="ko-KR" sz="1200" dirty="0"/>
+                        <a:t>(</a:t>
+                      </a:r>
+                      <a:r>
+                        <a:rPr lang="ko-KR" altLang="en-US" sz="1200" dirty="0"/>
+                        <a:t>단위</a:t>
+                      </a:r>
+                      <a:r>
+                        <a:rPr lang="en-US" altLang="ko-KR" sz="1200" dirty="0"/>
+                        <a:t>)</a:t>
+                      </a:r>
+                      <a:endParaRPr lang="ko-KR" altLang="en-US" sz="1200" dirty="0"/>
+                    </a:p>
+                    <a:p>
+                      <a:pPr algn="ctr" latinLnBrk="1"/>
+                      <a:endParaRPr lang="ko-KR" altLang="en-US" sz="1200" dirty="0"/>
+                    </a:p>
+                  </a:txBody>
+                  <a:tcPr/>
+                </a:tc>
+                <a:tc>
+                  <a:txBody>
+                    <a:bodyPr/>
+                    <a:lstStyle/>
+                    <a:p>
+                      <a:pPr algn="ctr" latinLnBrk="1"/>
+                      <a:r>
+                        <a:rPr lang="ko-KR" altLang="en-US" sz="1200" dirty="0"/>
+                        <a:t>제조사</a:t>
+                      </a:r>
+                    </a:p>
+                  </a:txBody>
+                  <a:tcPr/>
+                </a:tc>
+                <a:tc>
+                  <a:txBody>
+                    <a:bodyPr/>
+                    <a:lstStyle/>
+                    <a:p>
                       <a:pPr algn="l" latinLnBrk="1"/>
-                      <a:r>
-                        <a:rPr lang="ko-KR" altLang="en-US" dirty="0"/>
-                        <a:t>매입처명</a:t>
-                      </a:r>
-                    </a:p>
-                  </a:txBody>
-                  <a:tcPr/>
-                </a:tc>
-                <a:tc>
-                  <a:txBody>
-                    <a:bodyPr/>
-                    <a:lstStyle/>
-                    <a:p>
-                      <a:pPr algn="l" latinLnBrk="1"/>
-                      <a:r>
-                        <a:rPr lang="ko-KR" altLang="en-US" dirty="0"/>
-                        <a:t>품목번호</a:t>
-                      </a:r>
-                    </a:p>
-                  </a:txBody>
-                  <a:tcPr/>
-                </a:tc>
-                <a:tc>
-                  <a:txBody>
-                    <a:bodyPr/>
-                    <a:lstStyle/>
-                    <a:p>
-                      <a:pPr algn="l" latinLnBrk="1"/>
-                      <a:r>
-                        <a:rPr lang="ko-KR" altLang="en-US" dirty="0"/>
-                        <a:t>품목명</a:t>
-                      </a:r>
-                    </a:p>
-                  </a:txBody>
-                  <a:tcPr/>
-                </a:tc>
-                <a:tc>
-                  <a:txBody>
-                    <a:bodyPr/>
-                    <a:lstStyle/>
-                    <a:p>
-                      <a:pPr algn="l" latinLnBrk="1"/>
-                      <a:r>
-                        <a:rPr lang="ko-KR" altLang="en-US" dirty="0"/>
-                        <a:t>재고량</a:t>
-                      </a:r>
-                      <a:r>
-                        <a:rPr lang="en-US" altLang="ko-KR" dirty="0"/>
-                        <a:t>(</a:t>
-                      </a:r>
-                      <a:r>
-                        <a:rPr lang="ko-KR" altLang="en-US" dirty="0"/>
-                        <a:t>양</a:t>
-                      </a:r>
-                      <a:r>
-                        <a:rPr lang="en-US" altLang="ko-KR" dirty="0"/>
-                        <a:t>/</a:t>
-                      </a:r>
-                      <a:r>
-                        <a:rPr lang="ko-KR" altLang="en-US" dirty="0"/>
-                        <a:t>단위</a:t>
-                      </a:r>
-                      <a:r>
-                        <a:rPr lang="en-US" altLang="ko-KR" dirty="0"/>
-                        <a:t>)</a:t>
-                      </a:r>
-                      <a:endParaRPr lang="ko-KR" altLang="en-US" dirty="0"/>
-                    </a:p>
-                  </a:txBody>
-                  <a:tcPr/>
-                </a:tc>
-                <a:tc>
-                  <a:txBody>
-                    <a:bodyPr/>
-                    <a:lstStyle/>
-                    <a:p>
-                      <a:pPr algn="l" latinLnBrk="1"/>
-                      <a:r>
-                        <a:rPr lang="ko-KR" altLang="en-US" dirty="0"/>
-                        <a:t>제조사</a:t>
-                      </a:r>
-                    </a:p>
-                  </a:txBody>
-                  <a:tcPr/>
-                </a:tc>
-                <a:tc>
-                  <a:txBody>
-                    <a:bodyPr/>
-                    <a:lstStyle/>
-                    <a:p>
-                      <a:pPr algn="l" latinLnBrk="1"/>
-                      <a:endParaRPr lang="ko-KR" altLang="en-US" dirty="0"/>
+                      <a:endParaRPr lang="ko-KR" altLang="en-US" sz="1200" dirty="0"/>
                     </a:p>
                   </a:txBody>
                   <a:tcPr/>
@@ -7488,7 +9632,64 @@
                     <a:bodyPr/>
                     <a:lstStyle/>
                     <a:p>
-                      <a:pPr algn="l" latinLnBrk="1"/>
+                      <a:pPr algn="ctr" latinLnBrk="1"/>
+                      <a:r>
+                        <a:rPr lang="ko-KR" altLang="en-US" sz="1800" b="0" dirty="0" err="1"/>
+                        <a:t>매입처</a:t>
+                      </a:r>
+                      <a:r>
+                        <a:rPr lang="en-US" altLang="ko-KR" sz="1800" b="0" dirty="0"/>
+                        <a:t>A</a:t>
+                      </a:r>
+                      <a:endParaRPr lang="ko-KR" altLang="en-US" sz="1800" b="0" dirty="0"/>
+                    </a:p>
+                  </a:txBody>
+                  <a:tcPr/>
+                </a:tc>
+                <a:tc>
+                  <a:txBody>
+                    <a:bodyPr/>
+                    <a:lstStyle/>
+                    <a:p>
+                      <a:pPr algn="ctr" latinLnBrk="1"/>
+                      <a:r>
+                        <a:rPr lang="en-US" altLang="ko-KR" sz="1800" b="0" dirty="0"/>
+                        <a:t>KS M 6020</a:t>
+                      </a:r>
+                      <a:endParaRPr lang="ko-KR" altLang="en-US" sz="1800" b="0" dirty="0"/>
+                    </a:p>
+                  </a:txBody>
+                  <a:tcPr/>
+                </a:tc>
+                <a:tc>
+                  <a:txBody>
+                    <a:bodyPr/>
+                    <a:lstStyle/>
+                    <a:p>
+                      <a:pPr algn="ctr" latinLnBrk="1"/>
+                      <a:r>
+                        <a:rPr lang="ko-KR" altLang="en-US" sz="1800" b="0" dirty="0"/>
+                        <a:t>품목</a:t>
+                      </a:r>
+                      <a:r>
+                        <a:rPr lang="en-US" altLang="ko-KR" sz="1800" b="0" dirty="0"/>
+                        <a:t>A</a:t>
+                      </a:r>
+                      <a:endParaRPr lang="ko-KR" altLang="en-US" sz="1800" b="0" dirty="0"/>
+                    </a:p>
+                  </a:txBody>
+                  <a:tcPr/>
+                </a:tc>
+                <a:tc>
+                  <a:txBody>
+                    <a:bodyPr/>
+                    <a:lstStyle/>
+                    <a:p>
+                      <a:pPr algn="ctr" latinLnBrk="1"/>
+                      <a:r>
+                        <a:rPr lang="en-US" altLang="ko-KR" dirty="0"/>
+                        <a:t>20</a:t>
+                      </a:r>
                       <a:endParaRPr lang="ko-KR" altLang="en-US" dirty="0"/>
                     </a:p>
                   </a:txBody>
@@ -7499,7 +9700,11 @@
                     <a:bodyPr/>
                     <a:lstStyle/>
                     <a:p>
-                      <a:pPr algn="l" latinLnBrk="1"/>
+                      <a:pPr algn="ctr" latinLnBrk="1"/>
+                      <a:r>
+                        <a:rPr lang="en-US" altLang="ko-KR" dirty="0"/>
+                        <a:t>Kg</a:t>
+                      </a:r>
                       <a:endParaRPr lang="ko-KR" altLang="en-US" dirty="0"/>
                     </a:p>
                   </a:txBody>
@@ -7510,29 +9715,7 @@
                     <a:bodyPr/>
                     <a:lstStyle/>
                     <a:p>
-                      <a:pPr algn="l" latinLnBrk="1"/>
-                      <a:endParaRPr lang="ko-KR" altLang="en-US" dirty="0"/>
-                    </a:p>
-                  </a:txBody>
-                  <a:tcPr/>
-                </a:tc>
-                <a:tc>
-                  <a:txBody>
-                    <a:bodyPr/>
-                    <a:lstStyle/>
-                    <a:p>
-                      <a:pPr algn="l" latinLnBrk="1"/>
-                      <a:endParaRPr lang="ko-KR" altLang="en-US" dirty="0"/>
-                    </a:p>
-                  </a:txBody>
-                  <a:tcPr/>
-                </a:tc>
-                <a:tc>
-                  <a:txBody>
-                    <a:bodyPr/>
-                    <a:lstStyle/>
-                    <a:p>
-                      <a:pPr algn="l" latinLnBrk="1"/>
+                      <a:pPr algn="ctr" latinLnBrk="1"/>
                       <a:endParaRPr lang="ko-KR" altLang="en-US" dirty="0"/>
                     </a:p>
                   </a:txBody>
@@ -7561,7 +9744,64 @@
                     <a:bodyPr/>
                     <a:lstStyle/>
                     <a:p>
-                      <a:pPr algn="l" latinLnBrk="1"/>
+                      <a:pPr algn="ctr" latinLnBrk="1"/>
+                      <a:r>
+                        <a:rPr lang="ko-KR" altLang="en-US" sz="1800" b="0" dirty="0" err="1"/>
+                        <a:t>매입처</a:t>
+                      </a:r>
+                      <a:r>
+                        <a:rPr lang="en-US" altLang="ko-KR" sz="1800" b="0" dirty="0"/>
+                        <a:t>B</a:t>
+                      </a:r>
+                      <a:endParaRPr lang="ko-KR" altLang="en-US" sz="1800" b="0" dirty="0"/>
+                    </a:p>
+                  </a:txBody>
+                  <a:tcPr/>
+                </a:tc>
+                <a:tc>
+                  <a:txBody>
+                    <a:bodyPr/>
+                    <a:lstStyle/>
+                    <a:p>
+                      <a:pPr algn="ctr" latinLnBrk="1"/>
+                      <a:r>
+                        <a:rPr lang="en-US" altLang="ko-KR" sz="1800" b="0" dirty="0"/>
+                        <a:t>KS M 6021</a:t>
+                      </a:r>
+                      <a:endParaRPr lang="ko-KR" altLang="en-US" sz="1800" b="0" dirty="0"/>
+                    </a:p>
+                  </a:txBody>
+                  <a:tcPr/>
+                </a:tc>
+                <a:tc>
+                  <a:txBody>
+                    <a:bodyPr/>
+                    <a:lstStyle/>
+                    <a:p>
+                      <a:pPr algn="ctr" latinLnBrk="1"/>
+                      <a:r>
+                        <a:rPr lang="ko-KR" altLang="en-US" sz="1800" b="0" dirty="0"/>
+                        <a:t>품목</a:t>
+                      </a:r>
+                      <a:r>
+                        <a:rPr lang="en-US" altLang="ko-KR" sz="1800" b="0" dirty="0"/>
+                        <a:t>B</a:t>
+                      </a:r>
+                      <a:endParaRPr lang="ko-KR" altLang="en-US" sz="1800" b="0" dirty="0"/>
+                    </a:p>
+                  </a:txBody>
+                  <a:tcPr/>
+                </a:tc>
+                <a:tc>
+                  <a:txBody>
+                    <a:bodyPr/>
+                    <a:lstStyle/>
+                    <a:p>
+                      <a:pPr algn="ctr" latinLnBrk="1"/>
+                      <a:r>
+                        <a:rPr lang="en-US" altLang="ko-KR" dirty="0"/>
+                        <a:t>10</a:t>
+                      </a:r>
                       <a:endParaRPr lang="ko-KR" altLang="en-US" dirty="0"/>
                     </a:p>
                   </a:txBody>
@@ -7572,7 +9812,11 @@
                     <a:bodyPr/>
                     <a:lstStyle/>
                     <a:p>
-                      <a:pPr algn="l" latinLnBrk="1"/>
+                      <a:pPr algn="ctr" latinLnBrk="1"/>
+                      <a:r>
+                        <a:rPr lang="en-US" altLang="ko-KR" dirty="0"/>
+                        <a:t>Kg</a:t>
+                      </a:r>
                       <a:endParaRPr lang="ko-KR" altLang="en-US" dirty="0"/>
                     </a:p>
                   </a:txBody>
@@ -7583,29 +9827,7 @@
                     <a:bodyPr/>
                     <a:lstStyle/>
                     <a:p>
-                      <a:pPr algn="l" latinLnBrk="1"/>
-                      <a:endParaRPr lang="ko-KR" altLang="en-US" dirty="0"/>
-                    </a:p>
-                  </a:txBody>
-                  <a:tcPr/>
-                </a:tc>
-                <a:tc>
-                  <a:txBody>
-                    <a:bodyPr/>
-                    <a:lstStyle/>
-                    <a:p>
-                      <a:pPr algn="l" latinLnBrk="1"/>
-                      <a:endParaRPr lang="ko-KR" altLang="en-US" dirty="0"/>
-                    </a:p>
-                  </a:txBody>
-                  <a:tcPr/>
-                </a:tc>
-                <a:tc>
-                  <a:txBody>
-                    <a:bodyPr/>
-                    <a:lstStyle/>
-                    <a:p>
-                      <a:pPr algn="l" latinLnBrk="1"/>
+                      <a:pPr algn="ctr" latinLnBrk="1"/>
                       <a:endParaRPr lang="ko-KR" altLang="en-US" dirty="0"/>
                     </a:p>
                   </a:txBody>
@@ -7634,7 +9856,64 @@
                     <a:bodyPr/>
                     <a:lstStyle/>
                     <a:p>
-                      <a:pPr algn="l" latinLnBrk="1"/>
+                      <a:pPr algn="ctr" latinLnBrk="1"/>
+                      <a:r>
+                        <a:rPr lang="ko-KR" altLang="en-US" sz="1800" b="0" dirty="0" err="1"/>
+                        <a:t>매입처</a:t>
+                      </a:r>
+                      <a:r>
+                        <a:rPr lang="en-US" altLang="ko-KR" sz="1800" b="0" dirty="0"/>
+                        <a:t>C</a:t>
+                      </a:r>
+                      <a:endParaRPr lang="ko-KR" altLang="en-US" sz="1800" b="0" dirty="0"/>
+                    </a:p>
+                  </a:txBody>
+                  <a:tcPr/>
+                </a:tc>
+                <a:tc>
+                  <a:txBody>
+                    <a:bodyPr/>
+                    <a:lstStyle/>
+                    <a:p>
+                      <a:pPr algn="ctr" latinLnBrk="1"/>
+                      <a:r>
+                        <a:rPr lang="en-US" altLang="ko-KR" sz="1800" b="0" dirty="0"/>
+                        <a:t>KS M 6022</a:t>
+                      </a:r>
+                      <a:endParaRPr lang="ko-KR" altLang="en-US" sz="1800" b="0" dirty="0"/>
+                    </a:p>
+                  </a:txBody>
+                  <a:tcPr/>
+                </a:tc>
+                <a:tc>
+                  <a:txBody>
+                    <a:bodyPr/>
+                    <a:lstStyle/>
+                    <a:p>
+                      <a:pPr algn="ctr" latinLnBrk="1"/>
+                      <a:r>
+                        <a:rPr lang="ko-KR" altLang="en-US" sz="1800" b="0" dirty="0"/>
+                        <a:t>품목</a:t>
+                      </a:r>
+                      <a:r>
+                        <a:rPr lang="en-US" altLang="ko-KR" sz="1800" b="0" dirty="0"/>
+                        <a:t>C</a:t>
+                      </a:r>
+                      <a:endParaRPr lang="ko-KR" altLang="en-US" sz="1800" b="0" dirty="0"/>
+                    </a:p>
+                  </a:txBody>
+                  <a:tcPr/>
+                </a:tc>
+                <a:tc>
+                  <a:txBody>
+                    <a:bodyPr/>
+                    <a:lstStyle/>
+                    <a:p>
+                      <a:pPr algn="ctr" latinLnBrk="1"/>
+                      <a:r>
+                        <a:rPr lang="en-US" altLang="ko-KR" dirty="0"/>
+                        <a:t>50</a:t>
+                      </a:r>
                       <a:endParaRPr lang="ko-KR" altLang="en-US" dirty="0"/>
                     </a:p>
                   </a:txBody>
@@ -7645,7 +9924,11 @@
                     <a:bodyPr/>
                     <a:lstStyle/>
                     <a:p>
-                      <a:pPr algn="l" latinLnBrk="1"/>
+                      <a:pPr algn="ctr" latinLnBrk="1"/>
+                      <a:r>
+                        <a:rPr lang="en-US" altLang="ko-KR" dirty="0"/>
+                        <a:t>Kg</a:t>
+                      </a:r>
                       <a:endParaRPr lang="ko-KR" altLang="en-US" dirty="0"/>
                     </a:p>
                   </a:txBody>
@@ -7656,29 +9939,7 @@
                     <a:bodyPr/>
                     <a:lstStyle/>
                     <a:p>
-                      <a:pPr algn="l" latinLnBrk="1"/>
-                      <a:endParaRPr lang="ko-KR" altLang="en-US" dirty="0"/>
-                    </a:p>
-                  </a:txBody>
-                  <a:tcPr/>
-                </a:tc>
-                <a:tc>
-                  <a:txBody>
-                    <a:bodyPr/>
-                    <a:lstStyle/>
-                    <a:p>
-                      <a:pPr algn="l" latinLnBrk="1"/>
-                      <a:endParaRPr lang="ko-KR" altLang="en-US" dirty="0"/>
-                    </a:p>
-                  </a:txBody>
-                  <a:tcPr/>
-                </a:tc>
-                <a:tc>
-                  <a:txBody>
-                    <a:bodyPr/>
-                    <a:lstStyle/>
-                    <a:p>
-                      <a:pPr algn="l" latinLnBrk="1"/>
+                      <a:pPr algn="ctr" latinLnBrk="1"/>
                       <a:endParaRPr lang="ko-KR" altLang="en-US" dirty="0"/>
                     </a:p>
                   </a:txBody>
@@ -7768,6 +10029,17 @@
                   </a:txBody>
                   <a:tcPr/>
                 </a:tc>
+                <a:tc>
+                  <a:txBody>
+                    <a:bodyPr/>
+                    <a:lstStyle/>
+                    <a:p>
+                      <a:pPr algn="l" latinLnBrk="1"/>
+                      <a:endParaRPr lang="ko-KR" altLang="en-US" dirty="0"/>
+                    </a:p>
+                  </a:txBody>
+                  <a:tcPr/>
+                </a:tc>
                 <a:extLst>
                   <a:ext uri="{0D108BD9-81ED-4DB2-BD59-A6C34878D82A}">
                     <a16:rowId xmlns:a16="http://schemas.microsoft.com/office/drawing/2014/main" val="1805923246"/>
@@ -7841,6 +10113,17 @@
                   </a:txBody>
                   <a:tcPr/>
                 </a:tc>
+                <a:tc>
+                  <a:txBody>
+                    <a:bodyPr/>
+                    <a:lstStyle/>
+                    <a:p>
+                      <a:pPr algn="l" latinLnBrk="1"/>
+                      <a:endParaRPr lang="ko-KR" altLang="en-US" dirty="0"/>
+                    </a:p>
+                  </a:txBody>
+                  <a:tcPr/>
+                </a:tc>
                 <a:extLst>
                   <a:ext uri="{0D108BD9-81ED-4DB2-BD59-A6C34878D82A}">
                     <a16:rowId xmlns:a16="http://schemas.microsoft.com/office/drawing/2014/main" val="1719107179"/>
@@ -7914,6 +10197,17 @@
                   </a:txBody>
                   <a:tcPr/>
                 </a:tc>
+                <a:tc>
+                  <a:txBody>
+                    <a:bodyPr/>
+                    <a:lstStyle/>
+                    <a:p>
+                      <a:pPr algn="l" latinLnBrk="1"/>
+                      <a:endParaRPr lang="ko-KR" altLang="en-US" dirty="0"/>
+                    </a:p>
+                  </a:txBody>
+                  <a:tcPr/>
+                </a:tc>
                 <a:extLst>
                   <a:ext uri="{0D108BD9-81ED-4DB2-BD59-A6C34878D82A}">
                     <a16:rowId xmlns:a16="http://schemas.microsoft.com/office/drawing/2014/main" val="3052753726"/>
@@ -7921,6 +10215,17 @@
                 </a:extLst>
               </a:tr>
               <a:tr h="459377">
+                <a:tc>
+                  <a:txBody>
+                    <a:bodyPr/>
+                    <a:lstStyle/>
+                    <a:p>
+                      <a:pPr algn="l" latinLnBrk="1"/>
+                      <a:endParaRPr lang="ko-KR" altLang="en-US" dirty="0"/>
+                    </a:p>
+                  </a:txBody>
+                  <a:tcPr/>
+                </a:tc>
                 <a:tc>
                   <a:txBody>
                     <a:bodyPr/>
@@ -8459,7 +10764,284 @@
         </p:nvSpPr>
         <p:spPr>
           <a:xfrm>
-            <a:off x="9453400" y="2567726"/>
+            <a:off x="9453400" y="2605983"/>
+            <a:ext cx="1389614" cy="397385"/>
+          </a:xfrm>
+          <a:prstGeom prst="roundRect">
+            <a:avLst/>
+          </a:prstGeom>
+        </p:spPr>
+        <p:style>
+          <a:lnRef idx="2">
+            <a:schemeClr val="dk1"/>
+          </a:lnRef>
+          <a:fillRef idx="1">
+            <a:schemeClr val="lt1"/>
+          </a:fillRef>
+          <a:effectRef idx="0">
+            <a:schemeClr val="dk1"/>
+          </a:effectRef>
+          <a:fontRef idx="minor">
+            <a:schemeClr val="dk1"/>
+          </a:fontRef>
+        </p:style>
+        <p:txBody>
+          <a:bodyPr rtlCol="0" anchor="ctr"/>
+          <a:lstStyle/>
+          <a:p>
+            <a:pPr algn="ctr"/>
+            <a:r>
+              <a:rPr lang="ko-KR" altLang="en-US" dirty="0"/>
+              <a:t>출고 등록</a:t>
+            </a:r>
+          </a:p>
+        </p:txBody>
+      </p:sp>
+      <p:sp>
+        <p:nvSpPr>
+          <p:cNvPr id="2" name="타원 1">
+            <a:extLst>
+              <a:ext uri="{FF2B5EF4-FFF2-40B4-BE49-F238E27FC236}">
+                <a16:creationId xmlns:a16="http://schemas.microsoft.com/office/drawing/2014/main" id="{CDE9480E-7638-443E-93AE-21796384460B}"/>
+              </a:ext>
+            </a:extLst>
+          </p:cNvPr>
+          <p:cNvSpPr/>
+          <p:nvPr/>
+        </p:nvSpPr>
+        <p:spPr>
+          <a:xfrm>
+            <a:off x="6848884" y="1703496"/>
+            <a:ext cx="244929" cy="224398"/>
+          </a:xfrm>
+          <a:prstGeom prst="ellipse">
+            <a:avLst/>
+          </a:prstGeom>
+          <a:solidFill>
+            <a:srgbClr val="FFFF00"/>
+          </a:solidFill>
+        </p:spPr>
+        <p:style>
+          <a:lnRef idx="2">
+            <a:schemeClr val="accent1">
+              <a:shade val="15000"/>
+            </a:schemeClr>
+          </a:lnRef>
+          <a:fillRef idx="1">
+            <a:schemeClr val="accent1"/>
+          </a:fillRef>
+          <a:effectRef idx="0">
+            <a:schemeClr val="accent1"/>
+          </a:effectRef>
+          <a:fontRef idx="minor">
+            <a:schemeClr val="lt1"/>
+          </a:fontRef>
+        </p:style>
+        <p:txBody>
+          <a:bodyPr rtlCol="0" anchor="ctr"/>
+          <a:lstStyle/>
+          <a:p>
+            <a:pPr algn="ctr"/>
+            <a:r>
+              <a:rPr lang="en-US" altLang="ko-KR" dirty="0">
+                <a:solidFill>
+                  <a:schemeClr val="tx1"/>
+                </a:solidFill>
+              </a:rPr>
+              <a:t>1</a:t>
+            </a:r>
+            <a:endParaRPr lang="ko-KR" altLang="en-US" dirty="0">
+              <a:solidFill>
+                <a:schemeClr val="tx1"/>
+              </a:solidFill>
+            </a:endParaRPr>
+          </a:p>
+        </p:txBody>
+      </p:sp>
+      <p:sp>
+        <p:nvSpPr>
+          <p:cNvPr id="3" name="타원 2">
+            <a:extLst>
+              <a:ext uri="{FF2B5EF4-FFF2-40B4-BE49-F238E27FC236}">
+                <a16:creationId xmlns:a16="http://schemas.microsoft.com/office/drawing/2014/main" id="{48228727-9B1C-1DCB-A9B7-91648E3359F9}"/>
+              </a:ext>
+            </a:extLst>
+          </p:cNvPr>
+          <p:cNvSpPr/>
+          <p:nvPr/>
+        </p:nvSpPr>
+        <p:spPr>
+          <a:xfrm>
+            <a:off x="10843014" y="1695472"/>
+            <a:ext cx="244929" cy="224398"/>
+          </a:xfrm>
+          <a:prstGeom prst="ellipse">
+            <a:avLst/>
+          </a:prstGeom>
+          <a:solidFill>
+            <a:srgbClr val="FFFF00"/>
+          </a:solidFill>
+        </p:spPr>
+        <p:style>
+          <a:lnRef idx="2">
+            <a:schemeClr val="accent1">
+              <a:shade val="15000"/>
+            </a:schemeClr>
+          </a:lnRef>
+          <a:fillRef idx="1">
+            <a:schemeClr val="accent1"/>
+          </a:fillRef>
+          <a:effectRef idx="0">
+            <a:schemeClr val="accent1"/>
+          </a:effectRef>
+          <a:fontRef idx="minor">
+            <a:schemeClr val="lt1"/>
+          </a:fontRef>
+        </p:style>
+        <p:txBody>
+          <a:bodyPr rtlCol="0" anchor="ctr"/>
+          <a:lstStyle/>
+          <a:p>
+            <a:pPr algn="ctr"/>
+            <a:r>
+              <a:rPr lang="en-US" altLang="ko-KR" dirty="0">
+                <a:solidFill>
+                  <a:schemeClr val="tx1"/>
+                </a:solidFill>
+              </a:rPr>
+              <a:t>2</a:t>
+            </a:r>
+            <a:endParaRPr lang="ko-KR" altLang="en-US" dirty="0">
+              <a:solidFill>
+                <a:schemeClr val="tx1"/>
+              </a:solidFill>
+            </a:endParaRPr>
+          </a:p>
+        </p:txBody>
+      </p:sp>
+      <p:sp>
+        <p:nvSpPr>
+          <p:cNvPr id="4" name="타원 3">
+            <a:extLst>
+              <a:ext uri="{FF2B5EF4-FFF2-40B4-BE49-F238E27FC236}">
+                <a16:creationId xmlns:a16="http://schemas.microsoft.com/office/drawing/2014/main" id="{1245D989-2653-785C-677B-7A7AAB28C877}"/>
+              </a:ext>
+            </a:extLst>
+          </p:cNvPr>
+          <p:cNvSpPr/>
+          <p:nvPr/>
+        </p:nvSpPr>
+        <p:spPr>
+          <a:xfrm>
+            <a:off x="10843014" y="2660917"/>
+            <a:ext cx="244929" cy="224398"/>
+          </a:xfrm>
+          <a:prstGeom prst="ellipse">
+            <a:avLst/>
+          </a:prstGeom>
+          <a:solidFill>
+            <a:srgbClr val="FFFF00"/>
+          </a:solidFill>
+        </p:spPr>
+        <p:style>
+          <a:lnRef idx="2">
+            <a:schemeClr val="accent1">
+              <a:shade val="15000"/>
+            </a:schemeClr>
+          </a:lnRef>
+          <a:fillRef idx="1">
+            <a:schemeClr val="accent1"/>
+          </a:fillRef>
+          <a:effectRef idx="0">
+            <a:schemeClr val="accent1"/>
+          </a:effectRef>
+          <a:fontRef idx="minor">
+            <a:schemeClr val="lt1"/>
+          </a:fontRef>
+        </p:style>
+        <p:txBody>
+          <a:bodyPr rtlCol="0" anchor="ctr"/>
+          <a:lstStyle/>
+          <a:p>
+            <a:pPr algn="ctr"/>
+            <a:r>
+              <a:rPr lang="en-US" altLang="ko-KR" dirty="0">
+                <a:solidFill>
+                  <a:schemeClr val="tx1"/>
+                </a:solidFill>
+              </a:rPr>
+              <a:t>3</a:t>
+            </a:r>
+            <a:endParaRPr lang="ko-KR" altLang="en-US" dirty="0">
+              <a:solidFill>
+                <a:schemeClr val="tx1"/>
+              </a:solidFill>
+            </a:endParaRPr>
+          </a:p>
+        </p:txBody>
+      </p:sp>
+      <p:sp>
+        <p:nvSpPr>
+          <p:cNvPr id="5" name="사각형: 둥근 모서리 4">
+            <a:extLst>
+              <a:ext uri="{FF2B5EF4-FFF2-40B4-BE49-F238E27FC236}">
+                <a16:creationId xmlns:a16="http://schemas.microsoft.com/office/drawing/2014/main" id="{3FDCD2C2-A59F-9D2E-19C3-A9574D68E0DE}"/>
+              </a:ext>
+            </a:extLst>
+          </p:cNvPr>
+          <p:cNvSpPr/>
+          <p:nvPr/>
+        </p:nvSpPr>
+        <p:spPr>
+          <a:xfrm>
+            <a:off x="9453400" y="3063419"/>
+            <a:ext cx="1389614" cy="397385"/>
+          </a:xfrm>
+          <a:prstGeom prst="roundRect">
+            <a:avLst/>
+          </a:prstGeom>
+        </p:spPr>
+        <p:style>
+          <a:lnRef idx="2">
+            <a:schemeClr val="dk1"/>
+          </a:lnRef>
+          <a:fillRef idx="1">
+            <a:schemeClr val="lt1"/>
+          </a:fillRef>
+          <a:effectRef idx="0">
+            <a:schemeClr val="dk1"/>
+          </a:effectRef>
+          <a:fontRef idx="minor">
+            <a:schemeClr val="dk1"/>
+          </a:fontRef>
+        </p:style>
+        <p:txBody>
+          <a:bodyPr rtlCol="0" anchor="ctr"/>
+          <a:lstStyle/>
+          <a:p>
+            <a:pPr algn="ctr"/>
+            <a:r>
+              <a:rPr lang="ko-KR" altLang="en-US" dirty="0"/>
+              <a:t>출고 등록</a:t>
+            </a:r>
+          </a:p>
+        </p:txBody>
+      </p:sp>
+      <p:sp>
+        <p:nvSpPr>
+          <p:cNvPr id="6" name="사각형: 둥근 모서리 5">
+            <a:extLst>
+              <a:ext uri="{FF2B5EF4-FFF2-40B4-BE49-F238E27FC236}">
+                <a16:creationId xmlns:a16="http://schemas.microsoft.com/office/drawing/2014/main" id="{368DEF44-A004-44A4-5F81-73F0FC2A245F}"/>
+              </a:ext>
+            </a:extLst>
+          </p:cNvPr>
+          <p:cNvSpPr/>
+          <p:nvPr/>
+        </p:nvSpPr>
+        <p:spPr>
+          <a:xfrm>
+            <a:off x="9453400" y="3511491"/>
             <a:ext cx="1389614" cy="397385"/>
           </a:xfrm>
           <a:prstGeom prst="roundRect">
@@ -8618,54 +11200,6 @@
       </p:sp>
       <p:sp>
         <p:nvSpPr>
-          <p:cNvPr id="13" name="사각형: 둥근 모서리 12">
-            <a:extLst>
-              <a:ext uri="{FF2B5EF4-FFF2-40B4-BE49-F238E27FC236}">
-                <a16:creationId xmlns:a16="http://schemas.microsoft.com/office/drawing/2014/main" id="{0425B179-D717-45CF-9007-E4254169C009}"/>
-              </a:ext>
-            </a:extLst>
-          </p:cNvPr>
-          <p:cNvSpPr/>
-          <p:nvPr/>
-        </p:nvSpPr>
-        <p:spPr>
-          <a:xfrm>
-            <a:off x="2983254" y="3860452"/>
-            <a:ext cx="1000916" cy="323711"/>
-          </a:xfrm>
-          <a:prstGeom prst="roundRect">
-            <a:avLst/>
-          </a:prstGeom>
-        </p:spPr>
-        <p:style>
-          <a:lnRef idx="2">
-            <a:schemeClr val="dk1"/>
-          </a:lnRef>
-          <a:fillRef idx="1">
-            <a:schemeClr val="lt1"/>
-          </a:fillRef>
-          <a:effectRef idx="0">
-            <a:schemeClr val="dk1"/>
-          </a:effectRef>
-          <a:fontRef idx="minor">
-            <a:schemeClr val="dk1"/>
-          </a:fontRef>
-        </p:style>
-        <p:txBody>
-          <a:bodyPr rtlCol="0" anchor="ctr"/>
-          <a:lstStyle/>
-          <a:p>
-            <a:pPr algn="ctr"/>
-            <a:r>
-              <a:rPr lang="ko-KR" altLang="en-US" dirty="0"/>
-              <a:t>출고</a:t>
-            </a:r>
-            <a:endParaRPr lang="en-US" altLang="ko-KR" dirty="0"/>
-          </a:p>
-        </p:txBody>
-      </p:sp>
-      <p:sp>
-        <p:nvSpPr>
           <p:cNvPr id="14" name="TextBox 13">
             <a:extLst>
               <a:ext uri="{FF2B5EF4-FFF2-40B4-BE49-F238E27FC236}">
@@ -8781,6 +11315,346 @@
               <a:rPr lang="ko-KR" altLang="en-US" dirty="0"/>
               <a:t>출고 일자</a:t>
             </a:r>
+          </a:p>
+        </p:txBody>
+      </p:sp>
+      <p:sp>
+        <p:nvSpPr>
+          <p:cNvPr id="2" name="사각형: 둥근 모서리 1">
+            <a:extLst>
+              <a:ext uri="{FF2B5EF4-FFF2-40B4-BE49-F238E27FC236}">
+                <a16:creationId xmlns:a16="http://schemas.microsoft.com/office/drawing/2014/main" id="{2646B1B1-DA77-B333-497A-B44F385749F3}"/>
+              </a:ext>
+            </a:extLst>
+          </p:cNvPr>
+          <p:cNvSpPr/>
+          <p:nvPr/>
+        </p:nvSpPr>
+        <p:spPr>
+          <a:xfrm>
+            <a:off x="3305173" y="3860452"/>
+            <a:ext cx="678995" cy="260022"/>
+          </a:xfrm>
+          <a:prstGeom prst="roundRect">
+            <a:avLst/>
+          </a:prstGeom>
+        </p:spPr>
+        <p:style>
+          <a:lnRef idx="2">
+            <a:schemeClr val="dk1"/>
+          </a:lnRef>
+          <a:fillRef idx="1">
+            <a:schemeClr val="lt1"/>
+          </a:fillRef>
+          <a:effectRef idx="0">
+            <a:schemeClr val="dk1"/>
+          </a:effectRef>
+          <a:fontRef idx="minor">
+            <a:schemeClr val="dk1"/>
+          </a:fontRef>
+        </p:style>
+        <p:txBody>
+          <a:bodyPr rtlCol="0" anchor="ctr"/>
+          <a:lstStyle/>
+          <a:p>
+            <a:pPr algn="ctr"/>
+            <a:r>
+              <a:rPr lang="ko-KR" altLang="en-US" dirty="0"/>
+              <a:t>출고</a:t>
+            </a:r>
+            <a:endParaRPr lang="en-US" altLang="ko-KR" dirty="0"/>
+          </a:p>
+        </p:txBody>
+      </p:sp>
+      <p:sp>
+        <p:nvSpPr>
+          <p:cNvPr id="3" name="타원 2">
+            <a:extLst>
+              <a:ext uri="{FF2B5EF4-FFF2-40B4-BE49-F238E27FC236}">
+                <a16:creationId xmlns:a16="http://schemas.microsoft.com/office/drawing/2014/main" id="{0D1572B8-C265-3D8B-E137-22AF5F539097}"/>
+              </a:ext>
+            </a:extLst>
+          </p:cNvPr>
+          <p:cNvSpPr/>
+          <p:nvPr/>
+        </p:nvSpPr>
+        <p:spPr>
+          <a:xfrm>
+            <a:off x="2748908" y="4139779"/>
+            <a:ext cx="244929" cy="224398"/>
+          </a:xfrm>
+          <a:prstGeom prst="ellipse">
+            <a:avLst/>
+          </a:prstGeom>
+          <a:solidFill>
+            <a:srgbClr val="FFFF00"/>
+          </a:solidFill>
+        </p:spPr>
+        <p:style>
+          <a:lnRef idx="2">
+            <a:schemeClr val="accent1">
+              <a:shade val="15000"/>
+            </a:schemeClr>
+          </a:lnRef>
+          <a:fillRef idx="1">
+            <a:schemeClr val="accent1"/>
+          </a:fillRef>
+          <a:effectRef idx="0">
+            <a:schemeClr val="accent1"/>
+          </a:effectRef>
+          <a:fontRef idx="minor">
+            <a:schemeClr val="lt1"/>
+          </a:fontRef>
+        </p:style>
+        <p:txBody>
+          <a:bodyPr rtlCol="0" anchor="ctr"/>
+          <a:lstStyle/>
+          <a:p>
+            <a:pPr algn="ctr"/>
+            <a:r>
+              <a:rPr lang="en-US" altLang="ko-KR" dirty="0">
+                <a:solidFill>
+                  <a:schemeClr val="tx1"/>
+                </a:solidFill>
+              </a:rPr>
+              <a:t>3</a:t>
+            </a:r>
+            <a:endParaRPr lang="ko-KR" altLang="en-US" dirty="0">
+              <a:solidFill>
+                <a:schemeClr val="tx1"/>
+              </a:solidFill>
+            </a:endParaRPr>
+          </a:p>
+        </p:txBody>
+      </p:sp>
+      <p:sp>
+        <p:nvSpPr>
+          <p:cNvPr id="5" name="사각형: 둥근 모서리 4">
+            <a:extLst>
+              <a:ext uri="{FF2B5EF4-FFF2-40B4-BE49-F238E27FC236}">
+                <a16:creationId xmlns:a16="http://schemas.microsoft.com/office/drawing/2014/main" id="{3A37CF41-2F90-CEE1-8C96-1871F911ACEE}"/>
+              </a:ext>
+            </a:extLst>
+          </p:cNvPr>
+          <p:cNvSpPr/>
+          <p:nvPr/>
+        </p:nvSpPr>
+        <p:spPr>
+          <a:xfrm>
+            <a:off x="2531876" y="3860452"/>
+            <a:ext cx="678995" cy="260022"/>
+          </a:xfrm>
+          <a:prstGeom prst="roundRect">
+            <a:avLst/>
+          </a:prstGeom>
+        </p:spPr>
+        <p:style>
+          <a:lnRef idx="2">
+            <a:schemeClr val="dk1"/>
+          </a:lnRef>
+          <a:fillRef idx="1">
+            <a:schemeClr val="lt1"/>
+          </a:fillRef>
+          <a:effectRef idx="0">
+            <a:schemeClr val="dk1"/>
+          </a:effectRef>
+          <a:fontRef idx="minor">
+            <a:schemeClr val="dk1"/>
+          </a:fontRef>
+        </p:style>
+        <p:txBody>
+          <a:bodyPr rtlCol="0" anchor="ctr"/>
+          <a:lstStyle/>
+          <a:p>
+            <a:pPr algn="ctr"/>
+            <a:r>
+              <a:rPr lang="ko-KR" altLang="en-US" dirty="0"/>
+              <a:t>취소</a:t>
+            </a:r>
+            <a:endParaRPr lang="en-US" altLang="ko-KR" dirty="0"/>
+          </a:p>
+        </p:txBody>
+      </p:sp>
+      <p:sp>
+        <p:nvSpPr>
+          <p:cNvPr id="6" name="타원 5">
+            <a:extLst>
+              <a:ext uri="{FF2B5EF4-FFF2-40B4-BE49-F238E27FC236}">
+                <a16:creationId xmlns:a16="http://schemas.microsoft.com/office/drawing/2014/main" id="{033B708E-8D80-3D2F-55CD-4FD53CC628B7}"/>
+              </a:ext>
+            </a:extLst>
+          </p:cNvPr>
+          <p:cNvSpPr/>
+          <p:nvPr/>
+        </p:nvSpPr>
+        <p:spPr>
+          <a:xfrm>
+            <a:off x="3522207" y="4139779"/>
+            <a:ext cx="244929" cy="224398"/>
+          </a:xfrm>
+          <a:prstGeom prst="ellipse">
+            <a:avLst/>
+          </a:prstGeom>
+          <a:solidFill>
+            <a:srgbClr val="FFFF00"/>
+          </a:solidFill>
+        </p:spPr>
+        <p:style>
+          <a:lnRef idx="2">
+            <a:schemeClr val="accent1">
+              <a:shade val="15000"/>
+            </a:schemeClr>
+          </a:lnRef>
+          <a:fillRef idx="1">
+            <a:schemeClr val="accent1"/>
+          </a:fillRef>
+          <a:effectRef idx="0">
+            <a:schemeClr val="accent1"/>
+          </a:effectRef>
+          <a:fontRef idx="minor">
+            <a:schemeClr val="lt1"/>
+          </a:fontRef>
+        </p:style>
+        <p:txBody>
+          <a:bodyPr rtlCol="0" anchor="ctr"/>
+          <a:lstStyle/>
+          <a:p>
+            <a:pPr algn="ctr"/>
+            <a:r>
+              <a:rPr lang="en-US" altLang="ko-KR" dirty="0">
+                <a:solidFill>
+                  <a:schemeClr val="tx1"/>
+                </a:solidFill>
+              </a:rPr>
+              <a:t>4</a:t>
+            </a:r>
+            <a:endParaRPr lang="ko-KR" altLang="en-US" dirty="0">
+              <a:solidFill>
+                <a:schemeClr val="tx1"/>
+              </a:solidFill>
+            </a:endParaRPr>
+          </a:p>
+        </p:txBody>
+      </p:sp>
+      <p:sp>
+        <p:nvSpPr>
+          <p:cNvPr id="7" name="타원 6">
+            <a:extLst>
+              <a:ext uri="{FF2B5EF4-FFF2-40B4-BE49-F238E27FC236}">
+                <a16:creationId xmlns:a16="http://schemas.microsoft.com/office/drawing/2014/main" id="{67ECFDE5-525A-0B5E-FB05-546B565B9F47}"/>
+              </a:ext>
+            </a:extLst>
+          </p:cNvPr>
+          <p:cNvSpPr/>
+          <p:nvPr/>
+        </p:nvSpPr>
+        <p:spPr>
+          <a:xfrm>
+            <a:off x="4024992" y="3316801"/>
+            <a:ext cx="244929" cy="224398"/>
+          </a:xfrm>
+          <a:prstGeom prst="ellipse">
+            <a:avLst/>
+          </a:prstGeom>
+          <a:solidFill>
+            <a:srgbClr val="FFFF00"/>
+          </a:solidFill>
+        </p:spPr>
+        <p:style>
+          <a:lnRef idx="2">
+            <a:schemeClr val="accent1">
+              <a:shade val="15000"/>
+            </a:schemeClr>
+          </a:lnRef>
+          <a:fillRef idx="1">
+            <a:schemeClr val="accent1"/>
+          </a:fillRef>
+          <a:effectRef idx="0">
+            <a:schemeClr val="accent1"/>
+          </a:effectRef>
+          <a:fontRef idx="minor">
+            <a:schemeClr val="lt1"/>
+          </a:fontRef>
+        </p:style>
+        <p:txBody>
+          <a:bodyPr rtlCol="0" anchor="ctr"/>
+          <a:lstStyle/>
+          <a:p>
+            <a:pPr algn="ctr"/>
+            <a:r>
+              <a:rPr lang="en-US" altLang="ko-KR" dirty="0">
+                <a:solidFill>
+                  <a:schemeClr val="tx1"/>
+                </a:solidFill>
+              </a:rPr>
+              <a:t>2</a:t>
+            </a:r>
+            <a:endParaRPr lang="ko-KR" altLang="en-US" dirty="0">
+              <a:solidFill>
+                <a:schemeClr val="tx1"/>
+              </a:solidFill>
+            </a:endParaRPr>
+          </a:p>
+        </p:txBody>
+      </p:sp>
+      <p:sp>
+        <p:nvSpPr>
+          <p:cNvPr id="8" name="타원 7">
+            <a:extLst>
+              <a:ext uri="{FF2B5EF4-FFF2-40B4-BE49-F238E27FC236}">
+                <a16:creationId xmlns:a16="http://schemas.microsoft.com/office/drawing/2014/main" id="{16D11978-BF57-807E-18C6-2DE9723A4B1B}"/>
+              </a:ext>
+            </a:extLst>
+          </p:cNvPr>
+          <p:cNvSpPr/>
+          <p:nvPr/>
+        </p:nvSpPr>
+        <p:spPr>
+          <a:xfrm>
+            <a:off x="4024992" y="2703423"/>
+            <a:ext cx="244929" cy="224398"/>
+          </a:xfrm>
+          <a:prstGeom prst="ellipse">
+            <a:avLst/>
+          </a:prstGeom>
+          <a:solidFill>
+            <a:srgbClr val="FFFF00"/>
+          </a:solidFill>
+        </p:spPr>
+        <p:style>
+          <a:lnRef idx="2">
+            <a:schemeClr val="accent1">
+              <a:shade val="15000"/>
+            </a:schemeClr>
+          </a:lnRef>
+          <a:fillRef idx="1">
+            <a:schemeClr val="accent1"/>
+          </a:fillRef>
+          <a:effectRef idx="0">
+            <a:schemeClr val="accent1"/>
+          </a:effectRef>
+          <a:fontRef idx="minor">
+            <a:schemeClr val="lt1"/>
+          </a:fontRef>
+        </p:style>
+        <p:txBody>
+          <a:bodyPr rtlCol="0" anchor="ctr"/>
+          <a:lstStyle/>
+          <a:p>
+            <a:pPr algn="ctr"/>
+            <a:r>
+              <a:rPr lang="en-US" altLang="ko-KR" dirty="0">
+                <a:solidFill>
+                  <a:schemeClr val="tx1"/>
+                </a:solidFill>
+              </a:rPr>
+              <a:t>1</a:t>
+            </a:r>
+            <a:endParaRPr lang="ko-KR" altLang="en-US" dirty="0">
+              <a:solidFill>
+                <a:schemeClr val="tx1"/>
+              </a:solidFill>
+            </a:endParaRPr>
           </a:p>
         </p:txBody>
       </p:sp>
@@ -8816,10 +11690,10 @@
       </p:grpSpPr>
       <p:sp>
         <p:nvSpPr>
-          <p:cNvPr id="22" name="직사각형 21">
-            <a:extLst>
-              <a:ext uri="{FF2B5EF4-FFF2-40B4-BE49-F238E27FC236}">
-                <a16:creationId xmlns:a16="http://schemas.microsoft.com/office/drawing/2014/main" id="{0282CCD8-A736-4AFE-9E6E-4163CA6E2E3E}"/>
+          <p:cNvPr id="4" name="직사각형 3">
+            <a:extLst>
+              <a:ext uri="{FF2B5EF4-FFF2-40B4-BE49-F238E27FC236}">
+                <a16:creationId xmlns:a16="http://schemas.microsoft.com/office/drawing/2014/main" id="{485B4EC0-E3B3-4ECD-A1C2-595293CA0710}"/>
               </a:ext>
             </a:extLst>
           </p:cNvPr>
@@ -8828,8 +11702,8 @@
         </p:nvSpPr>
         <p:spPr>
           <a:xfrm>
-            <a:off x="8122519" y="643968"/>
-            <a:ext cx="3551433" cy="1158705"/>
+            <a:off x="586852" y="655472"/>
+            <a:ext cx="3608583" cy="1158705"/>
           </a:xfrm>
           <a:prstGeom prst="rect">
             <a:avLst/>
@@ -8861,62 +11735,6 @@
             <a:pPr algn="ctr"/>
             <a:r>
               <a:rPr lang="ko-KR" altLang="en-US" sz="2000" dirty="0"/>
-              <a:t> </a:t>
-            </a:r>
-            <a:r>
-              <a:rPr lang="en-US" altLang="ko-KR" sz="2000" dirty="0"/>
-              <a:t>2025.10.08</a:t>
-            </a:r>
-          </a:p>
-        </p:txBody>
-      </p:sp>
-      <p:sp>
-        <p:nvSpPr>
-          <p:cNvPr id="4" name="직사각형 3">
-            <a:extLst>
-              <a:ext uri="{FF2B5EF4-FFF2-40B4-BE49-F238E27FC236}">
-                <a16:creationId xmlns:a16="http://schemas.microsoft.com/office/drawing/2014/main" id="{485B4EC0-E3B3-4ECD-A1C2-595293CA0710}"/>
-              </a:ext>
-            </a:extLst>
-          </p:cNvPr>
-          <p:cNvSpPr/>
-          <p:nvPr/>
-        </p:nvSpPr>
-        <p:spPr>
-          <a:xfrm>
-            <a:off x="586852" y="655472"/>
-            <a:ext cx="3608583" cy="1158705"/>
-          </a:xfrm>
-          <a:prstGeom prst="rect">
-            <a:avLst/>
-          </a:prstGeom>
-          <a:ln>
-            <a:solidFill>
-              <a:schemeClr val="bg1"/>
-            </a:solidFill>
-          </a:ln>
-        </p:spPr>
-        <p:style>
-          <a:lnRef idx="2">
-            <a:schemeClr val="dk1"/>
-          </a:lnRef>
-          <a:fillRef idx="1">
-            <a:schemeClr val="lt1"/>
-          </a:fillRef>
-          <a:effectRef idx="0">
-            <a:schemeClr val="dk1"/>
-          </a:effectRef>
-          <a:fontRef idx="minor">
-            <a:schemeClr val="dk1"/>
-          </a:fontRef>
-        </p:style>
-        <p:txBody>
-          <a:bodyPr rtlCol="0" anchor="ctr"/>
-          <a:lstStyle/>
-          <a:p>
-            <a:pPr algn="ctr"/>
-            <a:r>
-              <a:rPr lang="ko-KR" altLang="en-US" sz="2000" dirty="0"/>
               <a:t>원자재 출고 이력 조회 페이지</a:t>
             </a:r>
           </a:p>
@@ -8937,14 +11755,14 @@
           <p:nvPr>
             <p:extLst>
               <p:ext uri="{D42A27DB-BD31-4B8C-83A1-F6EECF244321}">
-                <p14:modId xmlns:p14="http://schemas.microsoft.com/office/powerpoint/2010/main" val="2963665130"/>
+                <p14:modId xmlns:p14="http://schemas.microsoft.com/office/powerpoint/2010/main" val="4049516303"/>
               </p:ext>
             </p:extLst>
           </p:nvPr>
         </p:nvGraphicFramePr>
         <p:xfrm>
           <a:off x="716999" y="2116182"/>
-          <a:ext cx="10126014" cy="3675016"/>
+          <a:ext cx="10126017" cy="4217125"/>
         </p:xfrm>
         <a:graphic>
           <a:graphicData uri="http://schemas.openxmlformats.org/drawingml/2006/table">
@@ -8953,56 +11771,63 @@
                 <a:tableStyleId>{5C22544A-7EE6-4342-B048-85BDC9FD1C3A}</a:tableStyleId>
               </a:tblPr>
               <a:tblGrid>
-                <a:gridCol w="1130851">
+                <a:gridCol w="1125113">
                   <a:extLst>
                     <a:ext uri="{9D8B030D-6E8A-4147-A177-3AD203B41FA5}">
                       <a16:colId xmlns:a16="http://schemas.microsoft.com/office/drawing/2014/main" val="1469891135"/>
                     </a:ext>
                   </a:extLst>
                 </a:gridCol>
-                <a:gridCol w="1168400">
+                <a:gridCol w="1125113">
                   <a:extLst>
                     <a:ext uri="{9D8B030D-6E8A-4147-A177-3AD203B41FA5}">
                       <a16:colId xmlns:a16="http://schemas.microsoft.com/office/drawing/2014/main" val="1671104318"/>
                     </a:ext>
                   </a:extLst>
                 </a:gridCol>
-                <a:gridCol w="1250950">
+                <a:gridCol w="1125113">
                   <a:extLst>
                     <a:ext uri="{9D8B030D-6E8A-4147-A177-3AD203B41FA5}">
                       <a16:colId xmlns:a16="http://schemas.microsoft.com/office/drawing/2014/main" val="4135831801"/>
                     </a:ext>
                   </a:extLst>
                 </a:gridCol>
-                <a:gridCol w="965200">
+                <a:gridCol w="1125113">
                   <a:extLst>
                     <a:ext uri="{9D8B030D-6E8A-4147-A177-3AD203B41FA5}">
                       <a16:colId xmlns:a16="http://schemas.microsoft.com/office/drawing/2014/main" val="513259599"/>
                     </a:ext>
                   </a:extLst>
                 </a:gridCol>
-                <a:gridCol w="2241550">
+                <a:gridCol w="1125113">
                   <a:extLst>
                     <a:ext uri="{9D8B030D-6E8A-4147-A177-3AD203B41FA5}">
                       <a16:colId xmlns:a16="http://schemas.microsoft.com/office/drawing/2014/main" val="3536895802"/>
                     </a:ext>
                   </a:extLst>
                 </a:gridCol>
-                <a:gridCol w="1289050">
+                <a:gridCol w="1235029">
+                  <a:extLst>
+                    <a:ext uri="{9D8B030D-6E8A-4147-A177-3AD203B41FA5}">
+                      <a16:colId xmlns:a16="http://schemas.microsoft.com/office/drawing/2014/main" val="3179941886"/>
+                    </a:ext>
+                  </a:extLst>
+                </a:gridCol>
+                <a:gridCol w="1081377">
                   <a:extLst>
                     <a:ext uri="{9D8B030D-6E8A-4147-A177-3AD203B41FA5}">
                       <a16:colId xmlns:a16="http://schemas.microsoft.com/office/drawing/2014/main" val="223590355"/>
                     </a:ext>
                   </a:extLst>
                 </a:gridCol>
-                <a:gridCol w="876300">
+                <a:gridCol w="1058933">
                   <a:extLst>
                     <a:ext uri="{9D8B030D-6E8A-4147-A177-3AD203B41FA5}">
                       <a16:colId xmlns:a16="http://schemas.microsoft.com/office/drawing/2014/main" val="3276492231"/>
                     </a:ext>
                   </a:extLst>
                 </a:gridCol>
-                <a:gridCol w="1203713">
+                <a:gridCol w="1125113">
                   <a:extLst>
                     <a:ext uri="{9D8B030D-6E8A-4147-A177-3AD203B41FA5}">
                       <a16:colId xmlns:a16="http://schemas.microsoft.com/office/drawing/2014/main" val="1682441145"/>
@@ -9016,9 +11841,9 @@
                     <a:bodyPr/>
                     <a:lstStyle/>
                     <a:p>
-                      <a:pPr latinLnBrk="1"/>
-                      <a:r>
-                        <a:rPr lang="ko-KR" altLang="en-US" dirty="0"/>
+                      <a:pPr algn="ctr" latinLnBrk="1"/>
+                      <a:r>
+                        <a:rPr lang="ko-KR" altLang="en-US" sz="1200" dirty="0"/>
                         <a:t>출고번호</a:t>
                       </a:r>
                     </a:p>
@@ -9030,9 +11855,9 @@
                     <a:bodyPr/>
                     <a:lstStyle/>
                     <a:p>
-                      <a:pPr latinLnBrk="1"/>
-                      <a:r>
-                        <a:rPr lang="ko-KR" altLang="en-US" dirty="0"/>
+                      <a:pPr algn="ctr" latinLnBrk="1"/>
+                      <a:r>
+                        <a:rPr lang="ko-KR" altLang="en-US" sz="1200" dirty="0"/>
                         <a:t>매입처명</a:t>
                       </a:r>
                     </a:p>
@@ -9044,9 +11869,9 @@
                     <a:bodyPr/>
                     <a:lstStyle/>
                     <a:p>
-                      <a:pPr latinLnBrk="1"/>
-                      <a:r>
-                        <a:rPr lang="ko-KR" altLang="en-US" dirty="0"/>
+                      <a:pPr algn="ctr" latinLnBrk="1"/>
+                      <a:r>
+                        <a:rPr lang="ko-KR" altLang="en-US" sz="1200" dirty="0"/>
                         <a:t>품목 번호</a:t>
                       </a:r>
                     </a:p>
@@ -9058,9 +11883,9 @@
                     <a:bodyPr/>
                     <a:lstStyle/>
                     <a:p>
-                      <a:pPr latinLnBrk="1"/>
-                      <a:r>
-                        <a:rPr lang="ko-KR" altLang="en-US" dirty="0"/>
+                      <a:pPr algn="ctr" latinLnBrk="1"/>
+                      <a:r>
+                        <a:rPr lang="ko-KR" altLang="en-US" sz="1200" dirty="0"/>
                         <a:t>품목명</a:t>
                       </a:r>
                     </a:p>
@@ -9072,44 +11897,83 @@
                     <a:bodyPr/>
                     <a:lstStyle/>
                     <a:p>
-                      <a:pPr latinLnBrk="1"/>
-                      <a:r>
-                        <a:rPr lang="ko-KR" altLang="en-US" dirty="0"/>
+                      <a:pPr algn="ctr" latinLnBrk="1"/>
+                      <a:r>
+                        <a:rPr lang="ko-KR" altLang="en-US" sz="1200" dirty="0"/>
                         <a:t>출고 수량</a:t>
                       </a:r>
                       <a:r>
-                        <a:rPr lang="en-US" altLang="ko-KR" dirty="0"/>
+                        <a:rPr lang="en-US" altLang="ko-KR" sz="1200" dirty="0"/>
                         <a:t>(</a:t>
                       </a:r>
                       <a:r>
-                        <a:rPr lang="ko-KR" altLang="en-US" dirty="0"/>
+                        <a:rPr lang="ko-KR" altLang="en-US" sz="1200" dirty="0"/>
                         <a:t>양</a:t>
                       </a:r>
                       <a:r>
-                        <a:rPr lang="en-US" altLang="ko-KR" dirty="0"/>
-                        <a:t>/</a:t>
-                      </a:r>
-                      <a:r>
-                        <a:rPr lang="ko-KR" altLang="en-US" dirty="0"/>
+                        <a:rPr lang="en-US" altLang="ko-KR" sz="1200" dirty="0"/>
+                        <a:t>)</a:t>
+                      </a:r>
+                      <a:endParaRPr lang="ko-KR" altLang="en-US" sz="1200" dirty="0"/>
+                    </a:p>
+                  </a:txBody>
+                  <a:tcPr/>
+                </a:tc>
+                <a:tc>
+                  <a:txBody>
+                    <a:bodyPr/>
+                    <a:lstStyle/>
+                    <a:p>
+                      <a:pPr marL="0" marR="0" lvl="0" indent="0" algn="ctr" defTabSz="914400" rtl="0" eaLnBrk="1" fontAlgn="auto" latinLnBrk="1" hangingPunct="1">
+                        <a:lnSpc>
+                          <a:spcPct val="100000"/>
+                        </a:lnSpc>
+                        <a:spcBef>
+                          <a:spcPts val="0"/>
+                        </a:spcBef>
+                        <a:spcAft>
+                          <a:spcPts val="0"/>
+                        </a:spcAft>
+                        <a:buClrTx/>
+                        <a:buSzTx/>
+                        <a:buFontTx/>
+                        <a:buNone/>
+                        <a:tabLst/>
+                        <a:defRPr/>
+                      </a:pPr>
+                      <a:r>
+                        <a:rPr lang="ko-KR" altLang="en-US" sz="1200" dirty="0"/>
+                        <a:t>출고 수량</a:t>
+                      </a:r>
+                      <a:r>
+                        <a:rPr lang="en-US" altLang="ko-KR" sz="1200" dirty="0"/>
+                        <a:t>(</a:t>
+                      </a:r>
+                      <a:r>
+                        <a:rPr lang="ko-KR" altLang="en-US" sz="1200" dirty="0"/>
                         <a:t>단위</a:t>
                       </a:r>
                       <a:r>
-                        <a:rPr lang="en-US" altLang="ko-KR" dirty="0"/>
+                        <a:rPr lang="en-US" altLang="ko-KR" sz="1200" dirty="0"/>
                         <a:t>)</a:t>
                       </a:r>
-                      <a:endParaRPr lang="ko-KR" altLang="en-US" dirty="0"/>
-                    </a:p>
-                  </a:txBody>
-                  <a:tcPr/>
-                </a:tc>
-                <a:tc>
-                  <a:txBody>
-                    <a:bodyPr/>
-                    <a:lstStyle/>
-                    <a:p>
-                      <a:pPr latinLnBrk="1"/>
-                      <a:r>
-                        <a:rPr lang="ko-KR" altLang="en-US" dirty="0"/>
+                      <a:endParaRPr lang="ko-KR" altLang="en-US" sz="1200" dirty="0"/>
+                    </a:p>
+                    <a:p>
+                      <a:pPr algn="ctr" latinLnBrk="1"/>
+                      <a:endParaRPr lang="ko-KR" altLang="en-US" sz="1200" dirty="0"/>
+                    </a:p>
+                  </a:txBody>
+                  <a:tcPr/>
+                </a:tc>
+                <a:tc>
+                  <a:txBody>
+                    <a:bodyPr/>
+                    <a:lstStyle/>
+                    <a:p>
+                      <a:pPr algn="ctr" latinLnBrk="1"/>
+                      <a:r>
+                        <a:rPr lang="ko-KR" altLang="en-US" sz="1200" dirty="0"/>
                         <a:t>출고 일자</a:t>
                       </a:r>
                     </a:p>
@@ -9121,9 +11985,9 @@
                     <a:bodyPr/>
                     <a:lstStyle/>
                     <a:p>
-                      <a:pPr latinLnBrk="1"/>
-                      <a:r>
-                        <a:rPr lang="ko-KR" altLang="en-US" dirty="0"/>
+                      <a:pPr algn="ctr" latinLnBrk="1"/>
+                      <a:r>
+                        <a:rPr lang="ko-KR" altLang="en-US" sz="1200" dirty="0"/>
                         <a:t>제조사</a:t>
                       </a:r>
                     </a:p>
@@ -9135,8 +11999,8 @@
                     <a:bodyPr/>
                     <a:lstStyle/>
                     <a:p>
-                      <a:pPr latinLnBrk="1"/>
-                      <a:endParaRPr lang="ko-KR" altLang="en-US" dirty="0"/>
+                      <a:pPr algn="ctr" latinLnBrk="1"/>
+                      <a:endParaRPr lang="ko-KR" altLang="en-US" sz="1200" dirty="0"/>
                     </a:p>
                   </a:txBody>
                   <a:tcPr/>
@@ -9153,133 +12017,140 @@
                     <a:bodyPr/>
                     <a:lstStyle/>
                     <a:p>
-                      <a:pPr latinLnBrk="1"/>
-                      <a:endParaRPr lang="ko-KR" altLang="en-US" dirty="0">
-                        <a:highlight>
-                          <a:srgbClr val="FFFF00"/>
-                        </a:highlight>
-                      </a:endParaRPr>
-                    </a:p>
-                  </a:txBody>
-                  <a:tcPr/>
-                </a:tc>
-                <a:tc>
-                  <a:txBody>
-                    <a:bodyPr/>
-                    <a:lstStyle/>
-                    <a:p>
-                      <a:pPr latinLnBrk="1"/>
-                      <a:endParaRPr lang="ko-KR" altLang="en-US" dirty="0">
-                        <a:highlight>
-                          <a:srgbClr val="FFFF00"/>
-                        </a:highlight>
-                      </a:endParaRPr>
-                    </a:p>
-                  </a:txBody>
-                  <a:tcPr/>
-                </a:tc>
-                <a:tc>
-                  <a:txBody>
-                    <a:bodyPr/>
-                    <a:lstStyle/>
-                    <a:p>
-                      <a:pPr latinLnBrk="1"/>
-                      <a:endParaRPr lang="ko-KR" altLang="en-US" dirty="0">
-                        <a:highlight>
-                          <a:srgbClr val="FFFF00"/>
-                        </a:highlight>
-                      </a:endParaRPr>
-                    </a:p>
-                  </a:txBody>
-                  <a:tcPr/>
-                </a:tc>
-                <a:tc>
-                  <a:txBody>
-                    <a:bodyPr/>
-                    <a:lstStyle/>
-                    <a:p>
-                      <a:pPr latinLnBrk="1"/>
-                      <a:endParaRPr lang="ko-KR" altLang="en-US" dirty="0">
-                        <a:highlight>
-                          <a:srgbClr val="FFFF00"/>
-                        </a:highlight>
-                      </a:endParaRPr>
-                    </a:p>
-                  </a:txBody>
-                  <a:tcPr/>
-                </a:tc>
-                <a:tc>
-                  <a:txBody>
-                    <a:bodyPr/>
-                    <a:lstStyle/>
-                    <a:p>
-                      <a:pPr latinLnBrk="1"/>
-                      <a:r>
-                        <a:rPr lang="en-US" altLang="ko-KR" dirty="0"/>
+                      <a:pPr algn="ctr" latinLnBrk="1"/>
+                      <a:r>
+                        <a:rPr lang="en-US" altLang="ko-KR" sz="1200" dirty="0"/>
+                        <a:t>RW-20251020-001</a:t>
+                      </a:r>
+                      <a:endParaRPr lang="ko-KR" altLang="en-US" sz="1200" dirty="0"/>
+                    </a:p>
+                  </a:txBody>
+                  <a:tcPr/>
+                </a:tc>
+                <a:tc>
+                  <a:txBody>
+                    <a:bodyPr/>
+                    <a:lstStyle/>
+                    <a:p>
+                      <a:pPr algn="ctr" latinLnBrk="1"/>
+                      <a:r>
+                        <a:rPr lang="ko-KR" altLang="en-US" sz="1600" b="0" dirty="0" err="1"/>
+                        <a:t>매입처</a:t>
+                      </a:r>
+                      <a:r>
+                        <a:rPr lang="en-US" altLang="ko-KR" sz="1600" b="0" dirty="0"/>
+                        <a:t>A</a:t>
+                      </a:r>
+                      <a:endParaRPr lang="ko-KR" altLang="en-US" sz="1600" b="0" dirty="0"/>
+                    </a:p>
+                  </a:txBody>
+                  <a:tcPr/>
+                </a:tc>
+                <a:tc>
+                  <a:txBody>
+                    <a:bodyPr/>
+                    <a:lstStyle/>
+                    <a:p>
+                      <a:pPr algn="ctr" latinLnBrk="1"/>
+                      <a:r>
+                        <a:rPr lang="en-US" altLang="ko-KR" sz="1600" b="0" dirty="0"/>
+                        <a:t>KS M 6020</a:t>
+                      </a:r>
+                      <a:endParaRPr lang="ko-KR" altLang="en-US" sz="1600" b="0" dirty="0"/>
+                    </a:p>
+                  </a:txBody>
+                  <a:tcPr/>
+                </a:tc>
+                <a:tc>
+                  <a:txBody>
+                    <a:bodyPr/>
+                    <a:lstStyle/>
+                    <a:p>
+                      <a:pPr algn="ctr" latinLnBrk="1"/>
+                      <a:r>
+                        <a:rPr lang="ko-KR" altLang="en-US" sz="1600" b="0" dirty="0"/>
+                        <a:t>품목</a:t>
+                      </a:r>
+                      <a:r>
+                        <a:rPr lang="en-US" altLang="ko-KR" sz="1600" b="0" dirty="0"/>
+                        <a:t>A</a:t>
+                      </a:r>
+                      <a:endParaRPr lang="ko-KR" altLang="en-US" sz="1600" b="0" dirty="0"/>
+                    </a:p>
+                  </a:txBody>
+                  <a:tcPr/>
+                </a:tc>
+                <a:tc>
+                  <a:txBody>
+                    <a:bodyPr/>
+                    <a:lstStyle/>
+                    <a:p>
+                      <a:pPr algn="ctr" latinLnBrk="1"/>
+                      <a:r>
+                        <a:rPr lang="en-US" altLang="ko-KR" sz="1600" dirty="0"/>
+                        <a:t>20</a:t>
+                      </a:r>
+                      <a:endParaRPr lang="ko-KR" altLang="en-US" sz="1600" dirty="0"/>
+                    </a:p>
+                  </a:txBody>
+                  <a:tcPr/>
+                </a:tc>
+                <a:tc>
+                  <a:txBody>
+                    <a:bodyPr/>
+                    <a:lstStyle/>
+                    <a:p>
+                      <a:pPr algn="ctr" latinLnBrk="1"/>
+                      <a:r>
+                        <a:rPr lang="en-US" altLang="ko-KR" sz="1600" dirty="0"/>
+                        <a:t>Kg</a:t>
+                      </a:r>
+                      <a:endParaRPr lang="ko-KR" altLang="en-US" sz="1600" dirty="0"/>
+                    </a:p>
+                  </a:txBody>
+                  <a:tcPr/>
+                </a:tc>
+                <a:tc>
+                  <a:txBody>
+                    <a:bodyPr/>
+                    <a:lstStyle/>
+                    <a:p>
+                      <a:pPr algn="ctr" latinLnBrk="1"/>
+                      <a:r>
+                        <a:rPr lang="en-US" altLang="ko-KR" sz="1600" dirty="0"/>
                         <a:t>(</a:t>
                       </a:r>
                       <a:r>
-                        <a:rPr lang="ko-KR" altLang="en-US" dirty="0"/>
+                        <a:rPr lang="ko-KR" altLang="en-US" sz="1600" dirty="0"/>
                         <a:t>수정가능</a:t>
                       </a:r>
                       <a:r>
-                        <a:rPr lang="en-US" altLang="ko-KR" dirty="0"/>
+                        <a:rPr lang="en-US" altLang="ko-KR" sz="1600" dirty="0"/>
                         <a:t>)</a:t>
                       </a:r>
-                      <a:endParaRPr lang="ko-KR" altLang="en-US" dirty="0"/>
-                    </a:p>
-                  </a:txBody>
-                  <a:tcPr/>
-                </a:tc>
-                <a:tc>
-                  <a:txBody>
-                    <a:bodyPr/>
-                    <a:lstStyle/>
-                    <a:p>
-                      <a:pPr latinLnBrk="1"/>
-                      <a:r>
-                        <a:rPr lang="en-US" altLang="ko-KR" dirty="0"/>
-                        <a:t>(</a:t>
-                      </a:r>
-                      <a:r>
-                        <a:rPr lang="ko-KR" altLang="en-US" dirty="0"/>
-                        <a:t>수정가능</a:t>
-                      </a:r>
-                      <a:r>
-                        <a:rPr lang="en-US" altLang="ko-KR" dirty="0"/>
-                        <a:t>)</a:t>
-                      </a:r>
-                      <a:endParaRPr lang="ko-KR" altLang="en-US" dirty="0"/>
-                    </a:p>
-                  </a:txBody>
-                  <a:tcPr/>
-                </a:tc>
-                <a:tc>
-                  <a:txBody>
-                    <a:bodyPr/>
-                    <a:lstStyle/>
-                    <a:p>
-                      <a:pPr latinLnBrk="1"/>
-                      <a:endParaRPr lang="ko-KR" altLang="en-US" dirty="0">
-                        <a:highlight>
-                          <a:srgbClr val="FFFF00"/>
-                        </a:highlight>
-                      </a:endParaRPr>
-                    </a:p>
-                  </a:txBody>
-                  <a:tcPr/>
-                </a:tc>
-                <a:tc>
-                  <a:txBody>
-                    <a:bodyPr/>
-                    <a:lstStyle/>
-                    <a:p>
-                      <a:pPr latinLnBrk="1"/>
-                      <a:endParaRPr lang="ko-KR" altLang="en-US" dirty="0">
-                        <a:highlight>
-                          <a:srgbClr val="FFFF00"/>
-                        </a:highlight>
-                      </a:endParaRPr>
+                      <a:endParaRPr lang="ko-KR" altLang="en-US" sz="1600" dirty="0"/>
+                    </a:p>
+                  </a:txBody>
+                  <a:tcPr/>
+                </a:tc>
+                <a:tc>
+                  <a:txBody>
+                    <a:bodyPr/>
+                    <a:lstStyle/>
+                    <a:p>
+                      <a:pPr algn="ctr" latinLnBrk="1"/>
+                      <a:endParaRPr lang="ko-KR" altLang="en-US" sz="1600" dirty="0"/>
+                    </a:p>
+                  </a:txBody>
+                  <a:tcPr/>
+                </a:tc>
+                <a:tc>
+                  <a:txBody>
+                    <a:bodyPr/>
+                    <a:lstStyle/>
+                    <a:p>
+                      <a:pPr algn="ctr" latinLnBrk="1"/>
+                      <a:endParaRPr lang="ko-KR" altLang="en-US" sz="1600" dirty="0"/>
                     </a:p>
                   </a:txBody>
                   <a:tcPr/>
@@ -9290,123 +12161,134 @@
                   </a:ext>
                 </a:extLst>
               </a:tr>
-              <a:tr h="459377">
-                <a:tc>
-                  <a:txBody>
-                    <a:bodyPr/>
-                    <a:lstStyle/>
-                    <a:p>
-                      <a:pPr latinLnBrk="1"/>
-                      <a:endParaRPr lang="ko-KR" altLang="en-US" dirty="0">
-                        <a:highlight>
-                          <a:srgbClr val="FFFF00"/>
-                        </a:highlight>
-                      </a:endParaRPr>
-                    </a:p>
-                  </a:txBody>
-                  <a:tcPr/>
-                </a:tc>
-                <a:tc>
-                  <a:txBody>
-                    <a:bodyPr/>
-                    <a:lstStyle/>
-                    <a:p>
-                      <a:pPr latinLnBrk="1"/>
-                      <a:endParaRPr lang="ko-KR" altLang="en-US" dirty="0">
-                        <a:highlight>
-                          <a:srgbClr val="FFFF00"/>
-                        </a:highlight>
-                      </a:endParaRPr>
-                    </a:p>
-                  </a:txBody>
-                  <a:tcPr/>
-                </a:tc>
-                <a:tc>
-                  <a:txBody>
-                    <a:bodyPr/>
-                    <a:lstStyle/>
-                    <a:p>
-                      <a:pPr latinLnBrk="1"/>
-                      <a:endParaRPr lang="ko-KR" altLang="en-US" dirty="0">
-                        <a:highlight>
-                          <a:srgbClr val="FFFF00"/>
-                        </a:highlight>
-                      </a:endParaRPr>
-                    </a:p>
-                  </a:txBody>
-                  <a:tcPr/>
-                </a:tc>
-                <a:tc>
-                  <a:txBody>
-                    <a:bodyPr/>
-                    <a:lstStyle/>
-                    <a:p>
-                      <a:pPr latinLnBrk="1"/>
-                      <a:endParaRPr lang="ko-KR" altLang="en-US" dirty="0">
-                        <a:highlight>
-                          <a:srgbClr val="FFFF00"/>
-                        </a:highlight>
-                      </a:endParaRPr>
-                    </a:p>
-                  </a:txBody>
-                  <a:tcPr/>
-                </a:tc>
-                <a:tc>
-                  <a:txBody>
-                    <a:bodyPr/>
-                    <a:lstStyle/>
-                    <a:p>
-                      <a:pPr latinLnBrk="1"/>
-                      <a:endParaRPr lang="ko-KR" altLang="en-US" dirty="0">
-                        <a:highlight>
-                          <a:srgbClr val="FFFF00"/>
-                        </a:highlight>
-                      </a:endParaRPr>
-                    </a:p>
-                  </a:txBody>
-                  <a:tcPr/>
-                </a:tc>
-                <a:tc>
-                  <a:txBody>
-                    <a:bodyPr/>
-                    <a:lstStyle/>
-                    <a:p>
-                      <a:pPr latinLnBrk="1"/>
-                      <a:endParaRPr lang="ko-KR" altLang="en-US" dirty="0">
-                        <a:highlight>
-                          <a:srgbClr val="FFFF00"/>
-                        </a:highlight>
-                      </a:endParaRPr>
-                    </a:p>
-                  </a:txBody>
-                  <a:tcPr/>
-                </a:tc>
-                <a:tc>
-                  <a:txBody>
-                    <a:bodyPr/>
-                    <a:lstStyle/>
-                    <a:p>
-                      <a:pPr latinLnBrk="1"/>
-                      <a:endParaRPr lang="ko-KR" altLang="en-US">
-                        <a:highlight>
-                          <a:srgbClr val="FFFF00"/>
-                        </a:highlight>
-                      </a:endParaRPr>
-                    </a:p>
-                  </a:txBody>
-                  <a:tcPr/>
-                </a:tc>
-                <a:tc>
-                  <a:txBody>
-                    <a:bodyPr/>
-                    <a:lstStyle/>
-                    <a:p>
-                      <a:pPr latinLnBrk="1"/>
-                      <a:endParaRPr lang="ko-KR" altLang="en-US">
-                        <a:highlight>
-                          <a:srgbClr val="FFFF00"/>
-                        </a:highlight>
-                      </a:endParaRPr>
+              <a:tr h="463638">
+                <a:tc>
+                  <a:txBody>
+                    <a:bodyPr/>
+                    <a:lstStyle/>
+                    <a:p>
+                      <a:pPr algn="ctr" latinLnBrk="1"/>
+                      <a:r>
+                        <a:rPr lang="en-US" altLang="ko-KR" sz="1200" dirty="0"/>
+                        <a:t>RW-20251020-002</a:t>
+                      </a:r>
+                      <a:endParaRPr lang="ko-KR" altLang="en-US" sz="1200" dirty="0"/>
+                    </a:p>
+                  </a:txBody>
+                  <a:tcPr/>
+                </a:tc>
+                <a:tc>
+                  <a:txBody>
+                    <a:bodyPr/>
+                    <a:lstStyle/>
+                    <a:p>
+                      <a:pPr algn="ctr" latinLnBrk="1"/>
+                      <a:r>
+                        <a:rPr lang="ko-KR" altLang="en-US" sz="1600" b="0" dirty="0" err="1"/>
+                        <a:t>매입처</a:t>
+                      </a:r>
+                      <a:r>
+                        <a:rPr lang="en-US" altLang="ko-KR" sz="1600" b="0" dirty="0"/>
+                        <a:t>B</a:t>
+                      </a:r>
+                      <a:endParaRPr lang="ko-KR" altLang="en-US" sz="1600" b="0" dirty="0"/>
+                    </a:p>
+                  </a:txBody>
+                  <a:tcPr/>
+                </a:tc>
+                <a:tc>
+                  <a:txBody>
+                    <a:bodyPr/>
+                    <a:lstStyle/>
+                    <a:p>
+                      <a:pPr algn="ctr" latinLnBrk="1"/>
+                      <a:r>
+                        <a:rPr lang="en-US" altLang="ko-KR" sz="1600" b="0" dirty="0"/>
+                        <a:t>KS M 6021</a:t>
+                      </a:r>
+                      <a:endParaRPr lang="ko-KR" altLang="en-US" sz="1600" b="0" dirty="0"/>
+                    </a:p>
+                  </a:txBody>
+                  <a:tcPr/>
+                </a:tc>
+                <a:tc>
+                  <a:txBody>
+                    <a:bodyPr/>
+                    <a:lstStyle/>
+                    <a:p>
+                      <a:pPr algn="ctr" latinLnBrk="1"/>
+                      <a:r>
+                        <a:rPr lang="ko-KR" altLang="en-US" sz="1600" b="0" dirty="0"/>
+                        <a:t>품목</a:t>
+                      </a:r>
+                      <a:r>
+                        <a:rPr lang="en-US" altLang="ko-KR" sz="1600" b="0" dirty="0"/>
+                        <a:t>B</a:t>
+                      </a:r>
+                      <a:endParaRPr lang="ko-KR" altLang="en-US" sz="1600" b="0" dirty="0"/>
+                    </a:p>
+                  </a:txBody>
+                  <a:tcPr/>
+                </a:tc>
+                <a:tc>
+                  <a:txBody>
+                    <a:bodyPr/>
+                    <a:lstStyle/>
+                    <a:p>
+                      <a:pPr algn="ctr" latinLnBrk="1"/>
+                      <a:r>
+                        <a:rPr lang="en-US" altLang="ko-KR" sz="1600" dirty="0"/>
+                        <a:t>10</a:t>
+                      </a:r>
+                      <a:endParaRPr lang="ko-KR" altLang="en-US" sz="1600" dirty="0"/>
+                    </a:p>
+                  </a:txBody>
+                  <a:tcPr/>
+                </a:tc>
+                <a:tc>
+                  <a:txBody>
+                    <a:bodyPr/>
+                    <a:lstStyle/>
+                    <a:p>
+                      <a:pPr algn="ctr" latinLnBrk="1"/>
+                      <a:r>
+                        <a:rPr lang="en-US" altLang="ko-KR" sz="1600" dirty="0"/>
+                        <a:t>Kg</a:t>
+                      </a:r>
+                      <a:endParaRPr lang="ko-KR" altLang="en-US" sz="1600" dirty="0"/>
+                    </a:p>
+                  </a:txBody>
+                  <a:tcPr/>
+                </a:tc>
+                <a:tc>
+                  <a:txBody>
+                    <a:bodyPr/>
+                    <a:lstStyle/>
+                    <a:p>
+                      <a:pPr algn="ctr" latinLnBrk="1"/>
+                      <a:endParaRPr lang="ko-KR" altLang="en-US" sz="1600" dirty="0"/>
+                    </a:p>
+                  </a:txBody>
+                  <a:tcPr/>
+                </a:tc>
+                <a:tc>
+                  <a:txBody>
+                    <a:bodyPr/>
+                    <a:lstStyle/>
+                    <a:p>
+                      <a:pPr algn="ctr" latinLnBrk="1"/>
+                      <a:endParaRPr lang="ko-KR" altLang="en-US" sz="1600" dirty="0"/>
+                    </a:p>
+                  </a:txBody>
+                  <a:tcPr/>
+                </a:tc>
+                <a:tc>
+                  <a:txBody>
+                    <a:bodyPr/>
+                    <a:lstStyle/>
+                    <a:p>
+                      <a:pPr algn="ctr" latinLnBrk="1"/>
+                      <a:endParaRPr lang="ko-KR" altLang="en-US" sz="1600" dirty="0"/>
                     </a:p>
                   </a:txBody>
                   <a:tcPr/>
@@ -9423,117 +12305,128 @@
                     <a:bodyPr/>
                     <a:lstStyle/>
                     <a:p>
-                      <a:pPr latinLnBrk="1"/>
-                      <a:endParaRPr lang="ko-KR" altLang="en-US" dirty="0">
-                        <a:highlight>
-                          <a:srgbClr val="FFFF00"/>
-                        </a:highlight>
-                      </a:endParaRPr>
-                    </a:p>
-                  </a:txBody>
-                  <a:tcPr/>
-                </a:tc>
-                <a:tc>
-                  <a:txBody>
-                    <a:bodyPr/>
-                    <a:lstStyle/>
-                    <a:p>
-                      <a:pPr latinLnBrk="1"/>
-                      <a:endParaRPr lang="ko-KR" altLang="en-US" dirty="0">
-                        <a:highlight>
-                          <a:srgbClr val="FFFF00"/>
-                        </a:highlight>
-                      </a:endParaRPr>
-                    </a:p>
-                  </a:txBody>
-                  <a:tcPr/>
-                </a:tc>
-                <a:tc>
-                  <a:txBody>
-                    <a:bodyPr/>
-                    <a:lstStyle/>
-                    <a:p>
-                      <a:pPr latinLnBrk="1"/>
-                      <a:endParaRPr lang="ko-KR" altLang="en-US" dirty="0">
-                        <a:highlight>
-                          <a:srgbClr val="FFFF00"/>
-                        </a:highlight>
-                      </a:endParaRPr>
-                    </a:p>
-                  </a:txBody>
-                  <a:tcPr/>
-                </a:tc>
-                <a:tc>
-                  <a:txBody>
-                    <a:bodyPr/>
-                    <a:lstStyle/>
-                    <a:p>
-                      <a:pPr latinLnBrk="1"/>
-                      <a:endParaRPr lang="ko-KR" altLang="en-US" dirty="0">
-                        <a:highlight>
-                          <a:srgbClr val="FFFF00"/>
-                        </a:highlight>
-                      </a:endParaRPr>
-                    </a:p>
-                  </a:txBody>
-                  <a:tcPr/>
-                </a:tc>
-                <a:tc>
-                  <a:txBody>
-                    <a:bodyPr/>
-                    <a:lstStyle/>
-                    <a:p>
-                      <a:pPr latinLnBrk="1"/>
-                      <a:endParaRPr lang="ko-KR" altLang="en-US" dirty="0">
-                        <a:highlight>
-                          <a:srgbClr val="FFFF00"/>
-                        </a:highlight>
-                      </a:endParaRPr>
-                    </a:p>
-                  </a:txBody>
-                  <a:tcPr/>
-                </a:tc>
-                <a:tc>
-                  <a:txBody>
-                    <a:bodyPr/>
-                    <a:lstStyle/>
-                    <a:p>
-                      <a:pPr latinLnBrk="1"/>
-                      <a:endParaRPr lang="ko-KR" altLang="en-US" dirty="0">
-                        <a:highlight>
-                          <a:srgbClr val="FFFF00"/>
-                        </a:highlight>
-                      </a:endParaRPr>
-                    </a:p>
-                  </a:txBody>
-                  <a:tcPr/>
-                </a:tc>
-                <a:tc>
-                  <a:txBody>
-                    <a:bodyPr/>
-                    <a:lstStyle/>
-                    <a:p>
-                      <a:pPr latinLnBrk="1"/>
-                      <a:endParaRPr lang="ko-KR" altLang="en-US" dirty="0">
-                        <a:highlight>
-                          <a:srgbClr val="FFFF00"/>
-                        </a:highlight>
-                      </a:endParaRPr>
-                    </a:p>
-                  </a:txBody>
-                  <a:tcPr/>
-                </a:tc>
-                <a:tc>
-                  <a:txBody>
-                    <a:bodyPr/>
-                    <a:lstStyle/>
-                    <a:p>
-                      <a:pPr latinLnBrk="1"/>
-                      <a:endParaRPr lang="ko-KR" altLang="en-US" dirty="0">
-                        <a:highlight>
-                          <a:srgbClr val="FFFF00"/>
-                        </a:highlight>
-                      </a:endParaRPr>
+                      <a:pPr algn="ctr" latinLnBrk="1"/>
+                      <a:r>
+                        <a:rPr lang="en-US" altLang="ko-KR" sz="1200" dirty="0"/>
+                        <a:t>RW-20251020-003</a:t>
+                      </a:r>
+                      <a:endParaRPr lang="ko-KR" altLang="en-US" sz="1200" dirty="0"/>
+                    </a:p>
+                  </a:txBody>
+                  <a:tcPr/>
+                </a:tc>
+                <a:tc>
+                  <a:txBody>
+                    <a:bodyPr/>
+                    <a:lstStyle/>
+                    <a:p>
+                      <a:pPr algn="ctr" latinLnBrk="1"/>
+                      <a:r>
+                        <a:rPr lang="ko-KR" altLang="en-US" sz="1600" b="0" dirty="0" err="1"/>
+                        <a:t>매입처</a:t>
+                      </a:r>
+                      <a:r>
+                        <a:rPr lang="en-US" altLang="ko-KR" sz="1600" b="0" dirty="0"/>
+                        <a:t>C</a:t>
+                      </a:r>
+                      <a:endParaRPr lang="ko-KR" altLang="en-US" sz="1600" b="0" dirty="0"/>
+                    </a:p>
+                  </a:txBody>
+                  <a:tcPr/>
+                </a:tc>
+                <a:tc>
+                  <a:txBody>
+                    <a:bodyPr/>
+                    <a:lstStyle/>
+                    <a:p>
+                      <a:pPr algn="ctr" latinLnBrk="1"/>
+                      <a:r>
+                        <a:rPr lang="en-US" altLang="ko-KR" sz="1600" b="0" dirty="0"/>
+                        <a:t>KS M 6022</a:t>
+                      </a:r>
+                      <a:endParaRPr lang="ko-KR" altLang="en-US" sz="1600" b="0" dirty="0"/>
+                    </a:p>
+                  </a:txBody>
+                  <a:tcPr/>
+                </a:tc>
+                <a:tc>
+                  <a:txBody>
+                    <a:bodyPr/>
+                    <a:lstStyle/>
+                    <a:p>
+                      <a:pPr algn="ctr" latinLnBrk="1"/>
+                      <a:r>
+                        <a:rPr lang="ko-KR" altLang="en-US" sz="1600" b="0" dirty="0"/>
+                        <a:t>품목</a:t>
+                      </a:r>
+                      <a:r>
+                        <a:rPr lang="en-US" altLang="ko-KR" sz="1600" b="0" dirty="0"/>
+                        <a:t>C</a:t>
+                      </a:r>
+                      <a:endParaRPr lang="ko-KR" altLang="en-US" sz="1600" b="0" dirty="0"/>
+                    </a:p>
+                  </a:txBody>
+                  <a:tcPr/>
+                </a:tc>
+                <a:tc>
+                  <a:txBody>
+                    <a:bodyPr/>
+                    <a:lstStyle/>
+                    <a:p>
+                      <a:pPr algn="ctr" latinLnBrk="1"/>
+                      <a:r>
+                        <a:rPr lang="en-US" altLang="ko-KR" sz="1600" dirty="0"/>
+                        <a:t>50</a:t>
+                      </a:r>
+                      <a:endParaRPr lang="ko-KR" altLang="en-US" sz="1600" dirty="0"/>
+                    </a:p>
+                  </a:txBody>
+                  <a:tcPr/>
+                </a:tc>
+                <a:tc>
+                  <a:txBody>
+                    <a:bodyPr/>
+                    <a:lstStyle/>
+                    <a:p>
+                      <a:pPr algn="ctr" latinLnBrk="1"/>
+                      <a:r>
+                        <a:rPr lang="en-US" altLang="ko-KR" sz="1600" dirty="0"/>
+                        <a:t>Kg</a:t>
+                      </a:r>
+                      <a:endParaRPr lang="ko-KR" altLang="en-US" sz="1600" dirty="0"/>
+                    </a:p>
+                  </a:txBody>
+                  <a:tcPr/>
+                </a:tc>
+                <a:tc>
+                  <a:txBody>
+                    <a:bodyPr/>
+                    <a:lstStyle/>
+                    <a:p>
+                      <a:pPr algn="ctr" latinLnBrk="1"/>
+                      <a:endParaRPr lang="ko-KR" altLang="en-US" sz="1600" dirty="0"/>
+                    </a:p>
+                  </a:txBody>
+                  <a:tcPr/>
+                </a:tc>
+                <a:tc>
+                  <a:txBody>
+                    <a:bodyPr/>
+                    <a:lstStyle/>
+                    <a:p>
+                      <a:pPr algn="ctr" latinLnBrk="1"/>
+                      <a:endParaRPr lang="ko-KR" altLang="en-US" sz="1600" dirty="0"/>
+                    </a:p>
+                  </a:txBody>
+                  <a:tcPr/>
+                </a:tc>
+                <a:tc>
+                  <a:txBody>
+                    <a:bodyPr/>
+                    <a:lstStyle/>
+                    <a:p>
+                      <a:pPr algn="ctr" latinLnBrk="1"/>
+                      <a:endParaRPr lang="ko-KR" altLang="en-US" sz="1600" dirty="0"/>
                     </a:p>
                   </a:txBody>
                   <a:tcPr/>
@@ -9550,8 +12443,8 @@
                     <a:bodyPr/>
                     <a:lstStyle/>
                     <a:p>
-                      <a:pPr algn="l" latinLnBrk="1"/>
-                      <a:endParaRPr lang="ko-KR" altLang="en-US" dirty="0">
+                      <a:pPr algn="ctr" latinLnBrk="1"/>
+                      <a:endParaRPr lang="ko-KR" altLang="en-US" sz="1600" dirty="0">
                         <a:highlight>
                           <a:srgbClr val="FFFF00"/>
                         </a:highlight>
@@ -9565,8 +12458,8 @@
                     <a:bodyPr/>
                     <a:lstStyle/>
                     <a:p>
-                      <a:pPr algn="l" latinLnBrk="1"/>
-                      <a:endParaRPr lang="ko-KR" altLang="en-US" dirty="0">
+                      <a:pPr algn="ctr" latinLnBrk="1"/>
+                      <a:endParaRPr lang="ko-KR" altLang="en-US" sz="1600" dirty="0">
                         <a:highlight>
                           <a:srgbClr val="FFFF00"/>
                         </a:highlight>
@@ -9580,8 +12473,8 @@
                     <a:bodyPr/>
                     <a:lstStyle/>
                     <a:p>
-                      <a:pPr algn="l" latinLnBrk="1"/>
-                      <a:endParaRPr lang="ko-KR" altLang="en-US" dirty="0">
+                      <a:pPr algn="ctr" latinLnBrk="1"/>
+                      <a:endParaRPr lang="ko-KR" altLang="en-US" sz="1600" dirty="0">
                         <a:highlight>
                           <a:srgbClr val="FFFF00"/>
                         </a:highlight>
@@ -9595,8 +12488,8 @@
                     <a:bodyPr/>
                     <a:lstStyle/>
                     <a:p>
-                      <a:pPr algn="l" latinLnBrk="1"/>
-                      <a:endParaRPr lang="ko-KR" altLang="en-US" dirty="0">
+                      <a:pPr algn="ctr" latinLnBrk="1"/>
+                      <a:endParaRPr lang="ko-KR" altLang="en-US" sz="1600" dirty="0">
                         <a:highlight>
                           <a:srgbClr val="FFFF00"/>
                         </a:highlight>
@@ -9610,8 +12503,8 @@
                     <a:bodyPr/>
                     <a:lstStyle/>
                     <a:p>
-                      <a:pPr algn="l" latinLnBrk="1"/>
-                      <a:endParaRPr lang="ko-KR" altLang="en-US" dirty="0">
+                      <a:pPr algn="ctr" latinLnBrk="1"/>
+                      <a:endParaRPr lang="ko-KR" altLang="en-US" sz="1600" dirty="0">
                         <a:highlight>
                           <a:srgbClr val="FFFF00"/>
                         </a:highlight>
@@ -9625,8 +12518,8 @@
                     <a:bodyPr/>
                     <a:lstStyle/>
                     <a:p>
-                      <a:pPr algn="l" latinLnBrk="1"/>
-                      <a:endParaRPr lang="ko-KR" altLang="en-US" dirty="0">
+                      <a:pPr algn="ctr" latinLnBrk="1"/>
+                      <a:endParaRPr lang="ko-KR" altLang="en-US" sz="1600" dirty="0">
                         <a:highlight>
                           <a:srgbClr val="FFFF00"/>
                         </a:highlight>
@@ -9640,8 +12533,8 @@
                     <a:bodyPr/>
                     <a:lstStyle/>
                     <a:p>
-                      <a:pPr algn="l" latinLnBrk="1"/>
-                      <a:endParaRPr lang="ko-KR" altLang="en-US" dirty="0">
+                      <a:pPr algn="ctr" latinLnBrk="1"/>
+                      <a:endParaRPr lang="ko-KR" altLang="en-US" sz="1600" dirty="0">
                         <a:highlight>
                           <a:srgbClr val="FFFF00"/>
                         </a:highlight>
@@ -9655,8 +12548,23 @@
                     <a:bodyPr/>
                     <a:lstStyle/>
                     <a:p>
-                      <a:pPr algn="l" latinLnBrk="1"/>
-                      <a:endParaRPr lang="ko-KR" altLang="en-US" dirty="0">
+                      <a:pPr algn="ctr" latinLnBrk="1"/>
+                      <a:endParaRPr lang="ko-KR" altLang="en-US" sz="1600" dirty="0">
+                        <a:highlight>
+                          <a:srgbClr val="FFFF00"/>
+                        </a:highlight>
+                      </a:endParaRPr>
+                    </a:p>
+                  </a:txBody>
+                  <a:tcPr/>
+                </a:tc>
+                <a:tc>
+                  <a:txBody>
+                    <a:bodyPr/>
+                    <a:lstStyle/>
+                    <a:p>
+                      <a:pPr algn="ctr" latinLnBrk="1"/>
+                      <a:endParaRPr lang="ko-KR" altLang="en-US" sz="1600" dirty="0">
                         <a:highlight>
                           <a:srgbClr val="FFFF00"/>
                         </a:highlight>
@@ -9677,8 +12585,8 @@
                     <a:bodyPr/>
                     <a:lstStyle/>
                     <a:p>
-                      <a:pPr algn="l" latinLnBrk="1"/>
-                      <a:endParaRPr lang="ko-KR" altLang="en-US" dirty="0">
+                      <a:pPr algn="ctr" latinLnBrk="1"/>
+                      <a:endParaRPr lang="ko-KR" altLang="en-US" sz="1600" dirty="0">
                         <a:highlight>
                           <a:srgbClr val="FFFF00"/>
                         </a:highlight>
@@ -9692,8 +12600,8 @@
                     <a:bodyPr/>
                     <a:lstStyle/>
                     <a:p>
-                      <a:pPr algn="l" latinLnBrk="1"/>
-                      <a:endParaRPr lang="ko-KR" altLang="en-US" dirty="0">
+                      <a:pPr algn="ctr" latinLnBrk="1"/>
+                      <a:endParaRPr lang="ko-KR" altLang="en-US" sz="1600" dirty="0">
                         <a:highlight>
                           <a:srgbClr val="FFFF00"/>
                         </a:highlight>
@@ -9707,8 +12615,8 @@
                     <a:bodyPr/>
                     <a:lstStyle/>
                     <a:p>
-                      <a:pPr algn="l" latinLnBrk="1"/>
-                      <a:endParaRPr lang="ko-KR" altLang="en-US" dirty="0">
+                      <a:pPr algn="ctr" latinLnBrk="1"/>
+                      <a:endParaRPr lang="ko-KR" altLang="en-US" sz="1600" dirty="0">
                         <a:highlight>
                           <a:srgbClr val="FFFF00"/>
                         </a:highlight>
@@ -9722,8 +12630,8 @@
                     <a:bodyPr/>
                     <a:lstStyle/>
                     <a:p>
-                      <a:pPr algn="l" latinLnBrk="1"/>
-                      <a:endParaRPr lang="ko-KR" altLang="en-US" dirty="0">
+                      <a:pPr algn="ctr" latinLnBrk="1"/>
+                      <a:endParaRPr lang="ko-KR" altLang="en-US" sz="1600" dirty="0">
                         <a:highlight>
                           <a:srgbClr val="FFFF00"/>
                         </a:highlight>
@@ -9737,8 +12645,8 @@
                     <a:bodyPr/>
                     <a:lstStyle/>
                     <a:p>
-                      <a:pPr algn="l" latinLnBrk="1"/>
-                      <a:endParaRPr lang="ko-KR" altLang="en-US" dirty="0">
+                      <a:pPr algn="ctr" latinLnBrk="1"/>
+                      <a:endParaRPr lang="ko-KR" altLang="en-US" sz="1600" dirty="0">
                         <a:highlight>
                           <a:srgbClr val="FFFF00"/>
                         </a:highlight>
@@ -9752,8 +12660,8 @@
                     <a:bodyPr/>
                     <a:lstStyle/>
                     <a:p>
-                      <a:pPr algn="l" latinLnBrk="1"/>
-                      <a:endParaRPr lang="ko-KR" altLang="en-US" dirty="0">
+                      <a:pPr algn="ctr" latinLnBrk="1"/>
+                      <a:endParaRPr lang="ko-KR" altLang="en-US" sz="1600" dirty="0">
                         <a:highlight>
                           <a:srgbClr val="FFFF00"/>
                         </a:highlight>
@@ -9767,8 +12675,8 @@
                     <a:bodyPr/>
                     <a:lstStyle/>
                     <a:p>
-                      <a:pPr algn="l" latinLnBrk="1"/>
-                      <a:endParaRPr lang="ko-KR" altLang="en-US" dirty="0">
+                      <a:pPr algn="ctr" latinLnBrk="1"/>
+                      <a:endParaRPr lang="ko-KR" altLang="en-US" sz="1600" dirty="0">
                         <a:highlight>
                           <a:srgbClr val="FFFF00"/>
                         </a:highlight>
@@ -9782,8 +12690,23 @@
                     <a:bodyPr/>
                     <a:lstStyle/>
                     <a:p>
-                      <a:pPr algn="l" latinLnBrk="1"/>
-                      <a:endParaRPr lang="ko-KR" altLang="en-US" dirty="0">
+                      <a:pPr algn="ctr" latinLnBrk="1"/>
+                      <a:endParaRPr lang="ko-KR" altLang="en-US" sz="1600" dirty="0">
+                        <a:highlight>
+                          <a:srgbClr val="FFFF00"/>
+                        </a:highlight>
+                      </a:endParaRPr>
+                    </a:p>
+                  </a:txBody>
+                  <a:tcPr/>
+                </a:tc>
+                <a:tc>
+                  <a:txBody>
+                    <a:bodyPr/>
+                    <a:lstStyle/>
+                    <a:p>
+                      <a:pPr algn="ctr" latinLnBrk="1"/>
+                      <a:endParaRPr lang="ko-KR" altLang="en-US" sz="1600" dirty="0">
                         <a:highlight>
                           <a:srgbClr val="FFFF00"/>
                         </a:highlight>
@@ -9804,8 +12727,8 @@
                     <a:bodyPr/>
                     <a:lstStyle/>
                     <a:p>
-                      <a:pPr algn="l" latinLnBrk="1"/>
-                      <a:endParaRPr lang="ko-KR" altLang="en-US" dirty="0">
+                      <a:pPr algn="ctr" latinLnBrk="1"/>
+                      <a:endParaRPr lang="ko-KR" altLang="en-US" sz="1600" dirty="0">
                         <a:highlight>
                           <a:srgbClr val="FFFF00"/>
                         </a:highlight>
@@ -9819,8 +12742,8 @@
                     <a:bodyPr/>
                     <a:lstStyle/>
                     <a:p>
-                      <a:pPr algn="l" latinLnBrk="1"/>
-                      <a:endParaRPr lang="ko-KR" altLang="en-US" dirty="0">
+                      <a:pPr algn="ctr" latinLnBrk="1"/>
+                      <a:endParaRPr lang="ko-KR" altLang="en-US" sz="1600" dirty="0">
                         <a:highlight>
                           <a:srgbClr val="FFFF00"/>
                         </a:highlight>
@@ -9834,8 +12757,8 @@
                     <a:bodyPr/>
                     <a:lstStyle/>
                     <a:p>
-                      <a:pPr algn="l" latinLnBrk="1"/>
-                      <a:endParaRPr lang="ko-KR" altLang="en-US" dirty="0">
+                      <a:pPr algn="ctr" latinLnBrk="1"/>
+                      <a:endParaRPr lang="ko-KR" altLang="en-US" sz="1600" dirty="0">
                         <a:highlight>
                           <a:srgbClr val="FFFF00"/>
                         </a:highlight>
@@ -9849,8 +12772,8 @@
                     <a:bodyPr/>
                     <a:lstStyle/>
                     <a:p>
-                      <a:pPr algn="l" latinLnBrk="1"/>
-                      <a:endParaRPr lang="ko-KR" altLang="en-US" dirty="0">
+                      <a:pPr algn="ctr" latinLnBrk="1"/>
+                      <a:endParaRPr lang="ko-KR" altLang="en-US" sz="1600" dirty="0">
                         <a:highlight>
                           <a:srgbClr val="FFFF00"/>
                         </a:highlight>
@@ -9864,8 +12787,8 @@
                     <a:bodyPr/>
                     <a:lstStyle/>
                     <a:p>
-                      <a:pPr algn="l" latinLnBrk="1"/>
-                      <a:endParaRPr lang="ko-KR" altLang="en-US" dirty="0">
+                      <a:pPr algn="ctr" latinLnBrk="1"/>
+                      <a:endParaRPr lang="ko-KR" altLang="en-US" sz="1600" dirty="0">
                         <a:highlight>
                           <a:srgbClr val="FFFF00"/>
                         </a:highlight>
@@ -9879,8 +12802,8 @@
                     <a:bodyPr/>
                     <a:lstStyle/>
                     <a:p>
-                      <a:pPr algn="l" latinLnBrk="1"/>
-                      <a:endParaRPr lang="ko-KR" altLang="en-US" dirty="0">
+                      <a:pPr algn="ctr" latinLnBrk="1"/>
+                      <a:endParaRPr lang="ko-KR" altLang="en-US" sz="1600" dirty="0">
                         <a:highlight>
                           <a:srgbClr val="FFFF00"/>
                         </a:highlight>
@@ -9894,8 +12817,8 @@
                     <a:bodyPr/>
                     <a:lstStyle/>
                     <a:p>
-                      <a:pPr algn="l" latinLnBrk="1"/>
-                      <a:endParaRPr lang="ko-KR" altLang="en-US" dirty="0">
+                      <a:pPr algn="ctr" latinLnBrk="1"/>
+                      <a:endParaRPr lang="ko-KR" altLang="en-US" sz="1600" dirty="0">
                         <a:highlight>
                           <a:srgbClr val="FFFF00"/>
                         </a:highlight>
@@ -9909,8 +12832,23 @@
                     <a:bodyPr/>
                     <a:lstStyle/>
                     <a:p>
-                      <a:pPr algn="l" latinLnBrk="1"/>
-                      <a:endParaRPr lang="ko-KR" altLang="en-US" dirty="0">
+                      <a:pPr algn="ctr" latinLnBrk="1"/>
+                      <a:endParaRPr lang="ko-KR" altLang="en-US" sz="1600" dirty="0">
+                        <a:highlight>
+                          <a:srgbClr val="FFFF00"/>
+                        </a:highlight>
+                      </a:endParaRPr>
+                    </a:p>
+                  </a:txBody>
+                  <a:tcPr/>
+                </a:tc>
+                <a:tc>
+                  <a:txBody>
+                    <a:bodyPr/>
+                    <a:lstStyle/>
+                    <a:p>
+                      <a:pPr algn="ctr" latinLnBrk="1"/>
+                      <a:endParaRPr lang="ko-KR" altLang="en-US" sz="1600" dirty="0">
                         <a:highlight>
                           <a:srgbClr val="FFFF00"/>
                         </a:highlight>
@@ -9932,7 +12870,7 @@
                     <a:lstStyle/>
                     <a:p>
                       <a:pPr algn="l" latinLnBrk="1"/>
-                      <a:endParaRPr lang="ko-KR" altLang="en-US" dirty="0">
+                      <a:endParaRPr lang="ko-KR" altLang="en-US" sz="1600" dirty="0">
                         <a:highlight>
                           <a:srgbClr val="FFFF00"/>
                         </a:highlight>
@@ -9947,7 +12885,7 @@
                     <a:lstStyle/>
                     <a:p>
                       <a:pPr algn="l" latinLnBrk="1"/>
-                      <a:endParaRPr lang="ko-KR" altLang="en-US" dirty="0">
+                      <a:endParaRPr lang="ko-KR" altLang="en-US" sz="1600" dirty="0">
                         <a:highlight>
                           <a:srgbClr val="FFFF00"/>
                         </a:highlight>
@@ -9962,7 +12900,7 @@
                     <a:lstStyle/>
                     <a:p>
                       <a:pPr algn="l" latinLnBrk="1"/>
-                      <a:endParaRPr lang="ko-KR" altLang="en-US" dirty="0">
+                      <a:endParaRPr lang="ko-KR" altLang="en-US" sz="1600" dirty="0">
                         <a:highlight>
                           <a:srgbClr val="FFFF00"/>
                         </a:highlight>
@@ -9977,7 +12915,7 @@
                     <a:lstStyle/>
                     <a:p>
                       <a:pPr algn="l" latinLnBrk="1"/>
-                      <a:endParaRPr lang="ko-KR" altLang="en-US" dirty="0">
+                      <a:endParaRPr lang="ko-KR" altLang="en-US" sz="1600" dirty="0">
                         <a:highlight>
                           <a:srgbClr val="FFFF00"/>
                         </a:highlight>
@@ -9992,7 +12930,7 @@
                     <a:lstStyle/>
                     <a:p>
                       <a:pPr algn="l" latinLnBrk="1"/>
-                      <a:endParaRPr lang="ko-KR" altLang="en-US" dirty="0">
+                      <a:endParaRPr lang="ko-KR" altLang="en-US" sz="1600" dirty="0">
                         <a:highlight>
                           <a:srgbClr val="FFFF00"/>
                         </a:highlight>
@@ -10007,7 +12945,7 @@
                     <a:lstStyle/>
                     <a:p>
                       <a:pPr algn="l" latinLnBrk="1"/>
-                      <a:endParaRPr lang="ko-KR" altLang="en-US">
+                      <a:endParaRPr lang="ko-KR" altLang="en-US" sz="1600" dirty="0">
                         <a:highlight>
                           <a:srgbClr val="FFFF00"/>
                         </a:highlight>
@@ -10022,7 +12960,7 @@
                     <a:lstStyle/>
                     <a:p>
                       <a:pPr algn="l" latinLnBrk="1"/>
-                      <a:endParaRPr lang="ko-KR" altLang="en-US" dirty="0">
+                      <a:endParaRPr lang="ko-KR" altLang="en-US" sz="1600" dirty="0">
                         <a:highlight>
                           <a:srgbClr val="FFFF00"/>
                         </a:highlight>
@@ -10037,7 +12975,22 @@
                     <a:lstStyle/>
                     <a:p>
                       <a:pPr algn="l" latinLnBrk="1"/>
-                      <a:endParaRPr lang="ko-KR" altLang="en-US" dirty="0">
+                      <a:endParaRPr lang="ko-KR" altLang="en-US" sz="1600" dirty="0">
+                        <a:highlight>
+                          <a:srgbClr val="FFFF00"/>
+                        </a:highlight>
+                      </a:endParaRPr>
+                    </a:p>
+                  </a:txBody>
+                  <a:tcPr/>
+                </a:tc>
+                <a:tc>
+                  <a:txBody>
+                    <a:bodyPr/>
+                    <a:lstStyle/>
+                    <a:p>
+                      <a:pPr algn="l" latinLnBrk="1"/>
+                      <a:endParaRPr lang="ko-KR" altLang="en-US" sz="1600" dirty="0">
                         <a:highlight>
                           <a:srgbClr val="FFFF00"/>
                         </a:highlight>
@@ -10655,7 +13608,7 @@
         </p:nvSpPr>
         <p:spPr>
           <a:xfrm>
-            <a:off x="9745896" y="2719204"/>
+            <a:off x="9777700" y="2719204"/>
             <a:ext cx="458801" cy="182880"/>
           </a:xfrm>
           <a:prstGeom prst="roundRect">
@@ -10777,6 +13730,1012 @@
           </a:fontRef>
         </p:style>
       </p:cxnSp>
+      <p:sp>
+        <p:nvSpPr>
+          <p:cNvPr id="2" name="직사각형 1">
+            <a:extLst>
+              <a:ext uri="{FF2B5EF4-FFF2-40B4-BE49-F238E27FC236}">
+                <a16:creationId xmlns:a16="http://schemas.microsoft.com/office/drawing/2014/main" id="{C2624A8E-629E-504C-F5AA-527769A3EF4C}"/>
+              </a:ext>
+            </a:extLst>
+          </p:cNvPr>
+          <p:cNvSpPr/>
+          <p:nvPr/>
+        </p:nvSpPr>
+        <p:spPr>
+          <a:xfrm>
+            <a:off x="5251399" y="2603337"/>
+            <a:ext cx="1080695" cy="415415"/>
+          </a:xfrm>
+          <a:prstGeom prst="rect">
+            <a:avLst/>
+          </a:prstGeom>
+          <a:solidFill>
+            <a:schemeClr val="bg1"/>
+          </a:solidFill>
+        </p:spPr>
+        <p:style>
+          <a:lnRef idx="2">
+            <a:schemeClr val="accent1">
+              <a:shade val="15000"/>
+            </a:schemeClr>
+          </a:lnRef>
+          <a:fillRef idx="1">
+            <a:schemeClr val="accent1"/>
+          </a:fillRef>
+          <a:effectRef idx="0">
+            <a:schemeClr val="accent1"/>
+          </a:effectRef>
+          <a:fontRef idx="minor">
+            <a:schemeClr val="lt1"/>
+          </a:fontRef>
+        </p:style>
+        <p:txBody>
+          <a:bodyPr rtlCol="0" anchor="ctr"/>
+          <a:lstStyle/>
+          <a:p>
+            <a:pPr algn="ctr"/>
+            <a:r>
+              <a:rPr lang="en-US" altLang="ko-KR" dirty="0">
+                <a:solidFill>
+                  <a:schemeClr val="tx1"/>
+                </a:solidFill>
+              </a:rPr>
+              <a:t>20</a:t>
+            </a:r>
+            <a:endParaRPr lang="ko-KR" altLang="en-US" dirty="0">
+              <a:solidFill>
+                <a:schemeClr val="tx1"/>
+              </a:solidFill>
+            </a:endParaRPr>
+          </a:p>
+        </p:txBody>
+      </p:sp>
+      <p:sp>
+        <p:nvSpPr>
+          <p:cNvPr id="3" name="직사각형 2">
+            <a:extLst>
+              <a:ext uri="{FF2B5EF4-FFF2-40B4-BE49-F238E27FC236}">
+                <a16:creationId xmlns:a16="http://schemas.microsoft.com/office/drawing/2014/main" id="{977CDDE8-F1D6-0D90-C73A-A76FB043A181}"/>
+              </a:ext>
+            </a:extLst>
+          </p:cNvPr>
+          <p:cNvSpPr/>
+          <p:nvPr/>
+        </p:nvSpPr>
+        <p:spPr>
+          <a:xfrm>
+            <a:off x="6370572" y="2603337"/>
+            <a:ext cx="1183168" cy="415415"/>
+          </a:xfrm>
+          <a:prstGeom prst="rect">
+            <a:avLst/>
+          </a:prstGeom>
+          <a:solidFill>
+            <a:schemeClr val="bg1"/>
+          </a:solidFill>
+        </p:spPr>
+        <p:style>
+          <a:lnRef idx="2">
+            <a:schemeClr val="accent1">
+              <a:shade val="15000"/>
+            </a:schemeClr>
+          </a:lnRef>
+          <a:fillRef idx="1">
+            <a:schemeClr val="accent1"/>
+          </a:fillRef>
+          <a:effectRef idx="0">
+            <a:schemeClr val="accent1"/>
+          </a:effectRef>
+          <a:fontRef idx="minor">
+            <a:schemeClr val="lt1"/>
+          </a:fontRef>
+        </p:style>
+        <p:txBody>
+          <a:bodyPr rtlCol="0" anchor="ctr"/>
+          <a:lstStyle/>
+          <a:p>
+            <a:pPr algn="ctr"/>
+            <a:r>
+              <a:rPr lang="en-US" altLang="ko-KR" dirty="0">
+                <a:solidFill>
+                  <a:schemeClr val="tx1"/>
+                </a:solidFill>
+              </a:rPr>
+              <a:t>kg</a:t>
+            </a:r>
+            <a:endParaRPr lang="ko-KR" altLang="en-US" dirty="0">
+              <a:solidFill>
+                <a:schemeClr val="tx1"/>
+              </a:solidFill>
+            </a:endParaRPr>
+          </a:p>
+        </p:txBody>
+      </p:sp>
+      <p:sp>
+        <p:nvSpPr>
+          <p:cNvPr id="23" name="직사각형 22">
+            <a:extLst>
+              <a:ext uri="{FF2B5EF4-FFF2-40B4-BE49-F238E27FC236}">
+                <a16:creationId xmlns:a16="http://schemas.microsoft.com/office/drawing/2014/main" id="{5AF7157C-0B5C-9A8A-9E79-0C8ED050CF56}"/>
+              </a:ext>
+            </a:extLst>
+          </p:cNvPr>
+          <p:cNvSpPr/>
+          <p:nvPr/>
+        </p:nvSpPr>
+        <p:spPr>
+          <a:xfrm>
+            <a:off x="7603864" y="2580386"/>
+            <a:ext cx="1011897" cy="432523"/>
+          </a:xfrm>
+          <a:prstGeom prst="rect">
+            <a:avLst/>
+          </a:prstGeom>
+          <a:solidFill>
+            <a:schemeClr val="bg1"/>
+          </a:solidFill>
+        </p:spPr>
+        <p:style>
+          <a:lnRef idx="2">
+            <a:schemeClr val="accent1">
+              <a:shade val="15000"/>
+            </a:schemeClr>
+          </a:lnRef>
+          <a:fillRef idx="1">
+            <a:schemeClr val="accent1"/>
+          </a:fillRef>
+          <a:effectRef idx="0">
+            <a:schemeClr val="accent1"/>
+          </a:effectRef>
+          <a:fontRef idx="minor">
+            <a:schemeClr val="lt1"/>
+          </a:fontRef>
+        </p:style>
+        <p:txBody>
+          <a:bodyPr rtlCol="0" anchor="ctr"/>
+          <a:lstStyle/>
+          <a:p>
+            <a:r>
+              <a:rPr lang="en-US" altLang="ko-KR" sz="1000" dirty="0">
+                <a:solidFill>
+                  <a:schemeClr val="tx1"/>
+                </a:solidFill>
+              </a:rPr>
+              <a:t>2025.10.20</a:t>
+            </a:r>
+            <a:r>
+              <a:rPr lang="ko-KR" altLang="en-US" sz="1000" dirty="0">
+                <a:solidFill>
+                  <a:schemeClr val="tx1"/>
+                </a:solidFill>
+              </a:rPr>
+              <a:t>  </a:t>
+            </a:r>
+            <a:endParaRPr lang="en-US" altLang="ko-KR" sz="1000" dirty="0">
+              <a:solidFill>
+                <a:schemeClr val="tx1"/>
+              </a:solidFill>
+            </a:endParaRPr>
+          </a:p>
+        </p:txBody>
+      </p:sp>
+      <p:pic>
+        <p:nvPicPr>
+          <p:cNvPr id="25" name="그래픽 24" descr="월 단위 달력">
+            <a:extLst>
+              <a:ext uri="{FF2B5EF4-FFF2-40B4-BE49-F238E27FC236}">
+                <a16:creationId xmlns:a16="http://schemas.microsoft.com/office/drawing/2014/main" id="{2999B9C5-4805-15D3-2BF3-0E9775784C1D}"/>
+              </a:ext>
+            </a:extLst>
+          </p:cNvPr>
+          <p:cNvPicPr>
+            <a:picLocks noChangeAspect="1"/>
+          </p:cNvPicPr>
+          <p:nvPr/>
+        </p:nvPicPr>
+        <p:blipFill>
+          <a:blip r:embed="rId6">
+            <a:extLst>
+              <a:ext uri="{96DAC541-7B7A-43D3-8B79-37D633B846F1}">
+                <asvg:svgBlip xmlns:asvg="http://schemas.microsoft.com/office/drawing/2016/SVG/main" r:embed="rId7"/>
+              </a:ext>
+            </a:extLst>
+          </a:blip>
+          <a:stretch>
+            <a:fillRect/>
+          </a:stretch>
+        </p:blipFill>
+        <p:spPr>
+          <a:xfrm>
+            <a:off x="8330690" y="2667776"/>
+            <a:ext cx="244511" cy="244511"/>
+          </a:xfrm>
+          <a:prstGeom prst="rect">
+            <a:avLst/>
+          </a:prstGeom>
+        </p:spPr>
+      </p:pic>
+      <p:pic>
+        <p:nvPicPr>
+          <p:cNvPr id="27" name="그림 26">
+            <a:extLst>
+              <a:ext uri="{FF2B5EF4-FFF2-40B4-BE49-F238E27FC236}">
+                <a16:creationId xmlns:a16="http://schemas.microsoft.com/office/drawing/2014/main" id="{6728B6AB-D810-BAA1-5455-75F311C63978}"/>
+              </a:ext>
+            </a:extLst>
+          </p:cNvPr>
+          <p:cNvPicPr>
+            <a:picLocks noChangeAspect="1"/>
+          </p:cNvPicPr>
+          <p:nvPr/>
+        </p:nvPicPr>
+        <p:blipFill>
+          <a:blip r:embed="rId8"/>
+          <a:stretch>
+            <a:fillRect/>
+          </a:stretch>
+        </p:blipFill>
+        <p:spPr>
+          <a:xfrm>
+            <a:off x="7616732" y="3032085"/>
+            <a:ext cx="1905098" cy="2101958"/>
+          </a:xfrm>
+          <a:prstGeom prst="rect">
+            <a:avLst/>
+          </a:prstGeom>
+        </p:spPr>
+      </p:pic>
+      <p:sp>
+        <p:nvSpPr>
+          <p:cNvPr id="28" name="사각형: 둥근 모서리 27">
+            <a:extLst>
+              <a:ext uri="{FF2B5EF4-FFF2-40B4-BE49-F238E27FC236}">
+                <a16:creationId xmlns:a16="http://schemas.microsoft.com/office/drawing/2014/main" id="{99D4BA60-A322-AB7F-2B3D-725403C66D35}"/>
+              </a:ext>
+            </a:extLst>
+          </p:cNvPr>
+          <p:cNvSpPr/>
+          <p:nvPr/>
+        </p:nvSpPr>
+        <p:spPr>
+          <a:xfrm>
+            <a:off x="10772890" y="3505106"/>
+            <a:ext cx="604090" cy="392306"/>
+          </a:xfrm>
+          <a:prstGeom prst="roundRect">
+            <a:avLst/>
+          </a:prstGeom>
+        </p:spPr>
+        <p:style>
+          <a:lnRef idx="2">
+            <a:schemeClr val="accent1">
+              <a:shade val="15000"/>
+            </a:schemeClr>
+          </a:lnRef>
+          <a:fillRef idx="1">
+            <a:schemeClr val="accent1"/>
+          </a:fillRef>
+          <a:effectRef idx="0">
+            <a:schemeClr val="accent1"/>
+          </a:effectRef>
+          <a:fontRef idx="minor">
+            <a:schemeClr val="lt1"/>
+          </a:fontRef>
+        </p:style>
+        <p:txBody>
+          <a:bodyPr rtlCol="0" anchor="ctr"/>
+          <a:lstStyle/>
+          <a:p>
+            <a:pPr algn="ctr"/>
+            <a:r>
+              <a:rPr lang="ko-KR" altLang="en-US" sz="1000" dirty="0"/>
+              <a:t>완료</a:t>
+            </a:r>
+          </a:p>
+        </p:txBody>
+      </p:sp>
+      <p:cxnSp>
+        <p:nvCxnSpPr>
+          <p:cNvPr id="29" name="직선 화살표 연결선 28">
+            <a:extLst>
+              <a:ext uri="{FF2B5EF4-FFF2-40B4-BE49-F238E27FC236}">
+                <a16:creationId xmlns:a16="http://schemas.microsoft.com/office/drawing/2014/main" id="{DF41EDC7-0191-5253-09AD-DF031424637B}"/>
+              </a:ext>
+            </a:extLst>
+          </p:cNvPr>
+          <p:cNvCxnSpPr/>
+          <p:nvPr/>
+        </p:nvCxnSpPr>
+        <p:spPr>
+          <a:xfrm>
+            <a:off x="10106593" y="2975639"/>
+            <a:ext cx="666297" cy="529467"/>
+          </a:xfrm>
+          <a:prstGeom prst="straightConnector1">
+            <a:avLst/>
+          </a:prstGeom>
+          <a:ln>
+            <a:tailEnd type="triangle"/>
+          </a:ln>
+        </p:spPr>
+        <p:style>
+          <a:lnRef idx="1">
+            <a:schemeClr val="accent1"/>
+          </a:lnRef>
+          <a:fillRef idx="0">
+            <a:schemeClr val="accent1"/>
+          </a:fillRef>
+          <a:effectRef idx="0">
+            <a:schemeClr val="accent1"/>
+          </a:effectRef>
+          <a:fontRef idx="minor">
+            <a:schemeClr val="tx1"/>
+          </a:fontRef>
+        </p:style>
+      </p:cxnSp>
+      <p:cxnSp>
+        <p:nvCxnSpPr>
+          <p:cNvPr id="30" name="직선 화살표 연결선 29">
+            <a:extLst>
+              <a:ext uri="{FF2B5EF4-FFF2-40B4-BE49-F238E27FC236}">
+                <a16:creationId xmlns:a16="http://schemas.microsoft.com/office/drawing/2014/main" id="{8C6B70F8-9155-0A48-FAE8-AB122226B268}"/>
+              </a:ext>
+            </a:extLst>
+          </p:cNvPr>
+          <p:cNvCxnSpPr/>
+          <p:nvPr/>
+        </p:nvCxnSpPr>
+        <p:spPr>
+          <a:xfrm flipH="1" flipV="1">
+            <a:off x="10106593" y="2975639"/>
+            <a:ext cx="666297" cy="529467"/>
+          </a:xfrm>
+          <a:prstGeom prst="straightConnector1">
+            <a:avLst/>
+          </a:prstGeom>
+          <a:ln>
+            <a:tailEnd type="triangle"/>
+          </a:ln>
+        </p:spPr>
+        <p:style>
+          <a:lnRef idx="1">
+            <a:schemeClr val="accent1"/>
+          </a:lnRef>
+          <a:fillRef idx="0">
+            <a:schemeClr val="accent1"/>
+          </a:fillRef>
+          <a:effectRef idx="0">
+            <a:schemeClr val="accent1"/>
+          </a:effectRef>
+          <a:fontRef idx="minor">
+            <a:schemeClr val="tx1"/>
+          </a:fontRef>
+        </p:style>
+      </p:cxnSp>
+      <p:sp>
+        <p:nvSpPr>
+          <p:cNvPr id="31" name="타원 30">
+            <a:extLst>
+              <a:ext uri="{FF2B5EF4-FFF2-40B4-BE49-F238E27FC236}">
+                <a16:creationId xmlns:a16="http://schemas.microsoft.com/office/drawing/2014/main" id="{B938E50D-58A1-8086-3312-9359D68925DA}"/>
+              </a:ext>
+            </a:extLst>
+          </p:cNvPr>
+          <p:cNvSpPr/>
+          <p:nvPr/>
+        </p:nvSpPr>
+        <p:spPr>
+          <a:xfrm>
+            <a:off x="9290635" y="1712833"/>
+            <a:ext cx="244929" cy="224398"/>
+          </a:xfrm>
+          <a:prstGeom prst="ellipse">
+            <a:avLst/>
+          </a:prstGeom>
+          <a:solidFill>
+            <a:srgbClr val="FFFF00"/>
+          </a:solidFill>
+        </p:spPr>
+        <p:style>
+          <a:lnRef idx="2">
+            <a:schemeClr val="accent1">
+              <a:shade val="15000"/>
+            </a:schemeClr>
+          </a:lnRef>
+          <a:fillRef idx="1">
+            <a:schemeClr val="accent1"/>
+          </a:fillRef>
+          <a:effectRef idx="0">
+            <a:schemeClr val="accent1"/>
+          </a:effectRef>
+          <a:fontRef idx="minor">
+            <a:schemeClr val="lt1"/>
+          </a:fontRef>
+        </p:style>
+        <p:txBody>
+          <a:bodyPr rtlCol="0" anchor="ctr"/>
+          <a:lstStyle/>
+          <a:p>
+            <a:pPr algn="ctr"/>
+            <a:r>
+              <a:rPr lang="en-US" altLang="ko-KR" dirty="0">
+                <a:solidFill>
+                  <a:schemeClr val="tx1"/>
+                </a:solidFill>
+              </a:rPr>
+              <a:t>1</a:t>
+            </a:r>
+            <a:endParaRPr lang="ko-KR" altLang="en-US" dirty="0">
+              <a:solidFill>
+                <a:schemeClr val="tx1"/>
+              </a:solidFill>
+            </a:endParaRPr>
+          </a:p>
+        </p:txBody>
+      </p:sp>
+      <p:sp>
+        <p:nvSpPr>
+          <p:cNvPr id="32" name="타원 31">
+            <a:extLst>
+              <a:ext uri="{FF2B5EF4-FFF2-40B4-BE49-F238E27FC236}">
+                <a16:creationId xmlns:a16="http://schemas.microsoft.com/office/drawing/2014/main" id="{1EB5CE0B-03C1-2148-C384-FD9A162EDEAE}"/>
+              </a:ext>
+            </a:extLst>
+          </p:cNvPr>
+          <p:cNvSpPr/>
+          <p:nvPr/>
+        </p:nvSpPr>
+        <p:spPr>
+          <a:xfrm>
+            <a:off x="10843014" y="1701978"/>
+            <a:ext cx="244929" cy="224398"/>
+          </a:xfrm>
+          <a:prstGeom prst="ellipse">
+            <a:avLst/>
+          </a:prstGeom>
+          <a:solidFill>
+            <a:srgbClr val="FFFF00"/>
+          </a:solidFill>
+        </p:spPr>
+        <p:style>
+          <a:lnRef idx="2">
+            <a:schemeClr val="accent1">
+              <a:shade val="15000"/>
+            </a:schemeClr>
+          </a:lnRef>
+          <a:fillRef idx="1">
+            <a:schemeClr val="accent1"/>
+          </a:fillRef>
+          <a:effectRef idx="0">
+            <a:schemeClr val="accent1"/>
+          </a:effectRef>
+          <a:fontRef idx="minor">
+            <a:schemeClr val="lt1"/>
+          </a:fontRef>
+        </p:style>
+        <p:txBody>
+          <a:bodyPr rtlCol="0" anchor="ctr"/>
+          <a:lstStyle/>
+          <a:p>
+            <a:pPr algn="ctr"/>
+            <a:r>
+              <a:rPr lang="en-US" altLang="ko-KR" dirty="0">
+                <a:solidFill>
+                  <a:schemeClr val="tx1"/>
+                </a:solidFill>
+              </a:rPr>
+              <a:t>2</a:t>
+            </a:r>
+            <a:endParaRPr lang="ko-KR" altLang="en-US" dirty="0">
+              <a:solidFill>
+                <a:schemeClr val="tx1"/>
+              </a:solidFill>
+            </a:endParaRPr>
+          </a:p>
+        </p:txBody>
+      </p:sp>
+      <p:sp>
+        <p:nvSpPr>
+          <p:cNvPr id="33" name="타원 32">
+            <a:extLst>
+              <a:ext uri="{FF2B5EF4-FFF2-40B4-BE49-F238E27FC236}">
+                <a16:creationId xmlns:a16="http://schemas.microsoft.com/office/drawing/2014/main" id="{258EA285-3EF7-EC81-50DD-7186E04EE264}"/>
+              </a:ext>
+            </a:extLst>
+          </p:cNvPr>
+          <p:cNvSpPr/>
+          <p:nvPr/>
+        </p:nvSpPr>
+        <p:spPr>
+          <a:xfrm>
+            <a:off x="6056162" y="2683537"/>
+            <a:ext cx="244929" cy="224398"/>
+          </a:xfrm>
+          <a:prstGeom prst="ellipse">
+            <a:avLst/>
+          </a:prstGeom>
+          <a:solidFill>
+            <a:srgbClr val="FFFF00"/>
+          </a:solidFill>
+        </p:spPr>
+        <p:style>
+          <a:lnRef idx="2">
+            <a:schemeClr val="accent1">
+              <a:shade val="15000"/>
+            </a:schemeClr>
+          </a:lnRef>
+          <a:fillRef idx="1">
+            <a:schemeClr val="accent1"/>
+          </a:fillRef>
+          <a:effectRef idx="0">
+            <a:schemeClr val="accent1"/>
+          </a:effectRef>
+          <a:fontRef idx="minor">
+            <a:schemeClr val="lt1"/>
+          </a:fontRef>
+        </p:style>
+        <p:txBody>
+          <a:bodyPr rtlCol="0" anchor="ctr"/>
+          <a:lstStyle/>
+          <a:p>
+            <a:pPr algn="ctr"/>
+            <a:r>
+              <a:rPr lang="en-US" altLang="ko-KR" dirty="0">
+                <a:solidFill>
+                  <a:schemeClr val="tx1"/>
+                </a:solidFill>
+              </a:rPr>
+              <a:t>3</a:t>
+            </a:r>
+            <a:endParaRPr lang="ko-KR" altLang="en-US" dirty="0">
+              <a:solidFill>
+                <a:schemeClr val="tx1"/>
+              </a:solidFill>
+            </a:endParaRPr>
+          </a:p>
+        </p:txBody>
+      </p:sp>
+      <p:sp>
+        <p:nvSpPr>
+          <p:cNvPr id="34" name="타원 33">
+            <a:extLst>
+              <a:ext uri="{FF2B5EF4-FFF2-40B4-BE49-F238E27FC236}">
+                <a16:creationId xmlns:a16="http://schemas.microsoft.com/office/drawing/2014/main" id="{1C06CACB-A6BC-07AC-AAF5-27877616BAB5}"/>
+              </a:ext>
+            </a:extLst>
+          </p:cNvPr>
+          <p:cNvSpPr/>
+          <p:nvPr/>
+        </p:nvSpPr>
+        <p:spPr>
+          <a:xfrm>
+            <a:off x="7292967" y="2677832"/>
+            <a:ext cx="244929" cy="224398"/>
+          </a:xfrm>
+          <a:prstGeom prst="ellipse">
+            <a:avLst/>
+          </a:prstGeom>
+          <a:solidFill>
+            <a:srgbClr val="FFFF00"/>
+          </a:solidFill>
+        </p:spPr>
+        <p:style>
+          <a:lnRef idx="2">
+            <a:schemeClr val="accent1">
+              <a:shade val="15000"/>
+            </a:schemeClr>
+          </a:lnRef>
+          <a:fillRef idx="1">
+            <a:schemeClr val="accent1"/>
+          </a:fillRef>
+          <a:effectRef idx="0">
+            <a:schemeClr val="accent1"/>
+          </a:effectRef>
+          <a:fontRef idx="minor">
+            <a:schemeClr val="lt1"/>
+          </a:fontRef>
+        </p:style>
+        <p:txBody>
+          <a:bodyPr rtlCol="0" anchor="ctr"/>
+          <a:lstStyle/>
+          <a:p>
+            <a:pPr algn="ctr"/>
+            <a:r>
+              <a:rPr lang="en-US" altLang="ko-KR" dirty="0">
+                <a:solidFill>
+                  <a:schemeClr val="tx1"/>
+                </a:solidFill>
+              </a:rPr>
+              <a:t>4</a:t>
+            </a:r>
+            <a:endParaRPr lang="ko-KR" altLang="en-US" dirty="0">
+              <a:solidFill>
+                <a:schemeClr val="tx1"/>
+              </a:solidFill>
+            </a:endParaRPr>
+          </a:p>
+        </p:txBody>
+      </p:sp>
+      <p:sp>
+        <p:nvSpPr>
+          <p:cNvPr id="35" name="타원 34">
+            <a:extLst>
+              <a:ext uri="{FF2B5EF4-FFF2-40B4-BE49-F238E27FC236}">
+                <a16:creationId xmlns:a16="http://schemas.microsoft.com/office/drawing/2014/main" id="{97121FB1-65AB-3C43-D063-3587B12771A5}"/>
+              </a:ext>
+            </a:extLst>
+          </p:cNvPr>
+          <p:cNvSpPr/>
+          <p:nvPr/>
+        </p:nvSpPr>
+        <p:spPr>
+          <a:xfrm>
+            <a:off x="8612374" y="2676191"/>
+            <a:ext cx="244929" cy="224398"/>
+          </a:xfrm>
+          <a:prstGeom prst="ellipse">
+            <a:avLst/>
+          </a:prstGeom>
+          <a:solidFill>
+            <a:srgbClr val="FFFF00"/>
+          </a:solidFill>
+        </p:spPr>
+        <p:style>
+          <a:lnRef idx="2">
+            <a:schemeClr val="accent1">
+              <a:shade val="15000"/>
+            </a:schemeClr>
+          </a:lnRef>
+          <a:fillRef idx="1">
+            <a:schemeClr val="accent1"/>
+          </a:fillRef>
+          <a:effectRef idx="0">
+            <a:schemeClr val="accent1"/>
+          </a:effectRef>
+          <a:fontRef idx="minor">
+            <a:schemeClr val="lt1"/>
+          </a:fontRef>
+        </p:style>
+        <p:txBody>
+          <a:bodyPr rtlCol="0" anchor="ctr"/>
+          <a:lstStyle/>
+          <a:p>
+            <a:pPr algn="ctr"/>
+            <a:r>
+              <a:rPr lang="en-US" altLang="ko-KR" dirty="0">
+                <a:solidFill>
+                  <a:schemeClr val="tx1"/>
+                </a:solidFill>
+              </a:rPr>
+              <a:t>5</a:t>
+            </a:r>
+            <a:endParaRPr lang="ko-KR" altLang="en-US" dirty="0">
+              <a:solidFill>
+                <a:schemeClr val="tx1"/>
+              </a:solidFill>
+            </a:endParaRPr>
+          </a:p>
+        </p:txBody>
+      </p:sp>
+      <p:sp>
+        <p:nvSpPr>
+          <p:cNvPr id="36" name="타원 35">
+            <a:extLst>
+              <a:ext uri="{FF2B5EF4-FFF2-40B4-BE49-F238E27FC236}">
+                <a16:creationId xmlns:a16="http://schemas.microsoft.com/office/drawing/2014/main" id="{77286A4E-4117-0426-BD52-B89A1A183A3B}"/>
+              </a:ext>
+            </a:extLst>
+          </p:cNvPr>
+          <p:cNvSpPr/>
+          <p:nvPr/>
+        </p:nvSpPr>
+        <p:spPr>
+          <a:xfrm>
+            <a:off x="9875577" y="2492203"/>
+            <a:ext cx="244929" cy="224398"/>
+          </a:xfrm>
+          <a:prstGeom prst="ellipse">
+            <a:avLst/>
+          </a:prstGeom>
+          <a:solidFill>
+            <a:srgbClr val="FFFF00"/>
+          </a:solidFill>
+        </p:spPr>
+        <p:style>
+          <a:lnRef idx="2">
+            <a:schemeClr val="accent1">
+              <a:shade val="15000"/>
+            </a:schemeClr>
+          </a:lnRef>
+          <a:fillRef idx="1">
+            <a:schemeClr val="accent1"/>
+          </a:fillRef>
+          <a:effectRef idx="0">
+            <a:schemeClr val="accent1"/>
+          </a:effectRef>
+          <a:fontRef idx="minor">
+            <a:schemeClr val="lt1"/>
+          </a:fontRef>
+        </p:style>
+        <p:txBody>
+          <a:bodyPr rtlCol="0" anchor="ctr"/>
+          <a:lstStyle/>
+          <a:p>
+            <a:pPr algn="ctr"/>
+            <a:r>
+              <a:rPr lang="en-US" altLang="ko-KR" dirty="0">
+                <a:solidFill>
+                  <a:schemeClr val="tx1"/>
+                </a:solidFill>
+              </a:rPr>
+              <a:t>6</a:t>
+            </a:r>
+            <a:endParaRPr lang="ko-KR" altLang="en-US" dirty="0">
+              <a:solidFill>
+                <a:schemeClr val="tx1"/>
+              </a:solidFill>
+            </a:endParaRPr>
+          </a:p>
+        </p:txBody>
+      </p:sp>
+      <p:sp>
+        <p:nvSpPr>
+          <p:cNvPr id="37" name="타원 36">
+            <a:extLst>
+              <a:ext uri="{FF2B5EF4-FFF2-40B4-BE49-F238E27FC236}">
+                <a16:creationId xmlns:a16="http://schemas.microsoft.com/office/drawing/2014/main" id="{11EC3D6A-14FF-DB62-CD80-878800F0FFB9}"/>
+              </a:ext>
+            </a:extLst>
+          </p:cNvPr>
+          <p:cNvSpPr/>
+          <p:nvPr/>
+        </p:nvSpPr>
+        <p:spPr>
+          <a:xfrm>
+            <a:off x="10416596" y="2504266"/>
+            <a:ext cx="244929" cy="224398"/>
+          </a:xfrm>
+          <a:prstGeom prst="ellipse">
+            <a:avLst/>
+          </a:prstGeom>
+          <a:solidFill>
+            <a:srgbClr val="FFFF00"/>
+          </a:solidFill>
+        </p:spPr>
+        <p:style>
+          <a:lnRef idx="2">
+            <a:schemeClr val="accent1">
+              <a:shade val="15000"/>
+            </a:schemeClr>
+          </a:lnRef>
+          <a:fillRef idx="1">
+            <a:schemeClr val="accent1"/>
+          </a:fillRef>
+          <a:effectRef idx="0">
+            <a:schemeClr val="accent1"/>
+          </a:effectRef>
+          <a:fontRef idx="minor">
+            <a:schemeClr val="lt1"/>
+          </a:fontRef>
+        </p:style>
+        <p:txBody>
+          <a:bodyPr rtlCol="0" anchor="ctr"/>
+          <a:lstStyle/>
+          <a:p>
+            <a:pPr algn="ctr"/>
+            <a:r>
+              <a:rPr lang="en-US" altLang="ko-KR" dirty="0">
+                <a:solidFill>
+                  <a:schemeClr val="tx1"/>
+                </a:solidFill>
+              </a:rPr>
+              <a:t>7</a:t>
+            </a:r>
+            <a:endParaRPr lang="ko-KR" altLang="en-US" dirty="0">
+              <a:solidFill>
+                <a:schemeClr val="tx1"/>
+              </a:solidFill>
+            </a:endParaRPr>
+          </a:p>
+        </p:txBody>
+      </p:sp>
+      <p:sp>
+        <p:nvSpPr>
+          <p:cNvPr id="44" name="사각형: 둥근 모서리 43">
+            <a:extLst>
+              <a:ext uri="{FF2B5EF4-FFF2-40B4-BE49-F238E27FC236}">
+                <a16:creationId xmlns:a16="http://schemas.microsoft.com/office/drawing/2014/main" id="{595522DA-46C1-7230-A5EE-FDEC33C7E9CB}"/>
+              </a:ext>
+            </a:extLst>
+          </p:cNvPr>
+          <p:cNvSpPr/>
+          <p:nvPr/>
+        </p:nvSpPr>
+        <p:spPr>
+          <a:xfrm>
+            <a:off x="9754468" y="3451491"/>
+            <a:ext cx="458801" cy="182880"/>
+          </a:xfrm>
+          <a:prstGeom prst="roundRect">
+            <a:avLst/>
+          </a:prstGeom>
+        </p:spPr>
+        <p:style>
+          <a:lnRef idx="2">
+            <a:schemeClr val="accent1">
+              <a:shade val="15000"/>
+            </a:schemeClr>
+          </a:lnRef>
+          <a:fillRef idx="1">
+            <a:schemeClr val="accent1"/>
+          </a:fillRef>
+          <a:effectRef idx="0">
+            <a:schemeClr val="accent1"/>
+          </a:effectRef>
+          <a:fontRef idx="minor">
+            <a:schemeClr val="lt1"/>
+          </a:fontRef>
+        </p:style>
+        <p:txBody>
+          <a:bodyPr rtlCol="0" anchor="ctr"/>
+          <a:lstStyle/>
+          <a:p>
+            <a:pPr algn="ctr"/>
+            <a:r>
+              <a:rPr lang="ko-KR" altLang="en-US" sz="1000" dirty="0"/>
+              <a:t>수정</a:t>
+            </a:r>
+          </a:p>
+        </p:txBody>
+      </p:sp>
+      <p:sp>
+        <p:nvSpPr>
+          <p:cNvPr id="45" name="사각형: 둥근 모서리 44">
+            <a:extLst>
+              <a:ext uri="{FF2B5EF4-FFF2-40B4-BE49-F238E27FC236}">
+                <a16:creationId xmlns:a16="http://schemas.microsoft.com/office/drawing/2014/main" id="{06C407DA-CCCD-3BFA-8E66-79B02B22BDF5}"/>
+              </a:ext>
+            </a:extLst>
+          </p:cNvPr>
+          <p:cNvSpPr/>
+          <p:nvPr/>
+        </p:nvSpPr>
+        <p:spPr>
+          <a:xfrm>
+            <a:off x="10282750" y="3451492"/>
+            <a:ext cx="458801" cy="182880"/>
+          </a:xfrm>
+          <a:prstGeom prst="roundRect">
+            <a:avLst/>
+          </a:prstGeom>
+        </p:spPr>
+        <p:style>
+          <a:lnRef idx="2">
+            <a:schemeClr val="accent1">
+              <a:shade val="15000"/>
+            </a:schemeClr>
+          </a:lnRef>
+          <a:fillRef idx="1">
+            <a:schemeClr val="accent1"/>
+          </a:fillRef>
+          <a:effectRef idx="0">
+            <a:schemeClr val="accent1"/>
+          </a:effectRef>
+          <a:fontRef idx="minor">
+            <a:schemeClr val="lt1"/>
+          </a:fontRef>
+        </p:style>
+        <p:txBody>
+          <a:bodyPr rtlCol="0" anchor="ctr"/>
+          <a:lstStyle/>
+          <a:p>
+            <a:pPr algn="ctr"/>
+            <a:r>
+              <a:rPr lang="ko-KR" altLang="en-US" sz="1000" dirty="0"/>
+              <a:t>삭제</a:t>
+            </a:r>
+          </a:p>
+        </p:txBody>
+      </p:sp>
+      <p:sp>
+        <p:nvSpPr>
+          <p:cNvPr id="46" name="사각형: 둥근 모서리 45">
+            <a:extLst>
+              <a:ext uri="{FF2B5EF4-FFF2-40B4-BE49-F238E27FC236}">
+                <a16:creationId xmlns:a16="http://schemas.microsoft.com/office/drawing/2014/main" id="{C55925E2-8A7C-38D9-8726-E9EC55EB383B}"/>
+              </a:ext>
+            </a:extLst>
+          </p:cNvPr>
+          <p:cNvSpPr/>
+          <p:nvPr/>
+        </p:nvSpPr>
+        <p:spPr>
+          <a:xfrm>
+            <a:off x="9777700" y="4081692"/>
+            <a:ext cx="458801" cy="182880"/>
+          </a:xfrm>
+          <a:prstGeom prst="roundRect">
+            <a:avLst/>
+          </a:prstGeom>
+        </p:spPr>
+        <p:style>
+          <a:lnRef idx="2">
+            <a:schemeClr val="accent1">
+              <a:shade val="15000"/>
+            </a:schemeClr>
+          </a:lnRef>
+          <a:fillRef idx="1">
+            <a:schemeClr val="accent1"/>
+          </a:fillRef>
+          <a:effectRef idx="0">
+            <a:schemeClr val="accent1"/>
+          </a:effectRef>
+          <a:fontRef idx="minor">
+            <a:schemeClr val="lt1"/>
+          </a:fontRef>
+        </p:style>
+        <p:txBody>
+          <a:bodyPr rtlCol="0" anchor="ctr"/>
+          <a:lstStyle/>
+          <a:p>
+            <a:pPr algn="ctr"/>
+            <a:r>
+              <a:rPr lang="ko-KR" altLang="en-US" sz="1000" dirty="0"/>
+              <a:t>수정</a:t>
+            </a:r>
+          </a:p>
+        </p:txBody>
+      </p:sp>
+      <p:sp>
+        <p:nvSpPr>
+          <p:cNvPr id="47" name="사각형: 둥근 모서리 46">
+            <a:extLst>
+              <a:ext uri="{FF2B5EF4-FFF2-40B4-BE49-F238E27FC236}">
+                <a16:creationId xmlns:a16="http://schemas.microsoft.com/office/drawing/2014/main" id="{3B0F3E06-84F6-3012-6979-23003E692877}"/>
+              </a:ext>
+            </a:extLst>
+          </p:cNvPr>
+          <p:cNvSpPr/>
+          <p:nvPr/>
+        </p:nvSpPr>
+        <p:spPr>
+          <a:xfrm>
+            <a:off x="10305982" y="4081693"/>
+            <a:ext cx="458801" cy="182880"/>
+          </a:xfrm>
+          <a:prstGeom prst="roundRect">
+            <a:avLst/>
+          </a:prstGeom>
+        </p:spPr>
+        <p:style>
+          <a:lnRef idx="2">
+            <a:schemeClr val="accent1">
+              <a:shade val="15000"/>
+            </a:schemeClr>
+          </a:lnRef>
+          <a:fillRef idx="1">
+            <a:schemeClr val="accent1"/>
+          </a:fillRef>
+          <a:effectRef idx="0">
+            <a:schemeClr val="accent1"/>
+          </a:effectRef>
+          <a:fontRef idx="minor">
+            <a:schemeClr val="lt1"/>
+          </a:fontRef>
+        </p:style>
+        <p:txBody>
+          <a:bodyPr rtlCol="0" anchor="ctr"/>
+          <a:lstStyle/>
+          <a:p>
+            <a:pPr algn="ctr"/>
+            <a:r>
+              <a:rPr lang="ko-KR" altLang="en-US" sz="1000" dirty="0"/>
+              <a:t>삭제</a:t>
+            </a:r>
+          </a:p>
+        </p:txBody>
+      </p:sp>
     </p:spTree>
     <p:extLst>
       <p:ext uri="{BB962C8B-B14F-4D97-AF65-F5344CB8AC3E}">
@@ -10809,10 +14768,10 @@
       </p:grpSpPr>
       <p:sp>
         <p:nvSpPr>
-          <p:cNvPr id="14" name="직사각형 13">
-            <a:extLst>
-              <a:ext uri="{FF2B5EF4-FFF2-40B4-BE49-F238E27FC236}">
-                <a16:creationId xmlns:a16="http://schemas.microsoft.com/office/drawing/2014/main" id="{AE868223-42FC-4592-B97D-F585861095E7}"/>
+          <p:cNvPr id="4" name="직사각형 3">
+            <a:extLst>
+              <a:ext uri="{FF2B5EF4-FFF2-40B4-BE49-F238E27FC236}">
+                <a16:creationId xmlns:a16="http://schemas.microsoft.com/office/drawing/2014/main" id="{FBBA7876-5040-B02F-A6D0-F199537488C7}"/>
               </a:ext>
             </a:extLst>
           </p:cNvPr>
@@ -10821,8 +14780,8 @@
         </p:nvSpPr>
         <p:spPr>
           <a:xfrm>
-            <a:off x="8122519" y="643968"/>
-            <a:ext cx="3551433" cy="1158705"/>
+            <a:off x="577500" y="668432"/>
+            <a:ext cx="3029386" cy="1158705"/>
           </a:xfrm>
           <a:prstGeom prst="rect">
             <a:avLst/>
@@ -10854,62 +14813,6 @@
             <a:pPr algn="ctr"/>
             <a:r>
               <a:rPr lang="ko-KR" altLang="en-US" sz="2000" dirty="0"/>
-              <a:t> </a:t>
-            </a:r>
-            <a:r>
-              <a:rPr lang="en-US" altLang="ko-KR" sz="2000" dirty="0"/>
-              <a:t>2025.10.08</a:t>
-            </a:r>
-          </a:p>
-        </p:txBody>
-      </p:sp>
-      <p:sp>
-        <p:nvSpPr>
-          <p:cNvPr id="4" name="직사각형 3">
-            <a:extLst>
-              <a:ext uri="{FF2B5EF4-FFF2-40B4-BE49-F238E27FC236}">
-                <a16:creationId xmlns:a16="http://schemas.microsoft.com/office/drawing/2014/main" id="{FBBA7876-5040-B02F-A6D0-F199537488C7}"/>
-              </a:ext>
-            </a:extLst>
-          </p:cNvPr>
-          <p:cNvSpPr/>
-          <p:nvPr/>
-        </p:nvSpPr>
-        <p:spPr>
-          <a:xfrm>
-            <a:off x="577500" y="668432"/>
-            <a:ext cx="3029386" cy="1158705"/>
-          </a:xfrm>
-          <a:prstGeom prst="rect">
-            <a:avLst/>
-          </a:prstGeom>
-          <a:ln>
-            <a:solidFill>
-              <a:schemeClr val="bg1"/>
-            </a:solidFill>
-          </a:ln>
-        </p:spPr>
-        <p:style>
-          <a:lnRef idx="2">
-            <a:schemeClr val="dk1"/>
-          </a:lnRef>
-          <a:fillRef idx="1">
-            <a:schemeClr val="lt1"/>
-          </a:fillRef>
-          <a:effectRef idx="0">
-            <a:schemeClr val="dk1"/>
-          </a:effectRef>
-          <a:fontRef idx="minor">
-            <a:schemeClr val="dk1"/>
-          </a:fontRef>
-        </p:style>
-        <p:txBody>
-          <a:bodyPr rtlCol="0" anchor="ctr"/>
-          <a:lstStyle/>
-          <a:p>
-            <a:pPr algn="ctr"/>
-            <a:r>
-              <a:rPr lang="ko-KR" altLang="en-US" sz="2000" dirty="0"/>
               <a:t>원자재 재고 조회 페이지 </a:t>
             </a:r>
           </a:p>
@@ -10930,14 +14833,14 @@
           <p:nvPr>
             <p:extLst>
               <p:ext uri="{D42A27DB-BD31-4B8C-83A1-F6EECF244321}">
-                <p14:modId xmlns:p14="http://schemas.microsoft.com/office/powerpoint/2010/main" val="2482412403"/>
+                <p14:modId xmlns:p14="http://schemas.microsoft.com/office/powerpoint/2010/main" val="2021326291"/>
               </p:ext>
             </p:extLst>
           </p:nvPr>
         </p:nvGraphicFramePr>
         <p:xfrm>
           <a:off x="717002" y="2134203"/>
-          <a:ext cx="10168712" cy="3675016"/>
+          <a:ext cx="10168710" cy="3675016"/>
         </p:xfrm>
         <a:graphic>
           <a:graphicData uri="http://schemas.openxmlformats.org/drawingml/2006/table">
@@ -10946,34 +14849,41 @@
                 <a:tableStyleId>{5C22544A-7EE6-4342-B048-85BDC9FD1C3A}</a:tableStyleId>
               </a:tblPr>
               <a:tblGrid>
-                <a:gridCol w="2542178">
+                <a:gridCol w="2033742">
                   <a:extLst>
                     <a:ext uri="{9D8B030D-6E8A-4147-A177-3AD203B41FA5}">
                       <a16:colId xmlns:a16="http://schemas.microsoft.com/office/drawing/2014/main" val="1469891135"/>
                     </a:ext>
                   </a:extLst>
                 </a:gridCol>
-                <a:gridCol w="2542178">
+                <a:gridCol w="2033742">
                   <a:extLst>
                     <a:ext uri="{9D8B030D-6E8A-4147-A177-3AD203B41FA5}">
                       <a16:colId xmlns:a16="http://schemas.microsoft.com/office/drawing/2014/main" val="4135831801"/>
                     </a:ext>
                   </a:extLst>
                 </a:gridCol>
-                <a:gridCol w="2542178">
+                <a:gridCol w="2033742">
                   <a:extLst>
                     <a:ext uri="{9D8B030D-6E8A-4147-A177-3AD203B41FA5}">
                       <a16:colId xmlns:a16="http://schemas.microsoft.com/office/drawing/2014/main" val="3536895802"/>
                     </a:ext>
                   </a:extLst>
                 </a:gridCol>
-                <a:gridCol w="2542178">
+                <a:gridCol w="2033742">
                   <a:extLst>
                     <a:ext uri="{9D8B030D-6E8A-4147-A177-3AD203B41FA5}">
                       <a16:colId xmlns:a16="http://schemas.microsoft.com/office/drawing/2014/main" val="3276492231"/>
                     </a:ext>
                   </a:extLst>
                 </a:gridCol>
+                <a:gridCol w="2033742">
+                  <a:extLst>
+                    <a:ext uri="{9D8B030D-6E8A-4147-A177-3AD203B41FA5}">
+                      <a16:colId xmlns:a16="http://schemas.microsoft.com/office/drawing/2014/main" val="446665500"/>
+                    </a:ext>
+                  </a:extLst>
+                </a:gridCol>
               </a:tblGrid>
               <a:tr h="459377">
                 <a:tc>
@@ -10981,9 +14891,9 @@
                     <a:bodyPr/>
                     <a:lstStyle/>
                     <a:p>
-                      <a:pPr latinLnBrk="1"/>
-                      <a:r>
-                        <a:rPr lang="ko-KR" altLang="en-US" dirty="0"/>
+                      <a:pPr algn="ctr" latinLnBrk="1"/>
+                      <a:r>
+                        <a:rPr lang="ko-KR" altLang="en-US" sz="1600" dirty="0"/>
                         <a:t>매입처명</a:t>
                       </a:r>
                     </a:p>
@@ -10995,9 +14905,9 @@
                     <a:bodyPr/>
                     <a:lstStyle/>
                     <a:p>
-                      <a:pPr latinLnBrk="1"/>
-                      <a:r>
-                        <a:rPr lang="ko-KR" altLang="en-US" dirty="0"/>
+                      <a:pPr algn="ctr" latinLnBrk="1"/>
+                      <a:r>
+                        <a:rPr lang="ko-KR" altLang="en-US" sz="1600" dirty="0"/>
                         <a:t>품목번호</a:t>
                       </a:r>
                     </a:p>
@@ -11009,9 +14919,9 @@
                     <a:bodyPr/>
                     <a:lstStyle/>
                     <a:p>
-                      <a:pPr latinLnBrk="1"/>
-                      <a:r>
-                        <a:rPr lang="ko-KR" altLang="en-US" dirty="0"/>
+                      <a:pPr algn="ctr" latinLnBrk="1"/>
+                      <a:r>
+                        <a:rPr lang="ko-KR" altLang="en-US" sz="1600" dirty="0"/>
                         <a:t>품목명</a:t>
                       </a:r>
                     </a:p>
@@ -11023,32 +14933,67 @@
                     <a:bodyPr/>
                     <a:lstStyle/>
                     <a:p>
-                      <a:pPr latinLnBrk="1"/>
-                      <a:r>
-                        <a:rPr lang="ko-KR" altLang="en-US" dirty="0"/>
+                      <a:pPr algn="ctr" latinLnBrk="1"/>
+                      <a:r>
+                        <a:rPr lang="ko-KR" altLang="en-US" sz="1600" dirty="0"/>
                         <a:t>재고량</a:t>
                       </a:r>
                       <a:r>
-                        <a:rPr lang="en-US" altLang="ko-KR" dirty="0"/>
+                        <a:rPr lang="en-US" altLang="ko-KR" sz="1600" dirty="0"/>
                         <a:t>(</a:t>
                       </a:r>
                       <a:r>
-                        <a:rPr lang="ko-KR" altLang="en-US" dirty="0"/>
+                        <a:rPr lang="ko-KR" altLang="en-US" sz="1600" dirty="0"/>
                         <a:t>양</a:t>
                       </a:r>
                       <a:r>
-                        <a:rPr lang="en-US" altLang="ko-KR" dirty="0"/>
-                        <a:t>/</a:t>
-                      </a:r>
-                      <a:r>
-                        <a:rPr lang="ko-KR" altLang="en-US" dirty="0"/>
+                        <a:rPr lang="en-US" altLang="ko-KR" sz="1600" dirty="0"/>
+                        <a:t>)</a:t>
+                      </a:r>
+                      <a:endParaRPr lang="ko-KR" altLang="en-US" sz="1600" dirty="0"/>
+                    </a:p>
+                  </a:txBody>
+                  <a:tcPr/>
+                </a:tc>
+                <a:tc>
+                  <a:txBody>
+                    <a:bodyPr/>
+                    <a:lstStyle/>
+                    <a:p>
+                      <a:pPr marL="0" marR="0" lvl="0" indent="0" algn="ctr" defTabSz="914400" rtl="0" eaLnBrk="1" fontAlgn="auto" latinLnBrk="1" hangingPunct="1">
+                        <a:lnSpc>
+                          <a:spcPct val="100000"/>
+                        </a:lnSpc>
+                        <a:spcBef>
+                          <a:spcPts val="0"/>
+                        </a:spcBef>
+                        <a:spcAft>
+                          <a:spcPts val="0"/>
+                        </a:spcAft>
+                        <a:buClrTx/>
+                        <a:buSzTx/>
+                        <a:buFontTx/>
+                        <a:buNone/>
+                        <a:tabLst/>
+                        <a:defRPr/>
+                      </a:pPr>
+                      <a:r>
+                        <a:rPr lang="ko-KR" altLang="en-US" sz="1600" dirty="0"/>
+                        <a:t>재고량</a:t>
+                      </a:r>
+                      <a:r>
+                        <a:rPr lang="en-US" altLang="ko-KR" sz="1600" dirty="0"/>
+                        <a:t>(</a:t>
+                      </a:r>
+                      <a:r>
+                        <a:rPr lang="ko-KR" altLang="en-US" sz="1600" dirty="0"/>
                         <a:t>단위</a:t>
                       </a:r>
                       <a:r>
-                        <a:rPr lang="en-US" altLang="ko-KR" dirty="0"/>
+                        <a:rPr lang="en-US" altLang="ko-KR" sz="1600" dirty="0"/>
                         <a:t>)</a:t>
                       </a:r>
-                      <a:endParaRPr lang="ko-KR" altLang="en-US" dirty="0"/>
+                      <a:endParaRPr lang="ko-KR" altLang="en-US" sz="1600" dirty="0"/>
                     </a:p>
                   </a:txBody>
                   <a:tcPr/>
@@ -11065,57 +15010,80 @@
                     <a:bodyPr/>
                     <a:lstStyle/>
                     <a:p>
-                      <a:pPr latinLnBrk="1"/>
-                      <a:endParaRPr lang="ko-KR" altLang="en-US" dirty="0">
-                        <a:highlight>
-                          <a:srgbClr val="FFFF00"/>
-                        </a:highlight>
-                      </a:endParaRPr>
-                    </a:p>
-                  </a:txBody>
-                  <a:tcPr/>
-                </a:tc>
-                <a:tc>
-                  <a:txBody>
-                    <a:bodyPr/>
-                    <a:lstStyle/>
-                    <a:p>
-                      <a:pPr latinLnBrk="1"/>
-                      <a:endParaRPr lang="ko-KR" altLang="en-US" dirty="0">
-                        <a:highlight>
-                          <a:srgbClr val="FFFF00"/>
-                        </a:highlight>
-                      </a:endParaRPr>
-                    </a:p>
-                  </a:txBody>
-                  <a:tcPr/>
-                </a:tc>
-                <a:tc>
-                  <a:txBody>
-                    <a:bodyPr/>
-                    <a:lstStyle/>
-                    <a:p>
-                      <a:pPr latinLnBrk="1"/>
-                      <a:endParaRPr lang="ko-KR" altLang="en-US" dirty="0">
-                        <a:highlight>
-                          <a:srgbClr val="FFFF00"/>
-                        </a:highlight>
-                      </a:endParaRPr>
-                    </a:p>
-                  </a:txBody>
-                  <a:tcPr/>
-                </a:tc>
-                <a:tc>
-                  <a:txBody>
-                    <a:bodyPr/>
-                    <a:lstStyle/>
-                    <a:p>
-                      <a:pPr latinLnBrk="1"/>
-                      <a:endParaRPr lang="ko-KR" altLang="en-US" dirty="0">
-                        <a:highlight>
-                          <a:srgbClr val="FFFF00"/>
-                        </a:highlight>
-                      </a:endParaRPr>
+                      <a:pPr algn="ctr" latinLnBrk="1"/>
+                      <a:r>
+                        <a:rPr lang="ko-KR" altLang="en-US" sz="1600" b="0" dirty="0" err="1"/>
+                        <a:t>매입처</a:t>
+                      </a:r>
+                      <a:r>
+                        <a:rPr lang="en-US" altLang="ko-KR" sz="1600" b="0" dirty="0"/>
+                        <a:t>A</a:t>
+                      </a:r>
+                      <a:endParaRPr lang="ko-KR" altLang="en-US" sz="1600" b="0" dirty="0"/>
+                    </a:p>
+                  </a:txBody>
+                  <a:tcPr/>
+                </a:tc>
+                <a:tc>
+                  <a:txBody>
+                    <a:bodyPr/>
+                    <a:lstStyle/>
+                    <a:p>
+                      <a:pPr algn="ctr" latinLnBrk="1"/>
+                      <a:r>
+                        <a:rPr lang="en-US" altLang="ko-KR" sz="1600" b="0" dirty="0"/>
+                        <a:t>KS M 6020</a:t>
+                      </a:r>
+                      <a:endParaRPr lang="ko-KR" altLang="en-US" sz="1600" b="0" dirty="0"/>
+                    </a:p>
+                  </a:txBody>
+                  <a:tcPr/>
+                </a:tc>
+                <a:tc>
+                  <a:txBody>
+                    <a:bodyPr/>
+                    <a:lstStyle/>
+                    <a:p>
+                      <a:pPr algn="ctr" latinLnBrk="1"/>
+                      <a:r>
+                        <a:rPr lang="ko-KR" altLang="en-US" sz="1600" b="0" dirty="0"/>
+                        <a:t>품목</a:t>
+                      </a:r>
+                      <a:r>
+                        <a:rPr lang="en-US" altLang="ko-KR" sz="1600" b="0" dirty="0"/>
+                        <a:t>A</a:t>
+                      </a:r>
+                      <a:endParaRPr lang="ko-KR" altLang="en-US" sz="1600" b="0" dirty="0"/>
+                    </a:p>
+                  </a:txBody>
+                  <a:tcPr/>
+                </a:tc>
+                <a:tc>
+                  <a:txBody>
+                    <a:bodyPr/>
+                    <a:lstStyle/>
+                    <a:p>
+                      <a:pPr algn="ctr" latinLnBrk="1"/>
+                      <a:r>
+                        <a:rPr lang="en-US" altLang="ko-KR" dirty="0"/>
+                        <a:t>20</a:t>
+                      </a:r>
+                      <a:endParaRPr lang="ko-KR" altLang="en-US" dirty="0"/>
+                    </a:p>
+                  </a:txBody>
+                  <a:tcPr/>
+                </a:tc>
+                <a:tc>
+                  <a:txBody>
+                    <a:bodyPr/>
+                    <a:lstStyle/>
+                    <a:p>
+                      <a:pPr algn="ctr" latinLnBrk="1"/>
+                      <a:r>
+                        <a:rPr lang="en-US" altLang="ko-KR" dirty="0"/>
+                        <a:t>Kg</a:t>
+                      </a:r>
+                      <a:endParaRPr lang="ko-KR" altLang="en-US" dirty="0"/>
                     </a:p>
                   </a:txBody>
                   <a:tcPr/>
@@ -11132,57 +15100,80 @@
                     <a:bodyPr/>
                     <a:lstStyle/>
                     <a:p>
-                      <a:pPr latinLnBrk="1"/>
-                      <a:endParaRPr lang="ko-KR" altLang="en-US" dirty="0">
-                        <a:highlight>
-                          <a:srgbClr val="FFFF00"/>
-                        </a:highlight>
-                      </a:endParaRPr>
-                    </a:p>
-                  </a:txBody>
-                  <a:tcPr/>
-                </a:tc>
-                <a:tc>
-                  <a:txBody>
-                    <a:bodyPr/>
-                    <a:lstStyle/>
-                    <a:p>
-                      <a:pPr latinLnBrk="1"/>
-                      <a:endParaRPr lang="ko-KR" altLang="en-US" dirty="0">
-                        <a:highlight>
-                          <a:srgbClr val="FFFF00"/>
-                        </a:highlight>
-                      </a:endParaRPr>
-                    </a:p>
-                  </a:txBody>
-                  <a:tcPr/>
-                </a:tc>
-                <a:tc>
-                  <a:txBody>
-                    <a:bodyPr/>
-                    <a:lstStyle/>
-                    <a:p>
-                      <a:pPr latinLnBrk="1"/>
-                      <a:endParaRPr lang="ko-KR" altLang="en-US">
-                        <a:highlight>
-                          <a:srgbClr val="FFFF00"/>
-                        </a:highlight>
-                      </a:endParaRPr>
-                    </a:p>
-                  </a:txBody>
-                  <a:tcPr/>
-                </a:tc>
-                <a:tc>
-                  <a:txBody>
-                    <a:bodyPr/>
-                    <a:lstStyle/>
-                    <a:p>
-                      <a:pPr latinLnBrk="1"/>
-                      <a:endParaRPr lang="ko-KR" altLang="en-US">
-                        <a:highlight>
-                          <a:srgbClr val="FFFF00"/>
-                        </a:highlight>
-                      </a:endParaRPr>
+                      <a:pPr algn="ctr" latinLnBrk="1"/>
+                      <a:r>
+                        <a:rPr lang="ko-KR" altLang="en-US" sz="1600" b="0" dirty="0" err="1"/>
+                        <a:t>매입처</a:t>
+                      </a:r>
+                      <a:r>
+                        <a:rPr lang="en-US" altLang="ko-KR" sz="1600" b="0" dirty="0"/>
+                        <a:t>B</a:t>
+                      </a:r>
+                      <a:endParaRPr lang="ko-KR" altLang="en-US" sz="1600" b="0" dirty="0"/>
+                    </a:p>
+                  </a:txBody>
+                  <a:tcPr/>
+                </a:tc>
+                <a:tc>
+                  <a:txBody>
+                    <a:bodyPr/>
+                    <a:lstStyle/>
+                    <a:p>
+                      <a:pPr algn="ctr" latinLnBrk="1"/>
+                      <a:r>
+                        <a:rPr lang="en-US" altLang="ko-KR" sz="1600" b="0" dirty="0"/>
+                        <a:t>KS M 6021</a:t>
+                      </a:r>
+                      <a:endParaRPr lang="ko-KR" altLang="en-US" sz="1600" b="0" dirty="0"/>
+                    </a:p>
+                  </a:txBody>
+                  <a:tcPr/>
+                </a:tc>
+                <a:tc>
+                  <a:txBody>
+                    <a:bodyPr/>
+                    <a:lstStyle/>
+                    <a:p>
+                      <a:pPr algn="ctr" latinLnBrk="1"/>
+                      <a:r>
+                        <a:rPr lang="ko-KR" altLang="en-US" sz="1600" b="0" dirty="0"/>
+                        <a:t>품목</a:t>
+                      </a:r>
+                      <a:r>
+                        <a:rPr lang="en-US" altLang="ko-KR" sz="1600" b="0" dirty="0"/>
+                        <a:t>B</a:t>
+                      </a:r>
+                      <a:endParaRPr lang="ko-KR" altLang="en-US" sz="1600" b="0" dirty="0"/>
+                    </a:p>
+                  </a:txBody>
+                  <a:tcPr/>
+                </a:tc>
+                <a:tc>
+                  <a:txBody>
+                    <a:bodyPr/>
+                    <a:lstStyle/>
+                    <a:p>
+                      <a:pPr algn="ctr" latinLnBrk="1"/>
+                      <a:r>
+                        <a:rPr lang="en-US" altLang="ko-KR" dirty="0"/>
+                        <a:t>10</a:t>
+                      </a:r>
+                      <a:endParaRPr lang="ko-KR" altLang="en-US" dirty="0"/>
+                    </a:p>
+                  </a:txBody>
+                  <a:tcPr/>
+                </a:tc>
+                <a:tc>
+                  <a:txBody>
+                    <a:bodyPr/>
+                    <a:lstStyle/>
+                    <a:p>
+                      <a:pPr algn="ctr" latinLnBrk="1"/>
+                      <a:r>
+                        <a:rPr lang="en-US" altLang="ko-KR" dirty="0"/>
+                        <a:t>Kg</a:t>
+                      </a:r>
+                      <a:endParaRPr lang="ko-KR" altLang="en-US" dirty="0"/>
                     </a:p>
                   </a:txBody>
                   <a:tcPr/>
@@ -11199,57 +15190,80 @@
                     <a:bodyPr/>
                     <a:lstStyle/>
                     <a:p>
-                      <a:pPr latinLnBrk="1"/>
-                      <a:endParaRPr lang="ko-KR" altLang="en-US" dirty="0">
-                        <a:highlight>
-                          <a:srgbClr val="FFFF00"/>
-                        </a:highlight>
-                      </a:endParaRPr>
-                    </a:p>
-                  </a:txBody>
-                  <a:tcPr/>
-                </a:tc>
-                <a:tc>
-                  <a:txBody>
-                    <a:bodyPr/>
-                    <a:lstStyle/>
-                    <a:p>
-                      <a:pPr latinLnBrk="1"/>
-                      <a:endParaRPr lang="ko-KR" altLang="en-US" dirty="0">
-                        <a:highlight>
-                          <a:srgbClr val="FFFF00"/>
-                        </a:highlight>
-                      </a:endParaRPr>
-                    </a:p>
-                  </a:txBody>
-                  <a:tcPr/>
-                </a:tc>
-                <a:tc>
-                  <a:txBody>
-                    <a:bodyPr/>
-                    <a:lstStyle/>
-                    <a:p>
-                      <a:pPr latinLnBrk="1"/>
-                      <a:endParaRPr lang="ko-KR" altLang="en-US" dirty="0">
-                        <a:highlight>
-                          <a:srgbClr val="FFFF00"/>
-                        </a:highlight>
-                      </a:endParaRPr>
-                    </a:p>
-                  </a:txBody>
-                  <a:tcPr/>
-                </a:tc>
-                <a:tc>
-                  <a:txBody>
-                    <a:bodyPr/>
-                    <a:lstStyle/>
-                    <a:p>
-                      <a:pPr latinLnBrk="1"/>
-                      <a:endParaRPr lang="ko-KR" altLang="en-US" dirty="0">
-                        <a:highlight>
-                          <a:srgbClr val="FFFF00"/>
-                        </a:highlight>
-                      </a:endParaRPr>
+                      <a:pPr algn="ctr" latinLnBrk="1"/>
+                      <a:r>
+                        <a:rPr lang="ko-KR" altLang="en-US" sz="1600" b="0" dirty="0" err="1"/>
+                        <a:t>매입처</a:t>
+                      </a:r>
+                      <a:r>
+                        <a:rPr lang="en-US" altLang="ko-KR" sz="1600" b="0" dirty="0"/>
+                        <a:t>C</a:t>
+                      </a:r>
+                      <a:endParaRPr lang="ko-KR" altLang="en-US" sz="1600" b="0" dirty="0"/>
+                    </a:p>
+                  </a:txBody>
+                  <a:tcPr/>
+                </a:tc>
+                <a:tc>
+                  <a:txBody>
+                    <a:bodyPr/>
+                    <a:lstStyle/>
+                    <a:p>
+                      <a:pPr algn="ctr" latinLnBrk="1"/>
+                      <a:r>
+                        <a:rPr lang="en-US" altLang="ko-KR" sz="1600" b="0" dirty="0"/>
+                        <a:t>KS M 6022</a:t>
+                      </a:r>
+                      <a:endParaRPr lang="ko-KR" altLang="en-US" sz="1600" b="0" dirty="0"/>
+                    </a:p>
+                  </a:txBody>
+                  <a:tcPr/>
+                </a:tc>
+                <a:tc>
+                  <a:txBody>
+                    <a:bodyPr/>
+                    <a:lstStyle/>
+                    <a:p>
+                      <a:pPr algn="ctr" latinLnBrk="1"/>
+                      <a:r>
+                        <a:rPr lang="ko-KR" altLang="en-US" sz="1600" b="0" dirty="0"/>
+                        <a:t>품목</a:t>
+                      </a:r>
+                      <a:r>
+                        <a:rPr lang="en-US" altLang="ko-KR" sz="1600" b="0" dirty="0"/>
+                        <a:t>C</a:t>
+                      </a:r>
+                      <a:endParaRPr lang="ko-KR" altLang="en-US" sz="1600" b="0" dirty="0"/>
+                    </a:p>
+                  </a:txBody>
+                  <a:tcPr/>
+                </a:tc>
+                <a:tc>
+                  <a:txBody>
+                    <a:bodyPr/>
+                    <a:lstStyle/>
+                    <a:p>
+                      <a:pPr algn="ctr" latinLnBrk="1"/>
+                      <a:r>
+                        <a:rPr lang="en-US" altLang="ko-KR" dirty="0"/>
+                        <a:t>50</a:t>
+                      </a:r>
+                      <a:endParaRPr lang="ko-KR" altLang="en-US" dirty="0"/>
+                    </a:p>
+                  </a:txBody>
+                  <a:tcPr/>
+                </a:tc>
+                <a:tc>
+                  <a:txBody>
+                    <a:bodyPr/>
+                    <a:lstStyle/>
+                    <a:p>
+                      <a:pPr algn="ctr" latinLnBrk="1"/>
+                      <a:r>
+                        <a:rPr lang="en-US" altLang="ko-KR" dirty="0"/>
+                        <a:t>Kg</a:t>
+                      </a:r>
+                      <a:endParaRPr lang="ko-KR" altLang="en-US" dirty="0"/>
                     </a:p>
                   </a:txBody>
                   <a:tcPr/>
@@ -11266,8 +15280,8 @@
                     <a:bodyPr/>
                     <a:lstStyle/>
                     <a:p>
-                      <a:pPr algn="l" latinLnBrk="1"/>
-                      <a:endParaRPr lang="ko-KR" altLang="en-US" dirty="0">
+                      <a:pPr algn="ctr" latinLnBrk="1"/>
+                      <a:endParaRPr lang="ko-KR" altLang="en-US" sz="1600" dirty="0">
                         <a:highlight>
                           <a:srgbClr val="FFFF00"/>
                         </a:highlight>
@@ -11281,8 +15295,8 @@
                     <a:bodyPr/>
                     <a:lstStyle/>
                     <a:p>
-                      <a:pPr algn="l" latinLnBrk="1"/>
-                      <a:endParaRPr lang="ko-KR" altLang="en-US" dirty="0">
+                      <a:pPr algn="ctr" latinLnBrk="1"/>
+                      <a:endParaRPr lang="ko-KR" altLang="en-US" sz="1600" dirty="0">
                         <a:highlight>
                           <a:srgbClr val="FFFF00"/>
                         </a:highlight>
@@ -11296,8 +15310,8 @@
                     <a:bodyPr/>
                     <a:lstStyle/>
                     <a:p>
-                      <a:pPr algn="l" latinLnBrk="1"/>
-                      <a:endParaRPr lang="ko-KR" altLang="en-US" dirty="0">
+                      <a:pPr algn="ctr" latinLnBrk="1"/>
+                      <a:endParaRPr lang="ko-KR" altLang="en-US" sz="1600" dirty="0">
                         <a:highlight>
                           <a:srgbClr val="FFFF00"/>
                         </a:highlight>
@@ -11311,8 +15325,23 @@
                     <a:bodyPr/>
                     <a:lstStyle/>
                     <a:p>
-                      <a:pPr algn="l" latinLnBrk="1"/>
-                      <a:endParaRPr lang="ko-KR" altLang="en-US" dirty="0">
+                      <a:pPr algn="ctr" latinLnBrk="1"/>
+                      <a:endParaRPr lang="ko-KR" altLang="en-US" sz="1600" dirty="0">
+                        <a:highlight>
+                          <a:srgbClr val="FFFF00"/>
+                        </a:highlight>
+                      </a:endParaRPr>
+                    </a:p>
+                  </a:txBody>
+                  <a:tcPr/>
+                </a:tc>
+                <a:tc>
+                  <a:txBody>
+                    <a:bodyPr/>
+                    <a:lstStyle/>
+                    <a:p>
+                      <a:pPr algn="ctr" latinLnBrk="1"/>
+                      <a:endParaRPr lang="ko-KR" altLang="en-US" sz="1600" dirty="0">
                         <a:highlight>
                           <a:srgbClr val="FFFF00"/>
                         </a:highlight>
@@ -11333,8 +15362,8 @@
                     <a:bodyPr/>
                     <a:lstStyle/>
                     <a:p>
-                      <a:pPr algn="l" latinLnBrk="1"/>
-                      <a:endParaRPr lang="ko-KR" altLang="en-US" dirty="0">
+                      <a:pPr algn="ctr" latinLnBrk="1"/>
+                      <a:endParaRPr lang="ko-KR" altLang="en-US" sz="1600" dirty="0">
                         <a:highlight>
                           <a:srgbClr val="FFFF00"/>
                         </a:highlight>
@@ -11348,8 +15377,8 @@
                     <a:bodyPr/>
                     <a:lstStyle/>
                     <a:p>
-                      <a:pPr algn="l" latinLnBrk="1"/>
-                      <a:endParaRPr lang="ko-KR" altLang="en-US" dirty="0">
+                      <a:pPr algn="ctr" latinLnBrk="1"/>
+                      <a:endParaRPr lang="ko-KR" altLang="en-US" sz="1600" dirty="0">
                         <a:highlight>
                           <a:srgbClr val="FFFF00"/>
                         </a:highlight>
@@ -11363,8 +15392,8 @@
                     <a:bodyPr/>
                     <a:lstStyle/>
                     <a:p>
-                      <a:pPr algn="l" latinLnBrk="1"/>
-                      <a:endParaRPr lang="ko-KR" altLang="en-US" dirty="0">
+                      <a:pPr algn="ctr" latinLnBrk="1"/>
+                      <a:endParaRPr lang="ko-KR" altLang="en-US" sz="1600" dirty="0">
                         <a:highlight>
                           <a:srgbClr val="FFFF00"/>
                         </a:highlight>
@@ -11378,8 +15407,23 @@
                     <a:bodyPr/>
                     <a:lstStyle/>
                     <a:p>
-                      <a:pPr algn="l" latinLnBrk="1"/>
-                      <a:endParaRPr lang="ko-KR" altLang="en-US" dirty="0">
+                      <a:pPr algn="ctr" latinLnBrk="1"/>
+                      <a:endParaRPr lang="ko-KR" altLang="en-US" sz="1600" dirty="0">
+                        <a:highlight>
+                          <a:srgbClr val="FFFF00"/>
+                        </a:highlight>
+                      </a:endParaRPr>
+                    </a:p>
+                  </a:txBody>
+                  <a:tcPr/>
+                </a:tc>
+                <a:tc>
+                  <a:txBody>
+                    <a:bodyPr/>
+                    <a:lstStyle/>
+                    <a:p>
+                      <a:pPr algn="ctr" latinLnBrk="1"/>
+                      <a:endParaRPr lang="ko-KR" altLang="en-US" sz="1600" dirty="0">
                         <a:highlight>
                           <a:srgbClr val="FFFF00"/>
                         </a:highlight>
@@ -11400,8 +15444,8 @@
                     <a:bodyPr/>
                     <a:lstStyle/>
                     <a:p>
-                      <a:pPr algn="l" latinLnBrk="1"/>
-                      <a:endParaRPr lang="ko-KR" altLang="en-US" dirty="0">
+                      <a:pPr algn="ctr" latinLnBrk="1"/>
+                      <a:endParaRPr lang="ko-KR" altLang="en-US" sz="1600" dirty="0">
                         <a:highlight>
                           <a:srgbClr val="FFFF00"/>
                         </a:highlight>
@@ -11415,8 +15459,8 @@
                     <a:bodyPr/>
                     <a:lstStyle/>
                     <a:p>
-                      <a:pPr algn="l" latinLnBrk="1"/>
-                      <a:endParaRPr lang="ko-KR" altLang="en-US" dirty="0">
+                      <a:pPr algn="ctr" latinLnBrk="1"/>
+                      <a:endParaRPr lang="ko-KR" altLang="en-US" sz="1600" dirty="0">
                         <a:highlight>
                           <a:srgbClr val="FFFF00"/>
                         </a:highlight>
@@ -11430,8 +15474,8 @@
                     <a:bodyPr/>
                     <a:lstStyle/>
                     <a:p>
-                      <a:pPr algn="l" latinLnBrk="1"/>
-                      <a:endParaRPr lang="ko-KR" altLang="en-US">
+                      <a:pPr algn="ctr" latinLnBrk="1"/>
+                      <a:endParaRPr lang="ko-KR" altLang="en-US" sz="1600">
                         <a:highlight>
                           <a:srgbClr val="FFFF00"/>
                         </a:highlight>
@@ -11445,8 +15489,23 @@
                     <a:bodyPr/>
                     <a:lstStyle/>
                     <a:p>
-                      <a:pPr algn="l" latinLnBrk="1"/>
-                      <a:endParaRPr lang="ko-KR" altLang="en-US" dirty="0">
+                      <a:pPr algn="ctr" latinLnBrk="1"/>
+                      <a:endParaRPr lang="ko-KR" altLang="en-US" sz="1600" dirty="0">
+                        <a:highlight>
+                          <a:srgbClr val="FFFF00"/>
+                        </a:highlight>
+                      </a:endParaRPr>
+                    </a:p>
+                  </a:txBody>
+                  <a:tcPr/>
+                </a:tc>
+                <a:tc>
+                  <a:txBody>
+                    <a:bodyPr/>
+                    <a:lstStyle/>
+                    <a:p>
+                      <a:pPr algn="ctr" latinLnBrk="1"/>
+                      <a:endParaRPr lang="ko-KR" altLang="en-US" sz="1600" dirty="0">
                         <a:highlight>
                           <a:srgbClr val="FFFF00"/>
                         </a:highlight>
@@ -11468,7 +15527,7 @@
                     <a:lstStyle/>
                     <a:p>
                       <a:pPr algn="l" latinLnBrk="1"/>
-                      <a:endParaRPr lang="ko-KR" altLang="en-US" dirty="0">
+                      <a:endParaRPr lang="ko-KR" altLang="en-US" sz="1600" dirty="0">
                         <a:highlight>
                           <a:srgbClr val="FFFF00"/>
                         </a:highlight>
@@ -11483,7 +15542,7 @@
                     <a:lstStyle/>
                     <a:p>
                       <a:pPr algn="l" latinLnBrk="1"/>
-                      <a:endParaRPr lang="ko-KR" altLang="en-US" dirty="0">
+                      <a:endParaRPr lang="ko-KR" altLang="en-US" sz="1600" dirty="0">
                         <a:highlight>
                           <a:srgbClr val="FFFF00"/>
                         </a:highlight>
@@ -11498,7 +15557,7 @@
                     <a:lstStyle/>
                     <a:p>
                       <a:pPr algn="l" latinLnBrk="1"/>
-                      <a:endParaRPr lang="ko-KR" altLang="en-US" dirty="0">
+                      <a:endParaRPr lang="ko-KR" altLang="en-US" sz="1600" dirty="0">
                         <a:highlight>
                           <a:srgbClr val="FFFF00"/>
                         </a:highlight>
@@ -11513,7 +15572,22 @@
                     <a:lstStyle/>
                     <a:p>
                       <a:pPr algn="l" latinLnBrk="1"/>
-                      <a:endParaRPr lang="ko-KR" altLang="en-US" dirty="0">
+                      <a:endParaRPr lang="ko-KR" altLang="en-US" sz="1600" dirty="0">
+                        <a:highlight>
+                          <a:srgbClr val="FFFF00"/>
+                        </a:highlight>
+                      </a:endParaRPr>
+                    </a:p>
+                  </a:txBody>
+                  <a:tcPr/>
+                </a:tc>
+                <a:tc>
+                  <a:txBody>
+                    <a:bodyPr/>
+                    <a:lstStyle/>
+                    <a:p>
+                      <a:pPr algn="l" latinLnBrk="1"/>
+                      <a:endParaRPr lang="ko-KR" altLang="en-US" sz="1600" dirty="0">
                         <a:highlight>
                           <a:srgbClr val="FFFF00"/>
                         </a:highlight>
@@ -11980,6 +16054,128 @@
           </a:fontRef>
         </p:style>
       </p:cxnSp>
+      <p:sp>
+        <p:nvSpPr>
+          <p:cNvPr id="2" name="타원 1">
+            <a:extLst>
+              <a:ext uri="{FF2B5EF4-FFF2-40B4-BE49-F238E27FC236}">
+                <a16:creationId xmlns:a16="http://schemas.microsoft.com/office/drawing/2014/main" id="{60018BCA-FA73-FA4C-AEDC-269833F4B3D0}"/>
+              </a:ext>
+            </a:extLst>
+          </p:cNvPr>
+          <p:cNvSpPr/>
+          <p:nvPr/>
+        </p:nvSpPr>
+        <p:spPr>
+          <a:xfrm>
+            <a:off x="6848884" y="1703496"/>
+            <a:ext cx="244929" cy="224398"/>
+          </a:xfrm>
+          <a:prstGeom prst="ellipse">
+            <a:avLst/>
+          </a:prstGeom>
+          <a:solidFill>
+            <a:srgbClr val="FFFF00"/>
+          </a:solidFill>
+        </p:spPr>
+        <p:style>
+          <a:lnRef idx="2">
+            <a:schemeClr val="accent1">
+              <a:shade val="15000"/>
+            </a:schemeClr>
+          </a:lnRef>
+          <a:fillRef idx="1">
+            <a:schemeClr val="accent1"/>
+          </a:fillRef>
+          <a:effectRef idx="0">
+            <a:schemeClr val="accent1"/>
+          </a:effectRef>
+          <a:fontRef idx="minor">
+            <a:schemeClr val="lt1"/>
+          </a:fontRef>
+        </p:style>
+        <p:txBody>
+          <a:bodyPr rtlCol="0" anchor="ctr"/>
+          <a:lstStyle/>
+          <a:p>
+            <a:pPr algn="ctr"/>
+            <a:r>
+              <a:rPr lang="en-US" altLang="ko-KR" dirty="0">
+                <a:solidFill>
+                  <a:schemeClr val="tx1"/>
+                </a:solidFill>
+              </a:rPr>
+              <a:t>1</a:t>
+            </a:r>
+            <a:endParaRPr lang="ko-KR" altLang="en-US" dirty="0">
+              <a:solidFill>
+                <a:schemeClr val="tx1"/>
+              </a:solidFill>
+            </a:endParaRPr>
+          </a:p>
+        </p:txBody>
+      </p:sp>
+      <p:sp>
+        <p:nvSpPr>
+          <p:cNvPr id="3" name="타원 2">
+            <a:extLst>
+              <a:ext uri="{FF2B5EF4-FFF2-40B4-BE49-F238E27FC236}">
+                <a16:creationId xmlns:a16="http://schemas.microsoft.com/office/drawing/2014/main" id="{242C334E-9562-F688-87D2-A2344255DD2D}"/>
+              </a:ext>
+            </a:extLst>
+          </p:cNvPr>
+          <p:cNvSpPr/>
+          <p:nvPr/>
+        </p:nvSpPr>
+        <p:spPr>
+          <a:xfrm>
+            <a:off x="10843014" y="1695472"/>
+            <a:ext cx="244929" cy="224398"/>
+          </a:xfrm>
+          <a:prstGeom prst="ellipse">
+            <a:avLst/>
+          </a:prstGeom>
+          <a:solidFill>
+            <a:srgbClr val="FFFF00"/>
+          </a:solidFill>
+        </p:spPr>
+        <p:style>
+          <a:lnRef idx="2">
+            <a:schemeClr val="accent1">
+              <a:shade val="15000"/>
+            </a:schemeClr>
+          </a:lnRef>
+          <a:fillRef idx="1">
+            <a:schemeClr val="accent1"/>
+          </a:fillRef>
+          <a:effectRef idx="0">
+            <a:schemeClr val="accent1"/>
+          </a:effectRef>
+          <a:fontRef idx="minor">
+            <a:schemeClr val="lt1"/>
+          </a:fontRef>
+        </p:style>
+        <p:txBody>
+          <a:bodyPr rtlCol="0" anchor="ctr"/>
+          <a:lstStyle/>
+          <a:p>
+            <a:pPr algn="ctr"/>
+            <a:r>
+              <a:rPr lang="en-US" altLang="ko-KR" dirty="0">
+                <a:solidFill>
+                  <a:schemeClr val="tx1"/>
+                </a:solidFill>
+              </a:rPr>
+              <a:t>2</a:t>
+            </a:r>
+            <a:endParaRPr lang="ko-KR" altLang="en-US" dirty="0">
+              <a:solidFill>
+                <a:schemeClr val="tx1"/>
+              </a:solidFill>
+            </a:endParaRPr>
+          </a:p>
+        </p:txBody>
+      </p:sp>
     </p:spTree>
     <p:extLst>
       <p:ext uri="{BB962C8B-B14F-4D97-AF65-F5344CB8AC3E}">

--- a/화면설계서/원자재 입출고 관리 페이지.pptx
+++ b/화면설계서/원자재 입출고 관리 페이지.pptx
@@ -6651,7 +6651,7 @@
           <p:nvPr>
             <p:extLst>
               <p:ext uri="{D42A27DB-BD31-4B8C-83A1-F6EECF244321}">
-                <p14:modId xmlns:p14="http://schemas.microsoft.com/office/powerpoint/2010/main" val="2554477640"/>
+                <p14:modId xmlns:p14="http://schemas.microsoft.com/office/powerpoint/2010/main" val="3373909923"/>
               </p:ext>
             </p:extLst>
           </p:nvPr>
@@ -7123,7 +7123,15 @@
                     <a:lstStyle/>
                     <a:p>
                       <a:pPr algn="ctr" latinLnBrk="1"/>
-                      <a:endParaRPr lang="ko-KR" altLang="en-US" sz="1200" dirty="0"/>
+                      <a:r>
+                        <a:rPr lang="ko-KR" altLang="en-US" sz="1400" b="0" dirty="0"/>
+                        <a:t>제조사</a:t>
+                      </a:r>
+                      <a:r>
+                        <a:rPr lang="en-US" altLang="ko-KR" sz="1400" b="0" dirty="0"/>
+                        <a:t>A</a:t>
+                      </a:r>
+                      <a:endParaRPr lang="ko-KR" altLang="en-US" sz="1400" b="0" dirty="0"/>
                     </a:p>
                   </a:txBody>
                   <a:tcPr/>
@@ -7302,7 +7310,15 @@
                     <a:lstStyle/>
                     <a:p>
                       <a:pPr algn="ctr" latinLnBrk="1"/>
-                      <a:endParaRPr lang="ko-KR" altLang="en-US" dirty="0"/>
+                      <a:r>
+                        <a:rPr lang="ko-KR" altLang="en-US" sz="1400" b="0"/>
+                        <a:t>제조사</a:t>
+                      </a:r>
+                      <a:r>
+                        <a:rPr lang="en-US" altLang="ko-KR" sz="1400" b="0"/>
+                        <a:t>B</a:t>
+                      </a:r>
+                      <a:endParaRPr lang="ko-KR" altLang="en-US" sz="1400" b="0" dirty="0"/>
                     </a:p>
                   </a:txBody>
                   <a:tcPr/>
@@ -7481,7 +7497,15 @@
                     <a:lstStyle/>
                     <a:p>
                       <a:pPr algn="ctr" latinLnBrk="1"/>
-                      <a:endParaRPr lang="ko-KR" altLang="en-US"/>
+                      <a:r>
+                        <a:rPr lang="ko-KR" altLang="en-US" sz="1400" b="0" dirty="0"/>
+                        <a:t>제조사</a:t>
+                      </a:r>
+                      <a:r>
+                        <a:rPr lang="en-US" altLang="ko-KR" sz="1400" b="0" dirty="0"/>
+                        <a:t>C</a:t>
+                      </a:r>
+                      <a:endParaRPr lang="ko-KR" altLang="en-US" sz="1400" b="0" dirty="0"/>
                     </a:p>
                   </a:txBody>
                   <a:tcPr/>
@@ -9412,7 +9436,7 @@
           <p:nvPr>
             <p:extLst>
               <p:ext uri="{D42A27DB-BD31-4B8C-83A1-F6EECF244321}">
-                <p14:modId xmlns:p14="http://schemas.microsoft.com/office/powerpoint/2010/main" val="373092822"/>
+                <p14:modId xmlns:p14="http://schemas.microsoft.com/office/powerpoint/2010/main" val="827100116"/>
               </p:ext>
             </p:extLst>
           </p:nvPr>
@@ -9716,7 +9740,15 @@
                     <a:lstStyle/>
                     <a:p>
                       <a:pPr algn="ctr" latinLnBrk="1"/>
-                      <a:endParaRPr lang="ko-KR" altLang="en-US" dirty="0"/>
+                      <a:r>
+                        <a:rPr lang="ko-KR" altLang="en-US" sz="1800" b="0" dirty="0"/>
+                        <a:t>제조사</a:t>
+                      </a:r>
+                      <a:r>
+                        <a:rPr lang="en-US" altLang="ko-KR" sz="1800" b="0" dirty="0"/>
+                        <a:t>A</a:t>
+                      </a:r>
+                      <a:endParaRPr lang="ko-KR" altLang="en-US" sz="1800" b="0" dirty="0"/>
                     </a:p>
                   </a:txBody>
                   <a:tcPr/>
@@ -9828,7 +9860,15 @@
                     <a:lstStyle/>
                     <a:p>
                       <a:pPr algn="ctr" latinLnBrk="1"/>
-                      <a:endParaRPr lang="ko-KR" altLang="en-US" dirty="0"/>
+                      <a:r>
+                        <a:rPr lang="ko-KR" altLang="en-US" sz="1800" b="0" dirty="0"/>
+                        <a:t>제조사</a:t>
+                      </a:r>
+                      <a:r>
+                        <a:rPr lang="en-US" altLang="ko-KR" sz="1800" b="0" dirty="0"/>
+                        <a:t>B</a:t>
+                      </a:r>
+                      <a:endParaRPr lang="ko-KR" altLang="en-US" sz="1800" b="0" dirty="0"/>
                     </a:p>
                   </a:txBody>
                   <a:tcPr/>
@@ -9940,7 +9980,15 @@
                     <a:lstStyle/>
                     <a:p>
                       <a:pPr algn="ctr" latinLnBrk="1"/>
-                      <a:endParaRPr lang="ko-KR" altLang="en-US" dirty="0"/>
+                      <a:r>
+                        <a:rPr lang="ko-KR" altLang="en-US" sz="1800" b="0" dirty="0"/>
+                        <a:t>제조사</a:t>
+                      </a:r>
+                      <a:r>
+                        <a:rPr lang="en-US" altLang="ko-KR" sz="1800" b="0" dirty="0"/>
+                        <a:t>C</a:t>
+                      </a:r>
+                      <a:endParaRPr lang="ko-KR" altLang="en-US" sz="1800" b="0" dirty="0"/>
                     </a:p>
                   </a:txBody>
                   <a:tcPr/>
@@ -11755,7 +11803,7 @@
           <p:nvPr>
             <p:extLst>
               <p:ext uri="{D42A27DB-BD31-4B8C-83A1-F6EECF244321}">
-                <p14:modId xmlns:p14="http://schemas.microsoft.com/office/powerpoint/2010/main" val="4049516303"/>
+                <p14:modId xmlns:p14="http://schemas.microsoft.com/office/powerpoint/2010/main" val="3361601468"/>
               </p:ext>
             </p:extLst>
           </p:nvPr>
@@ -12139,7 +12187,15 @@
                     <a:lstStyle/>
                     <a:p>
                       <a:pPr algn="ctr" latinLnBrk="1"/>
-                      <a:endParaRPr lang="ko-KR" altLang="en-US" sz="1600" dirty="0"/>
+                      <a:r>
+                        <a:rPr lang="ko-KR" altLang="en-US" sz="1800" b="0" dirty="0"/>
+                        <a:t>제조사</a:t>
+                      </a:r>
+                      <a:r>
+                        <a:rPr lang="en-US" altLang="ko-KR" sz="1800" b="0" dirty="0"/>
+                        <a:t>A</a:t>
+                      </a:r>
+                      <a:endParaRPr lang="ko-KR" altLang="en-US" sz="1800" b="0" dirty="0"/>
                     </a:p>
                   </a:txBody>
                   <a:tcPr/>
@@ -12277,7 +12333,15 @@
                     <a:lstStyle/>
                     <a:p>
                       <a:pPr algn="ctr" latinLnBrk="1"/>
-                      <a:endParaRPr lang="ko-KR" altLang="en-US" sz="1600" dirty="0"/>
+                      <a:r>
+                        <a:rPr lang="ko-KR" altLang="en-US" sz="1800" b="0" dirty="0"/>
+                        <a:t>제조사</a:t>
+                      </a:r>
+                      <a:r>
+                        <a:rPr lang="en-US" altLang="ko-KR" sz="1800" b="0" dirty="0"/>
+                        <a:t>B</a:t>
+                      </a:r>
+                      <a:endParaRPr lang="ko-KR" altLang="en-US" sz="1800" b="0" dirty="0"/>
                     </a:p>
                   </a:txBody>
                   <a:tcPr/>
@@ -12415,7 +12479,15 @@
                     <a:lstStyle/>
                     <a:p>
                       <a:pPr algn="ctr" latinLnBrk="1"/>
-                      <a:endParaRPr lang="ko-KR" altLang="en-US" sz="1600" dirty="0"/>
+                      <a:r>
+                        <a:rPr lang="ko-KR" altLang="en-US" sz="1800" b="0" dirty="0"/>
+                        <a:t>제조사</a:t>
+                      </a:r>
+                      <a:r>
+                        <a:rPr lang="en-US" altLang="ko-KR" sz="1800" b="0" dirty="0"/>
+                        <a:t>C</a:t>
+                      </a:r>
+                      <a:endParaRPr lang="ko-KR" altLang="en-US" sz="1800" b="0" dirty="0"/>
                     </a:p>
                   </a:txBody>
                   <a:tcPr/>
@@ -14781,7 +14853,7 @@
         <p:spPr>
           <a:xfrm>
             <a:off x="577500" y="668432"/>
-            <a:ext cx="3029386" cy="1158705"/>
+            <a:ext cx="3717948" cy="1158705"/>
           </a:xfrm>
           <a:prstGeom prst="rect">
             <a:avLst/>
@@ -14812,8 +14884,12 @@
           <a:p>
             <a:pPr algn="ctr"/>
             <a:r>
+              <a:rPr lang="ko-KR" altLang="en-US" sz="2000"/>
+              <a:t>원자재 재고 현황 </a:t>
+            </a:r>
+            <a:r>
               <a:rPr lang="ko-KR" altLang="en-US" sz="2000" dirty="0"/>
-              <a:t>원자재 재고 조회 페이지 </a:t>
+              <a:t>조회 페이지 </a:t>
             </a:r>
           </a:p>
         </p:txBody>

--- a/화면설계서/원자재 입출고 관리 페이지.pptx
+++ b/화면설계서/원자재 입출고 관리 페이지.pptx
@@ -3617,7 +3617,7 @@
                     <a:p>
                       <a:pPr algn="ctr" latinLnBrk="1"/>
                       <a:r>
-                        <a:rPr lang="ko-KR" altLang="en-US" sz="1800" b="0" dirty="0" err="1"/>
+                        <a:rPr lang="ko-KR" altLang="en-US" sz="1800" b="0" dirty="0"/>
                         <a:t>매입처</a:t>
                       </a:r>
                       <a:r>
@@ -3737,7 +3737,7 @@
                     <a:p>
                       <a:pPr algn="ctr" latinLnBrk="1"/>
                       <a:r>
-                        <a:rPr lang="ko-KR" altLang="en-US" sz="1800" b="0" dirty="0" err="1"/>
+                        <a:rPr lang="ko-KR" altLang="en-US" sz="1800" b="0" dirty="0"/>
                         <a:t>매입처</a:t>
                       </a:r>
                       <a:r>
@@ -3861,7 +3861,7 @@
                     <a:p>
                       <a:pPr algn="ctr" latinLnBrk="1"/>
                       <a:r>
-                        <a:rPr lang="ko-KR" altLang="en-US" sz="1800" b="0" dirty="0" err="1"/>
+                        <a:rPr lang="ko-KR" altLang="en-US" sz="1800" b="0" dirty="0"/>
                         <a:t>매입처</a:t>
                       </a:r>
                       <a:r>
@@ -7027,7 +7027,7 @@
                     <a:p>
                       <a:pPr algn="ctr" latinLnBrk="1"/>
                       <a:r>
-                        <a:rPr lang="ko-KR" altLang="en-US" sz="1400" b="0" dirty="0" err="1"/>
+                        <a:rPr lang="ko-KR" altLang="en-US" sz="1400" b="0" dirty="0"/>
                         <a:t>매입처</a:t>
                       </a:r>
                       <a:r>
@@ -7210,7 +7210,7 @@
                     <a:p>
                       <a:pPr algn="ctr" latinLnBrk="1"/>
                       <a:r>
-                        <a:rPr lang="ko-KR" altLang="en-US" sz="1400" b="0" dirty="0" err="1"/>
+                        <a:rPr lang="ko-KR" altLang="en-US" sz="1400" b="0" dirty="0"/>
                         <a:t>매입처</a:t>
                       </a:r>
                       <a:r>
@@ -7397,7 +7397,7 @@
                     <a:p>
                       <a:pPr algn="ctr" latinLnBrk="1"/>
                       <a:r>
-                        <a:rPr lang="ko-KR" altLang="en-US" sz="1400" b="0" dirty="0" err="1"/>
+                        <a:rPr lang="ko-KR" altLang="en-US" sz="1400" b="0" dirty="0"/>
                         <a:t>매입처</a:t>
                       </a:r>
                       <a:r>
@@ -9658,7 +9658,7 @@
                     <a:p>
                       <a:pPr algn="ctr" latinLnBrk="1"/>
                       <a:r>
-                        <a:rPr lang="ko-KR" altLang="en-US" sz="1800" b="0" dirty="0" err="1"/>
+                        <a:rPr lang="ko-KR" altLang="en-US" sz="1800" b="0" dirty="0"/>
                         <a:t>매입처</a:t>
                       </a:r>
                       <a:r>
@@ -9778,7 +9778,7 @@
                     <a:p>
                       <a:pPr algn="ctr" latinLnBrk="1"/>
                       <a:r>
-                        <a:rPr lang="ko-KR" altLang="en-US" sz="1800" b="0" dirty="0" err="1"/>
+                        <a:rPr lang="ko-KR" altLang="en-US" sz="1800" b="0" dirty="0"/>
                         <a:t>매입처</a:t>
                       </a:r>
                       <a:r>
@@ -9898,7 +9898,7 @@
                     <a:p>
                       <a:pPr algn="ctr" latinLnBrk="1"/>
                       <a:r>
-                        <a:rPr lang="ko-KR" altLang="en-US" sz="1800" b="0" dirty="0" err="1"/>
+                        <a:rPr lang="ko-KR" altLang="en-US" sz="1800" b="0" dirty="0"/>
                         <a:t>매입처</a:t>
                       </a:r>
                       <a:r>
@@ -12082,7 +12082,7 @@
                     <a:p>
                       <a:pPr algn="ctr" latinLnBrk="1"/>
                       <a:r>
-                        <a:rPr lang="ko-KR" altLang="en-US" sz="1600" b="0" dirty="0" err="1"/>
+                        <a:rPr lang="ko-KR" altLang="en-US" sz="1600" b="0" dirty="0"/>
                         <a:t>매입처</a:t>
                       </a:r>
                       <a:r>
@@ -12240,7 +12240,7 @@
                     <a:p>
                       <a:pPr algn="ctr" latinLnBrk="1"/>
                       <a:r>
-                        <a:rPr lang="ko-KR" altLang="en-US" sz="1600" b="0" dirty="0" err="1"/>
+                        <a:rPr lang="ko-KR" altLang="en-US" sz="1600" b="0" dirty="0"/>
                         <a:t>매입처</a:t>
                       </a:r>
                       <a:r>
@@ -12386,7 +12386,7 @@
                     <a:p>
                       <a:pPr algn="ctr" latinLnBrk="1"/>
                       <a:r>
-                        <a:rPr lang="ko-KR" altLang="en-US" sz="1600" b="0" dirty="0" err="1"/>
+                        <a:rPr lang="ko-KR" altLang="en-US" sz="1600" b="0" dirty="0"/>
                         <a:t>매입처</a:t>
                       </a:r>
                       <a:r>
@@ -15088,7 +15088,7 @@
                     <a:p>
                       <a:pPr algn="ctr" latinLnBrk="1"/>
                       <a:r>
-                        <a:rPr lang="ko-KR" altLang="en-US" sz="1600" b="0" dirty="0" err="1"/>
+                        <a:rPr lang="ko-KR" altLang="en-US" sz="1600" b="0" dirty="0"/>
                         <a:t>매입처</a:t>
                       </a:r>
                       <a:r>
@@ -15178,7 +15178,7 @@
                     <a:p>
                       <a:pPr algn="ctr" latinLnBrk="1"/>
                       <a:r>
-                        <a:rPr lang="ko-KR" altLang="en-US" sz="1600" b="0" dirty="0" err="1"/>
+                        <a:rPr lang="ko-KR" altLang="en-US" sz="1600" b="0" dirty="0"/>
                         <a:t>매입처</a:t>
                       </a:r>
                       <a:r>
@@ -15268,7 +15268,7 @@
                     <a:p>
                       <a:pPr algn="ctr" latinLnBrk="1"/>
                       <a:r>
-                        <a:rPr lang="ko-KR" altLang="en-US" sz="1600" b="0" dirty="0" err="1"/>
+                        <a:rPr lang="ko-KR" altLang="en-US" sz="1600" b="0" dirty="0"/>
                         <a:t>매입처</a:t>
                       </a:r>
                       <a:r>
